--- a/04. Proyecto final - Presentacion ejecutiva.pptx
+++ b/04. Proyecto final - Presentacion ejecutiva.pptx
@@ -1,40 +1,40 @@
 
 <file path=ppt/presentation.xml><?xml version="1.0" encoding="utf-8"?>
-<p:presentation xmlns:a="http://schemas.openxmlformats.org/drawingml/2006/main" xmlns:r="http://schemas.openxmlformats.org/officeDocument/2006/relationships" xmlns:mc="http://schemas.openxmlformats.org/markup-compatibility/2006" xmlns:mv="urn:schemas-microsoft-com:mac:vml" xmlns:p="http://schemas.openxmlformats.org/presentationml/2006/main" xmlns:c="http://schemas.openxmlformats.org/drawingml/2006/chart" xmlns:dgm="http://schemas.openxmlformats.org/drawingml/2006/diagram" xmlns:o="urn:schemas-microsoft-com:office:office" xmlns:v="urn:schemas-microsoft-com:vml" xmlns:pvml="urn:schemas-microsoft-com:office:powerpoint" xmlns:com="http://schemas.openxmlformats.org/drawingml/2006/compatibility" xmlns:p14="http://schemas.microsoft.com/office/powerpoint/2010/main" xmlns:p15="http://schemas.microsoft.com/office/powerpoint/2012/main" xmlns:ahyp="http://schemas.microsoft.com/office/drawing/2018/hyperlinkcolor" autoCompressPictures="0" embedTrueTypeFonts="1" strictFirstAndLastChars="0" saveSubsetFonts="1">
+<p:presentation xmlns:a="http://schemas.openxmlformats.org/drawingml/2006/main" xmlns:r="http://schemas.openxmlformats.org/officeDocument/2006/relationships" xmlns:p="http://schemas.openxmlformats.org/presentationml/2006/main" strictFirstAndLastChars="0" embedTrueTypeFonts="1" saveSubsetFonts="1" autoCompressPictures="0">
   <p:sldMasterIdLst>
-    <p:sldMasterId id="2147483659" r:id="rId4"/>
+    <p:sldMasterId id="2147483659" r:id="rId1"/>
   </p:sldMasterIdLst>
   <p:notesMasterIdLst>
-    <p:notesMasterId r:id="rId5"/>
+    <p:notesMasterId r:id="rId10"/>
   </p:notesMasterIdLst>
   <p:sldIdLst>
-    <p:sldId id="256" r:id="rId6"/>
-    <p:sldId id="257" r:id="rId7"/>
-    <p:sldId id="258" r:id="rId8"/>
-    <p:sldId id="259" r:id="rId9"/>
-    <p:sldId id="260" r:id="rId10"/>
-    <p:sldId id="261" r:id="rId11"/>
-    <p:sldId id="262" r:id="rId12"/>
-    <p:sldId id="263" r:id="rId13"/>
+    <p:sldId id="256" r:id="rId2"/>
+    <p:sldId id="257" r:id="rId3"/>
+    <p:sldId id="258" r:id="rId4"/>
+    <p:sldId id="259" r:id="rId5"/>
+    <p:sldId id="260" r:id="rId6"/>
+    <p:sldId id="261" r:id="rId7"/>
+    <p:sldId id="262" r:id="rId8"/>
+    <p:sldId id="263" r:id="rId9"/>
   </p:sldIdLst>
-  <p:sldSz cy="5143500" cx="9144000"/>
+  <p:sldSz cx="9144000" cy="5143500" type="screen16x9"/>
   <p:notesSz cx="6858000" cy="9144000"/>
   <p:embeddedFontLst>
     <p:embeddedFont>
-      <p:font typeface="Roboto Slab"/>
-      <p:regular r:id="rId14"/>
-      <p:bold r:id="rId15"/>
+      <p:font typeface="Roboto" panose="02000000000000000000" pitchFamily="2" charset="0"/>
+      <p:regular r:id="rId11"/>
+      <p:bold r:id="rId12"/>
+      <p:italic r:id="rId13"/>
+      <p:boldItalic r:id="rId14"/>
     </p:embeddedFont>
     <p:embeddedFont>
-      <p:font typeface="Roboto"/>
-      <p:regular r:id="rId16"/>
-      <p:bold r:id="rId17"/>
-      <p:italic r:id="rId18"/>
-      <p:boldItalic r:id="rId19"/>
+      <p:font typeface="Roboto Slab" pitchFamily="2" charset="0"/>
+      <p:regular r:id="rId15"/>
+      <p:bold r:id="rId16"/>
     </p:embeddedFont>
   </p:embeddedFontLst>
   <p:defaultTextStyle>
-    <a:defPPr lvl="0" marR="0" rtl="0" algn="l">
+    <a:defPPr marR="0" lvl="0" algn="l" rtl="0">
       <a:lnSpc>
         <a:spcPct val="100000"/>
       </a:lnSpc>
@@ -45,7 +45,7 @@
         <a:spcPts val="0"/>
       </a:spcAft>
     </a:defPPr>
-    <a:lvl1pPr lvl="0" marR="0" rtl="0" algn="l">
+    <a:lvl1pPr marR="0" lvl="0" algn="l" rtl="0">
       <a:lnSpc>
         <a:spcPct val="100000"/>
       </a:lnSpc>
@@ -59,7 +59,7 @@
         <a:srgbClr val="000000"/>
       </a:buClr>
       <a:buFont typeface="Arial"/>
-      <a:defRPr b="0" i="0" sz="1400" u="none" cap="none" strike="noStrike">
+      <a:defRPr sz="1400" b="0" i="0" u="none" strike="noStrike" cap="none">
         <a:solidFill>
           <a:srgbClr val="000000"/>
         </a:solidFill>
@@ -69,7 +69,7 @@
         <a:sym typeface="Arial"/>
       </a:defRPr>
     </a:lvl1pPr>
-    <a:lvl2pPr lvl="1" marR="0" rtl="0" algn="l">
+    <a:lvl2pPr marR="0" lvl="1" algn="l" rtl="0">
       <a:lnSpc>
         <a:spcPct val="100000"/>
       </a:lnSpc>
@@ -83,7 +83,7 @@
         <a:srgbClr val="000000"/>
       </a:buClr>
       <a:buFont typeface="Arial"/>
-      <a:defRPr b="0" i="0" sz="1400" u="none" cap="none" strike="noStrike">
+      <a:defRPr sz="1400" b="0" i="0" u="none" strike="noStrike" cap="none">
         <a:solidFill>
           <a:srgbClr val="000000"/>
         </a:solidFill>
@@ -93,7 +93,7 @@
         <a:sym typeface="Arial"/>
       </a:defRPr>
     </a:lvl2pPr>
-    <a:lvl3pPr lvl="2" marR="0" rtl="0" algn="l">
+    <a:lvl3pPr marR="0" lvl="2" algn="l" rtl="0">
       <a:lnSpc>
         <a:spcPct val="100000"/>
       </a:lnSpc>
@@ -107,7 +107,7 @@
         <a:srgbClr val="000000"/>
       </a:buClr>
       <a:buFont typeface="Arial"/>
-      <a:defRPr b="0" i="0" sz="1400" u="none" cap="none" strike="noStrike">
+      <a:defRPr sz="1400" b="0" i="0" u="none" strike="noStrike" cap="none">
         <a:solidFill>
           <a:srgbClr val="000000"/>
         </a:solidFill>
@@ -117,7 +117,7 @@
         <a:sym typeface="Arial"/>
       </a:defRPr>
     </a:lvl3pPr>
-    <a:lvl4pPr lvl="3" marR="0" rtl="0" algn="l">
+    <a:lvl4pPr marR="0" lvl="3" algn="l" rtl="0">
       <a:lnSpc>
         <a:spcPct val="100000"/>
       </a:lnSpc>
@@ -131,7 +131,7 @@
         <a:srgbClr val="000000"/>
       </a:buClr>
       <a:buFont typeface="Arial"/>
-      <a:defRPr b="0" i="0" sz="1400" u="none" cap="none" strike="noStrike">
+      <a:defRPr sz="1400" b="0" i="0" u="none" strike="noStrike" cap="none">
         <a:solidFill>
           <a:srgbClr val="000000"/>
         </a:solidFill>
@@ -141,7 +141,7 @@
         <a:sym typeface="Arial"/>
       </a:defRPr>
     </a:lvl4pPr>
-    <a:lvl5pPr lvl="4" marR="0" rtl="0" algn="l">
+    <a:lvl5pPr marR="0" lvl="4" algn="l" rtl="0">
       <a:lnSpc>
         <a:spcPct val="100000"/>
       </a:lnSpc>
@@ -155,7 +155,7 @@
         <a:srgbClr val="000000"/>
       </a:buClr>
       <a:buFont typeface="Arial"/>
-      <a:defRPr b="0" i="0" sz="1400" u="none" cap="none" strike="noStrike">
+      <a:defRPr sz="1400" b="0" i="0" u="none" strike="noStrike" cap="none">
         <a:solidFill>
           <a:srgbClr val="000000"/>
         </a:solidFill>
@@ -165,7 +165,7 @@
         <a:sym typeface="Arial"/>
       </a:defRPr>
     </a:lvl5pPr>
-    <a:lvl6pPr lvl="5" marR="0" rtl="0" algn="l">
+    <a:lvl6pPr marR="0" lvl="5" algn="l" rtl="0">
       <a:lnSpc>
         <a:spcPct val="100000"/>
       </a:lnSpc>
@@ -179,7 +179,7 @@
         <a:srgbClr val="000000"/>
       </a:buClr>
       <a:buFont typeface="Arial"/>
-      <a:defRPr b="0" i="0" sz="1400" u="none" cap="none" strike="noStrike">
+      <a:defRPr sz="1400" b="0" i="0" u="none" strike="noStrike" cap="none">
         <a:solidFill>
           <a:srgbClr val="000000"/>
         </a:solidFill>
@@ -189,7 +189,7 @@
         <a:sym typeface="Arial"/>
       </a:defRPr>
     </a:lvl6pPr>
-    <a:lvl7pPr lvl="6" marR="0" rtl="0" algn="l">
+    <a:lvl7pPr marR="0" lvl="6" algn="l" rtl="0">
       <a:lnSpc>
         <a:spcPct val="100000"/>
       </a:lnSpc>
@@ -203,7 +203,7 @@
         <a:srgbClr val="000000"/>
       </a:buClr>
       <a:buFont typeface="Arial"/>
-      <a:defRPr b="0" i="0" sz="1400" u="none" cap="none" strike="noStrike">
+      <a:defRPr sz="1400" b="0" i="0" u="none" strike="noStrike" cap="none">
         <a:solidFill>
           <a:srgbClr val="000000"/>
         </a:solidFill>
@@ -213,7 +213,7 @@
         <a:sym typeface="Arial"/>
       </a:defRPr>
     </a:lvl7pPr>
-    <a:lvl8pPr lvl="7" marR="0" rtl="0" algn="l">
+    <a:lvl8pPr marR="0" lvl="7" algn="l" rtl="0">
       <a:lnSpc>
         <a:spcPct val="100000"/>
       </a:lnSpc>
@@ -227,7 +227,7 @@
         <a:srgbClr val="000000"/>
       </a:buClr>
       <a:buFont typeface="Arial"/>
-      <a:defRPr b="0" i="0" sz="1400" u="none" cap="none" strike="noStrike">
+      <a:defRPr sz="1400" b="0" i="0" u="none" strike="noStrike" cap="none">
         <a:solidFill>
           <a:srgbClr val="000000"/>
         </a:solidFill>
@@ -237,7 +237,7 @@
         <a:sym typeface="Arial"/>
       </a:defRPr>
     </a:lvl8pPr>
-    <a:lvl9pPr lvl="8" marR="0" rtl="0" algn="l">
+    <a:lvl9pPr marR="0" lvl="8" algn="l" rtl="0">
       <a:lnSpc>
         <a:spcPct val="100000"/>
       </a:lnSpc>
@@ -251,7 +251,7 @@
         <a:srgbClr val="000000"/>
       </a:buClr>
       <a:buFont typeface="Arial"/>
-      <a:defRPr b="0" i="0" sz="1400" u="none" cap="none" strike="noStrike">
+      <a:defRPr sz="1400" b="0" i="0" u="none" strike="noStrike" cap="none">
         <a:solidFill>
           <a:srgbClr val="000000"/>
         </a:solidFill>
@@ -264,7 +264,7 @@
   </p:defaultTextStyle>
   <p:extLst>
     <p:ext uri="{EFAFB233-063F-42B5-8137-9DF3F51BA10A}">
-      <p15:sldGuideLst>
+      <p15:sldGuideLst xmlns:p15="http://schemas.microsoft.com/office/powerpoint/2012/main">
         <p15:guide id="1" orient="horz" pos="1620">
           <p15:clr>
             <a:srgbClr val="747775"/>
@@ -282,11 +282,16 @@
 </file>
 
 <file path=ppt/notesMasters/notesMaster1.xml><?xml version="1.0" encoding="utf-8"?>
-<p:notesMaster xmlns:a="http://schemas.openxmlformats.org/drawingml/2006/main" xmlns:r="http://schemas.openxmlformats.org/officeDocument/2006/relationships" xmlns:mc="http://schemas.openxmlformats.org/markup-compatibility/2006" xmlns:mv="urn:schemas-microsoft-com:mac:vml" xmlns:p="http://schemas.openxmlformats.org/presentationml/2006/main" xmlns:c="http://schemas.openxmlformats.org/drawingml/2006/chart" xmlns:dgm="http://schemas.openxmlformats.org/drawingml/2006/diagram" xmlns:o="urn:schemas-microsoft-com:office:office" xmlns:v="urn:schemas-microsoft-com:vml" xmlns:pvml="urn:schemas-microsoft-com:office:powerpoint" xmlns:com="http://schemas.openxmlformats.org/drawingml/2006/compatibility" xmlns:p14="http://schemas.microsoft.com/office/powerpoint/2010/main" xmlns:p15="http://schemas.microsoft.com/office/powerpoint/2012/main" xmlns:ahyp="http://schemas.microsoft.com/office/drawing/2018/hyperlinkcolor">
+<p:notesMaster xmlns:a="http://schemas.openxmlformats.org/drawingml/2006/main" xmlns:r="http://schemas.openxmlformats.org/officeDocument/2006/relationships" xmlns:p="http://schemas.openxmlformats.org/presentationml/2006/main">
   <p:cSld>
+    <p:bg>
+      <p:bgRef idx="1001">
+        <a:schemeClr val="bg1"/>
+      </p:bgRef>
+    </p:bg>
     <p:spTree>
       <p:nvGrpSpPr>
-        <p:cNvPr id="2" name="Shape 2"/>
+        <p:cNvPr id="1" name="Shape 2"/>
         <p:cNvGrpSpPr/>
         <p:nvPr/>
       </p:nvGrpSpPr>
@@ -301,9 +306,11 @@
       <p:sp>
         <p:nvSpPr>
           <p:cNvPr id="3" name="Google Shape;3;n"/>
-          <p:cNvSpPr/>
+          <p:cNvSpPr>
+            <a:spLocks noGrp="1" noRot="1" noChangeAspect="1"/>
+          </p:cNvSpPr>
           <p:nvPr>
-            <p:ph idx="2" type="sldImg"/>
+            <p:ph type="sldImg" idx="2"/>
           </p:nvPr>
         </p:nvSpPr>
         <p:spPr>
@@ -312,9 +319,13 @@
             <a:ext cx="6096075" cy="3429000"/>
           </a:xfrm>
           <a:custGeom>
-            <a:rect b="b" l="l" r="r" t="t"/>
+            <a:avLst/>
+            <a:gdLst/>
+            <a:ahLst/>
+            <a:cxnLst/>
+            <a:rect l="l" t="t" r="r" b="b"/>
             <a:pathLst>
-              <a:path extrusionOk="0" h="120000" w="120000">
+              <a:path w="120000" h="120000" extrusionOk="0">
                 <a:moveTo>
                   <a:pt x="0" y="0"/>
                 </a:moveTo>
@@ -332,23 +343,25 @@
             </a:pathLst>
           </a:custGeom>
           <a:noFill/>
-          <a:ln cap="flat" cmpd="sng" w="9525">
+          <a:ln w="9525" cap="flat" cmpd="sng">
             <a:solidFill>
               <a:srgbClr val="000000"/>
             </a:solidFill>
             <a:prstDash val="solid"/>
             <a:round/>
-            <a:headEnd len="sm" w="sm" type="none"/>
-            <a:tailEnd len="sm" w="sm" type="none"/>
+            <a:headEnd type="none" w="sm" len="sm"/>
+            <a:tailEnd type="none" w="sm" len="sm"/>
           </a:ln>
         </p:spPr>
       </p:sp>
       <p:sp>
         <p:nvSpPr>
           <p:cNvPr id="4" name="Google Shape;4;n"/>
-          <p:cNvSpPr txBox="1"/>
+          <p:cNvSpPr txBox="1">
+            <a:spLocks noGrp="1"/>
+          </p:cNvSpPr>
           <p:nvPr>
-            <p:ph idx="1" type="body"/>
+            <p:ph type="body" idx="1"/>
           </p:nvPr>
         </p:nvSpPr>
         <p:spPr>
@@ -365,11 +378,11 @@
           </a:ln>
         </p:spPr>
         <p:txBody>
-          <a:bodyPr anchorCtr="0" anchor="t" bIns="91425" lIns="91425" spcFirstLastPara="1" rIns="91425" wrap="square" tIns="91425">
+          <a:bodyPr spcFirstLastPara="1" wrap="square" lIns="91425" tIns="91425" rIns="91425" bIns="91425" anchor="t" anchorCtr="0">
             <a:noAutofit/>
           </a:bodyPr>
           <a:lstStyle>
-            <a:lvl1pPr indent="-298450" lvl="0" marL="457200">
+            <a:lvl1pPr marL="457200" lvl="0" indent="-298450">
               <a:spcBef>
                 <a:spcPts val="0"/>
               </a:spcBef>
@@ -380,7 +393,7 @@
               <a:buChar char="●"/>
               <a:defRPr sz="1100"/>
             </a:lvl1pPr>
-            <a:lvl2pPr indent="-298450" lvl="1" marL="914400">
+            <a:lvl2pPr marL="914400" lvl="1" indent="-298450">
               <a:spcBef>
                 <a:spcPts val="0"/>
               </a:spcBef>
@@ -391,7 +404,7 @@
               <a:buChar char="○"/>
               <a:defRPr sz="1100"/>
             </a:lvl2pPr>
-            <a:lvl3pPr indent="-298450" lvl="2" marL="1371600">
+            <a:lvl3pPr marL="1371600" lvl="2" indent="-298450">
               <a:spcBef>
                 <a:spcPts val="0"/>
               </a:spcBef>
@@ -402,7 +415,7 @@
               <a:buChar char="■"/>
               <a:defRPr sz="1100"/>
             </a:lvl3pPr>
-            <a:lvl4pPr indent="-298450" lvl="3" marL="1828800">
+            <a:lvl4pPr marL="1828800" lvl="3" indent="-298450">
               <a:spcBef>
                 <a:spcPts val="0"/>
               </a:spcBef>
@@ -413,7 +426,7 @@
               <a:buChar char="●"/>
               <a:defRPr sz="1100"/>
             </a:lvl4pPr>
-            <a:lvl5pPr indent="-298450" lvl="4" marL="2286000">
+            <a:lvl5pPr marL="2286000" lvl="4" indent="-298450">
               <a:spcBef>
                 <a:spcPts val="0"/>
               </a:spcBef>
@@ -424,7 +437,7 @@
               <a:buChar char="○"/>
               <a:defRPr sz="1100"/>
             </a:lvl5pPr>
-            <a:lvl6pPr indent="-298450" lvl="5" marL="2743200">
+            <a:lvl6pPr marL="2743200" lvl="5" indent="-298450">
               <a:spcBef>
                 <a:spcPts val="0"/>
               </a:spcBef>
@@ -435,7 +448,7 @@
               <a:buChar char="■"/>
               <a:defRPr sz="1100"/>
             </a:lvl6pPr>
-            <a:lvl7pPr indent="-298450" lvl="6" marL="3200400">
+            <a:lvl7pPr marL="3200400" lvl="6" indent="-298450">
               <a:spcBef>
                 <a:spcPts val="0"/>
               </a:spcBef>
@@ -446,7 +459,7 @@
               <a:buChar char="●"/>
               <a:defRPr sz="1100"/>
             </a:lvl7pPr>
-            <a:lvl8pPr indent="-298450" lvl="7" marL="3657600">
+            <a:lvl8pPr marL="3657600" lvl="7" indent="-298450">
               <a:spcBef>
                 <a:spcPts val="0"/>
               </a:spcBef>
@@ -457,7 +470,7 @@
               <a:buChar char="○"/>
               <a:defRPr sz="1100"/>
             </a:lvl8pPr>
-            <a:lvl9pPr indent="-298450" lvl="8" marL="4114800">
+            <a:lvl9pPr marL="4114800" lvl="8" indent="-298450">
               <a:spcBef>
                 <a:spcPts val="0"/>
               </a:spcBef>
@@ -469,14 +482,16 @@
               <a:defRPr sz="1100"/>
             </a:lvl9pPr>
           </a:lstStyle>
-          <a:p/>
+          <a:p>
+            <a:endParaRPr/>
+          </a:p>
         </p:txBody>
       </p:sp>
     </p:spTree>
   </p:cSld>
-  <p:clrMap accent1="accent1" accent2="accent2" accent3="accent3" accent4="accent4" accent5="accent5" accent6="accent6" bg1="lt1" bg2="dk2" tx1="dk1" tx2="lt2" folHlink="folHlink" hlink="hlink"/>
+  <p:clrMap bg1="lt1" tx1="dk1" bg2="dk2" tx2="lt2" accent1="accent1" accent2="accent2" accent3="accent3" accent4="accent4" accent5="accent5" accent6="accent6" hlink="hlink" folHlink="folHlink"/>
   <p:notesStyle>
-    <a:defPPr lvl="0" marR="0" rtl="0" algn="l">
+    <a:defPPr marR="0" lvl="0" algn="l" rtl="0">
       <a:lnSpc>
         <a:spcPct val="100000"/>
       </a:lnSpc>
@@ -487,7 +502,7 @@
         <a:spcPts val="0"/>
       </a:spcAft>
     </a:defPPr>
-    <a:lvl1pPr lvl="0" marR="0" rtl="0" algn="l">
+    <a:lvl1pPr marR="0" lvl="0" algn="l" rtl="0">
       <a:lnSpc>
         <a:spcPct val="100000"/>
       </a:lnSpc>
@@ -501,7 +516,7 @@
         <a:srgbClr val="000000"/>
       </a:buClr>
       <a:buFont typeface="Arial"/>
-      <a:defRPr b="0" i="0" sz="1400" u="none" cap="none" strike="noStrike">
+      <a:defRPr sz="1400" b="0" i="0" u="none" strike="noStrike" cap="none">
         <a:solidFill>
           <a:srgbClr val="000000"/>
         </a:solidFill>
@@ -511,7 +526,7 @@
         <a:sym typeface="Arial"/>
       </a:defRPr>
     </a:lvl1pPr>
-    <a:lvl2pPr lvl="1" marR="0" rtl="0" algn="l">
+    <a:lvl2pPr marR="0" lvl="1" algn="l" rtl="0">
       <a:lnSpc>
         <a:spcPct val="100000"/>
       </a:lnSpc>
@@ -525,7 +540,7 @@
         <a:srgbClr val="000000"/>
       </a:buClr>
       <a:buFont typeface="Arial"/>
-      <a:defRPr b="0" i="0" sz="1400" u="none" cap="none" strike="noStrike">
+      <a:defRPr sz="1400" b="0" i="0" u="none" strike="noStrike" cap="none">
         <a:solidFill>
           <a:srgbClr val="000000"/>
         </a:solidFill>
@@ -535,7 +550,7 @@
         <a:sym typeface="Arial"/>
       </a:defRPr>
     </a:lvl2pPr>
-    <a:lvl3pPr lvl="2" marR="0" rtl="0" algn="l">
+    <a:lvl3pPr marR="0" lvl="2" algn="l" rtl="0">
       <a:lnSpc>
         <a:spcPct val="100000"/>
       </a:lnSpc>
@@ -549,7 +564,7 @@
         <a:srgbClr val="000000"/>
       </a:buClr>
       <a:buFont typeface="Arial"/>
-      <a:defRPr b="0" i="0" sz="1400" u="none" cap="none" strike="noStrike">
+      <a:defRPr sz="1400" b="0" i="0" u="none" strike="noStrike" cap="none">
         <a:solidFill>
           <a:srgbClr val="000000"/>
         </a:solidFill>
@@ -559,7 +574,7 @@
         <a:sym typeface="Arial"/>
       </a:defRPr>
     </a:lvl3pPr>
-    <a:lvl4pPr lvl="3" marR="0" rtl="0" algn="l">
+    <a:lvl4pPr marR="0" lvl="3" algn="l" rtl="0">
       <a:lnSpc>
         <a:spcPct val="100000"/>
       </a:lnSpc>
@@ -573,7 +588,7 @@
         <a:srgbClr val="000000"/>
       </a:buClr>
       <a:buFont typeface="Arial"/>
-      <a:defRPr b="0" i="0" sz="1400" u="none" cap="none" strike="noStrike">
+      <a:defRPr sz="1400" b="0" i="0" u="none" strike="noStrike" cap="none">
         <a:solidFill>
           <a:srgbClr val="000000"/>
         </a:solidFill>
@@ -583,7 +598,7 @@
         <a:sym typeface="Arial"/>
       </a:defRPr>
     </a:lvl4pPr>
-    <a:lvl5pPr lvl="4" marR="0" rtl="0" algn="l">
+    <a:lvl5pPr marR="0" lvl="4" algn="l" rtl="0">
       <a:lnSpc>
         <a:spcPct val="100000"/>
       </a:lnSpc>
@@ -597,7 +612,7 @@
         <a:srgbClr val="000000"/>
       </a:buClr>
       <a:buFont typeface="Arial"/>
-      <a:defRPr b="0" i="0" sz="1400" u="none" cap="none" strike="noStrike">
+      <a:defRPr sz="1400" b="0" i="0" u="none" strike="noStrike" cap="none">
         <a:solidFill>
           <a:srgbClr val="000000"/>
         </a:solidFill>
@@ -607,7 +622,7 @@
         <a:sym typeface="Arial"/>
       </a:defRPr>
     </a:lvl5pPr>
-    <a:lvl6pPr lvl="5" marR="0" rtl="0" algn="l">
+    <a:lvl6pPr marR="0" lvl="5" algn="l" rtl="0">
       <a:lnSpc>
         <a:spcPct val="100000"/>
       </a:lnSpc>
@@ -621,7 +636,7 @@
         <a:srgbClr val="000000"/>
       </a:buClr>
       <a:buFont typeface="Arial"/>
-      <a:defRPr b="0" i="0" sz="1400" u="none" cap="none" strike="noStrike">
+      <a:defRPr sz="1400" b="0" i="0" u="none" strike="noStrike" cap="none">
         <a:solidFill>
           <a:srgbClr val="000000"/>
         </a:solidFill>
@@ -631,7 +646,7 @@
         <a:sym typeface="Arial"/>
       </a:defRPr>
     </a:lvl6pPr>
-    <a:lvl7pPr lvl="6" marR="0" rtl="0" algn="l">
+    <a:lvl7pPr marR="0" lvl="6" algn="l" rtl="0">
       <a:lnSpc>
         <a:spcPct val="100000"/>
       </a:lnSpc>
@@ -645,7 +660,7 @@
         <a:srgbClr val="000000"/>
       </a:buClr>
       <a:buFont typeface="Arial"/>
-      <a:defRPr b="0" i="0" sz="1400" u="none" cap="none" strike="noStrike">
+      <a:defRPr sz="1400" b="0" i="0" u="none" strike="noStrike" cap="none">
         <a:solidFill>
           <a:srgbClr val="000000"/>
         </a:solidFill>
@@ -655,7 +670,7 @@
         <a:sym typeface="Arial"/>
       </a:defRPr>
     </a:lvl7pPr>
-    <a:lvl8pPr lvl="7" marR="0" rtl="0" algn="l">
+    <a:lvl8pPr marR="0" lvl="7" algn="l" rtl="0">
       <a:lnSpc>
         <a:spcPct val="100000"/>
       </a:lnSpc>
@@ -669,7 +684,7 @@
         <a:srgbClr val="000000"/>
       </a:buClr>
       <a:buFont typeface="Arial"/>
-      <a:defRPr b="0" i="0" sz="1400" u="none" cap="none" strike="noStrike">
+      <a:defRPr sz="1400" b="0" i="0" u="none" strike="noStrike" cap="none">
         <a:solidFill>
           <a:srgbClr val="000000"/>
         </a:solidFill>
@@ -679,7 +694,7 @@
         <a:sym typeface="Arial"/>
       </a:defRPr>
     </a:lvl8pPr>
-    <a:lvl9pPr lvl="8" marR="0" rtl="0" algn="l">
+    <a:lvl9pPr marR="0" lvl="8" algn="l" rtl="0">
       <a:lnSpc>
         <a:spcPct val="100000"/>
       </a:lnSpc>
@@ -693,7 +708,7 @@
         <a:srgbClr val="000000"/>
       </a:buClr>
       <a:buFont typeface="Arial"/>
-      <a:defRPr b="0" i="0" sz="1400" u="none" cap="none" strike="noStrike">
+      <a:defRPr sz="1400" b="0" i="0" u="none" strike="noStrike" cap="none">
         <a:solidFill>
           <a:srgbClr val="000000"/>
         </a:solidFill>
@@ -708,11 +723,11 @@
 </file>
 
 <file path=ppt/notesSlides/notesSlide1.xml><?xml version="1.0" encoding="utf-8"?>
-<p:notes xmlns:a="http://schemas.openxmlformats.org/drawingml/2006/main" xmlns:r="http://schemas.openxmlformats.org/officeDocument/2006/relationships" xmlns:mc="http://schemas.openxmlformats.org/markup-compatibility/2006" xmlns:mv="urn:schemas-microsoft-com:mac:vml" xmlns:p="http://schemas.openxmlformats.org/presentationml/2006/main" xmlns:c="http://schemas.openxmlformats.org/drawingml/2006/chart" xmlns:dgm="http://schemas.openxmlformats.org/drawingml/2006/diagram" xmlns:o="urn:schemas-microsoft-com:office:office" xmlns:v="urn:schemas-microsoft-com:vml" xmlns:pvml="urn:schemas-microsoft-com:office:powerpoint" xmlns:com="http://schemas.openxmlformats.org/drawingml/2006/compatibility" xmlns:p14="http://schemas.microsoft.com/office/powerpoint/2010/main" xmlns:p15="http://schemas.microsoft.com/office/powerpoint/2012/main" xmlns:ahyp="http://schemas.microsoft.com/office/drawing/2018/hyperlinkcolor" showMasterPhAnim="0" showMasterSp="0">
+<p:notes xmlns:a="http://schemas.openxmlformats.org/drawingml/2006/main" xmlns:r="http://schemas.openxmlformats.org/officeDocument/2006/relationships" xmlns:p="http://schemas.openxmlformats.org/presentationml/2006/main" showMasterSp="0" showMasterPhAnim="0">
   <p:cSld>
     <p:spTree>
       <p:nvGrpSpPr>
-        <p:cNvPr id="59" name="Shape 59"/>
+        <p:cNvPr id="1" name="Shape 59"/>
         <p:cNvGrpSpPr/>
         <p:nvPr/>
       </p:nvGrpSpPr>
@@ -727,20 +742,26 @@
       <p:sp>
         <p:nvSpPr>
           <p:cNvPr id="60" name="Google Shape;60;p:notes"/>
-          <p:cNvSpPr/>
+          <p:cNvSpPr>
+            <a:spLocks noGrp="1" noRot="1" noChangeAspect="1"/>
+          </p:cNvSpPr>
           <p:nvPr>
-            <p:ph idx="2" type="sldImg"/>
+            <p:ph type="sldImg" idx="2"/>
           </p:nvPr>
         </p:nvSpPr>
         <p:spPr>
           <a:xfrm>
-            <a:off x="381300" y="685800"/>
-            <a:ext cx="6096075" cy="3429000"/>
+            <a:off x="381000" y="685800"/>
+            <a:ext cx="6096000" cy="3429000"/>
           </a:xfrm>
           <a:custGeom>
-            <a:rect b="b" l="l" r="r" t="t"/>
+            <a:avLst/>
+            <a:gdLst/>
+            <a:ahLst/>
+            <a:cxnLst/>
+            <a:rect l="l" t="t" r="r" b="b"/>
             <a:pathLst>
-              <a:path extrusionOk="0" h="120000" w="120000">
+              <a:path w="120000" h="120000" extrusionOk="0">
                 <a:moveTo>
                   <a:pt x="0" y="0"/>
                 </a:moveTo>
@@ -762,9 +783,11 @@
       <p:sp>
         <p:nvSpPr>
           <p:cNvPr id="61" name="Google Shape;61;p:notes"/>
-          <p:cNvSpPr txBox="1"/>
+          <p:cNvSpPr txBox="1">
+            <a:spLocks noGrp="1"/>
+          </p:cNvSpPr>
           <p:nvPr>
-            <p:ph idx="1" type="body"/>
+            <p:ph type="body" idx="1"/>
           </p:nvPr>
         </p:nvSpPr>
         <p:spPr>
@@ -777,12 +800,12 @@
           </a:prstGeom>
         </p:spPr>
         <p:txBody>
-          <a:bodyPr anchorCtr="0" anchor="t" bIns="91425" lIns="91425" spcFirstLastPara="1" rIns="91425" wrap="square" tIns="91425">
+          <a:bodyPr spcFirstLastPara="1" wrap="square" lIns="91425" tIns="91425" rIns="91425" bIns="91425" anchor="t" anchorCtr="0">
             <a:noAutofit/>
           </a:bodyPr>
           <a:lstStyle/>
           <a:p>
-            <a:pPr indent="0" lvl="0" marL="0" rtl="0" algn="l">
+            <a:pPr marL="0" lvl="0" indent="0" algn="l" rtl="0">
               <a:spcBef>
                 <a:spcPts val="0"/>
               </a:spcBef>
@@ -792,10 +815,10 @@
               <a:buNone/>
             </a:pPr>
             <a:r>
-              <a:rPr lang="pt-BR"/>
+              <a:rPr lang="pt-BR" dirty="0"/>
               <a:t>Presentado por José Santiago</a:t>
             </a:r>
-            <a:endParaRPr/>
+            <a:endParaRPr dirty="0"/>
           </a:p>
         </p:txBody>
       </p:sp>
@@ -808,11 +831,11 @@
 </file>
 
 <file path=ppt/notesSlides/notesSlide2.xml><?xml version="1.0" encoding="utf-8"?>
-<p:notes xmlns:a="http://schemas.openxmlformats.org/drawingml/2006/main" xmlns:r="http://schemas.openxmlformats.org/officeDocument/2006/relationships" xmlns:mc="http://schemas.openxmlformats.org/markup-compatibility/2006" xmlns:mv="urn:schemas-microsoft-com:mac:vml" xmlns:p="http://schemas.openxmlformats.org/presentationml/2006/main" xmlns:c="http://schemas.openxmlformats.org/drawingml/2006/chart" xmlns:dgm="http://schemas.openxmlformats.org/drawingml/2006/diagram" xmlns:o="urn:schemas-microsoft-com:office:office" xmlns:v="urn:schemas-microsoft-com:vml" xmlns:pvml="urn:schemas-microsoft-com:office:powerpoint" xmlns:com="http://schemas.openxmlformats.org/drawingml/2006/compatibility" xmlns:p14="http://schemas.microsoft.com/office/powerpoint/2010/main" xmlns:p15="http://schemas.microsoft.com/office/powerpoint/2012/main" xmlns:ahyp="http://schemas.microsoft.com/office/drawing/2018/hyperlinkcolor" showMasterPhAnim="0" showMasterSp="0">
+<p:notes xmlns:a="http://schemas.openxmlformats.org/drawingml/2006/main" xmlns:r="http://schemas.openxmlformats.org/officeDocument/2006/relationships" xmlns:p="http://schemas.openxmlformats.org/presentationml/2006/main" showMasterSp="0" showMasterPhAnim="0">
   <p:cSld>
     <p:spTree>
       <p:nvGrpSpPr>
-        <p:cNvPr id="65" name="Shape 65"/>
+        <p:cNvPr id="1" name="Shape 65"/>
         <p:cNvGrpSpPr/>
         <p:nvPr/>
       </p:nvGrpSpPr>
@@ -827,20 +850,26 @@
       <p:sp>
         <p:nvSpPr>
           <p:cNvPr id="66" name="Google Shape;66;g36d87ab7313_0_394:notes"/>
-          <p:cNvSpPr/>
+          <p:cNvSpPr>
+            <a:spLocks noGrp="1" noRot="1" noChangeAspect="1"/>
+          </p:cNvSpPr>
           <p:nvPr>
-            <p:ph idx="2" type="sldImg"/>
+            <p:ph type="sldImg" idx="2"/>
           </p:nvPr>
         </p:nvSpPr>
         <p:spPr>
           <a:xfrm>
-            <a:off x="381300" y="685800"/>
+            <a:off x="381000" y="685800"/>
             <a:ext cx="6096000" cy="3429000"/>
           </a:xfrm>
           <a:custGeom>
-            <a:rect b="b" l="l" r="r" t="t"/>
+            <a:avLst/>
+            <a:gdLst/>
+            <a:ahLst/>
+            <a:cxnLst/>
+            <a:rect l="l" t="t" r="r" b="b"/>
             <a:pathLst>
-              <a:path extrusionOk="0" h="120000" w="120000">
+              <a:path w="120000" h="120000" extrusionOk="0">
                 <a:moveTo>
                   <a:pt x="0" y="0"/>
                 </a:moveTo>
@@ -862,9 +891,11 @@
       <p:sp>
         <p:nvSpPr>
           <p:cNvPr id="67" name="Google Shape;67;g36d87ab7313_0_394:notes"/>
-          <p:cNvSpPr txBox="1"/>
+          <p:cNvSpPr txBox="1">
+            <a:spLocks noGrp="1"/>
+          </p:cNvSpPr>
           <p:nvPr>
-            <p:ph idx="1" type="body"/>
+            <p:ph type="body" idx="1"/>
           </p:nvPr>
         </p:nvSpPr>
         <p:spPr>
@@ -877,12 +908,12 @@
           </a:prstGeom>
         </p:spPr>
         <p:txBody>
-          <a:bodyPr anchorCtr="0" anchor="t" bIns="91425" lIns="91425" spcFirstLastPara="1" rIns="91425" wrap="square" tIns="91425">
+          <a:bodyPr spcFirstLastPara="1" wrap="square" lIns="91425" tIns="91425" rIns="91425" bIns="91425" anchor="t" anchorCtr="0">
             <a:noAutofit/>
           </a:bodyPr>
           <a:lstStyle/>
           <a:p>
-            <a:pPr indent="0" lvl="0" marL="0" rtl="0" algn="l">
+            <a:pPr marL="0" lvl="0" indent="0" algn="l" rtl="0">
               <a:spcBef>
                 <a:spcPts val="0"/>
               </a:spcBef>
@@ -892,10 +923,10 @@
               <a:buNone/>
             </a:pPr>
             <a:r>
-              <a:rPr lang="pt-BR"/>
+              <a:rPr lang="pt-BR" dirty="0"/>
               <a:t>Descripción general y contexto</a:t>
             </a:r>
-            <a:endParaRPr/>
+            <a:endParaRPr dirty="0"/>
           </a:p>
         </p:txBody>
       </p:sp>
@@ -908,11 +939,11 @@
 </file>
 
 <file path=ppt/notesSlides/notesSlide3.xml><?xml version="1.0" encoding="utf-8"?>
-<p:notes xmlns:a="http://schemas.openxmlformats.org/drawingml/2006/main" xmlns:r="http://schemas.openxmlformats.org/officeDocument/2006/relationships" xmlns:mc="http://schemas.openxmlformats.org/markup-compatibility/2006" xmlns:mv="urn:schemas-microsoft-com:mac:vml" xmlns:p="http://schemas.openxmlformats.org/presentationml/2006/main" xmlns:c="http://schemas.openxmlformats.org/drawingml/2006/chart" xmlns:dgm="http://schemas.openxmlformats.org/drawingml/2006/diagram" xmlns:o="urn:schemas-microsoft-com:office:office" xmlns:v="urn:schemas-microsoft-com:vml" xmlns:pvml="urn:schemas-microsoft-com:office:powerpoint" xmlns:com="http://schemas.openxmlformats.org/drawingml/2006/compatibility" xmlns:p14="http://schemas.microsoft.com/office/powerpoint/2010/main" xmlns:p15="http://schemas.microsoft.com/office/powerpoint/2012/main" xmlns:ahyp="http://schemas.microsoft.com/office/drawing/2018/hyperlinkcolor" showMasterPhAnim="0" showMasterSp="0">
+<p:notes xmlns:a="http://schemas.openxmlformats.org/drawingml/2006/main" xmlns:r="http://schemas.openxmlformats.org/officeDocument/2006/relationships" xmlns:p="http://schemas.openxmlformats.org/presentationml/2006/main" showMasterSp="0" showMasterPhAnim="0">
   <p:cSld>
     <p:spTree>
       <p:nvGrpSpPr>
-        <p:cNvPr id="71" name="Shape 71"/>
+        <p:cNvPr id="1" name="Shape 71"/>
         <p:cNvGrpSpPr/>
         <p:nvPr/>
       </p:nvGrpSpPr>
@@ -927,20 +958,26 @@
       <p:sp>
         <p:nvSpPr>
           <p:cNvPr id="72" name="Google Shape;72;g36d87ab7313_0_552:notes"/>
-          <p:cNvSpPr/>
+          <p:cNvSpPr>
+            <a:spLocks noGrp="1" noRot="1" noChangeAspect="1"/>
+          </p:cNvSpPr>
           <p:nvPr>
-            <p:ph idx="2" type="sldImg"/>
+            <p:ph type="sldImg" idx="2"/>
           </p:nvPr>
         </p:nvSpPr>
         <p:spPr>
           <a:xfrm>
-            <a:off x="381300" y="685800"/>
+            <a:off x="381000" y="685800"/>
             <a:ext cx="6096000" cy="3429000"/>
           </a:xfrm>
           <a:custGeom>
-            <a:rect b="b" l="l" r="r" t="t"/>
+            <a:avLst/>
+            <a:gdLst/>
+            <a:ahLst/>
+            <a:cxnLst/>
+            <a:rect l="l" t="t" r="r" b="b"/>
             <a:pathLst>
-              <a:path extrusionOk="0" h="120000" w="120000">
+              <a:path w="120000" h="120000" extrusionOk="0">
                 <a:moveTo>
                   <a:pt x="0" y="0"/>
                 </a:moveTo>
@@ -962,9 +999,11 @@
       <p:sp>
         <p:nvSpPr>
           <p:cNvPr id="73" name="Google Shape;73;g36d87ab7313_0_552:notes"/>
-          <p:cNvSpPr txBox="1"/>
+          <p:cNvSpPr txBox="1">
+            <a:spLocks noGrp="1"/>
+          </p:cNvSpPr>
           <p:nvPr>
-            <p:ph idx="1" type="body"/>
+            <p:ph type="body" idx="1"/>
           </p:nvPr>
         </p:nvSpPr>
         <p:spPr>
@@ -977,12 +1016,12 @@
           </a:prstGeom>
         </p:spPr>
         <p:txBody>
-          <a:bodyPr anchorCtr="0" anchor="t" bIns="91425" lIns="91425" spcFirstLastPara="1" rIns="91425" wrap="square" tIns="91425">
+          <a:bodyPr spcFirstLastPara="1" wrap="square" lIns="91425" tIns="91425" rIns="91425" bIns="91425" anchor="t" anchorCtr="0">
             <a:noAutofit/>
           </a:bodyPr>
           <a:lstStyle/>
           <a:p>
-            <a:pPr indent="0" lvl="0" marL="0" rtl="0" algn="l">
+            <a:pPr marL="0" lvl="0" indent="0" algn="l" rtl="0">
               <a:spcBef>
                 <a:spcPts val="0"/>
               </a:spcBef>
@@ -991,9 +1030,6 @@
               </a:spcAft>
               <a:buNone/>
             </a:pPr>
-            <a:r>
-              <a:t/>
-            </a:r>
             <a:endParaRPr/>
           </a:p>
         </p:txBody>
@@ -1007,11 +1043,11 @@
 </file>
 
 <file path=ppt/notesSlides/notesSlide4.xml><?xml version="1.0" encoding="utf-8"?>
-<p:notes xmlns:a="http://schemas.openxmlformats.org/drawingml/2006/main" xmlns:r="http://schemas.openxmlformats.org/officeDocument/2006/relationships" xmlns:mc="http://schemas.openxmlformats.org/markup-compatibility/2006" xmlns:mv="urn:schemas-microsoft-com:mac:vml" xmlns:p="http://schemas.openxmlformats.org/presentationml/2006/main" xmlns:c="http://schemas.openxmlformats.org/drawingml/2006/chart" xmlns:dgm="http://schemas.openxmlformats.org/drawingml/2006/diagram" xmlns:o="urn:schemas-microsoft-com:office:office" xmlns:v="urn:schemas-microsoft-com:vml" xmlns:pvml="urn:schemas-microsoft-com:office:powerpoint" xmlns:com="http://schemas.openxmlformats.org/drawingml/2006/compatibility" xmlns:p14="http://schemas.microsoft.com/office/powerpoint/2010/main" xmlns:p15="http://schemas.microsoft.com/office/powerpoint/2012/main" xmlns:ahyp="http://schemas.microsoft.com/office/drawing/2018/hyperlinkcolor" showMasterPhAnim="0" showMasterSp="0">
+<p:notes xmlns:a="http://schemas.openxmlformats.org/drawingml/2006/main" xmlns:r="http://schemas.openxmlformats.org/officeDocument/2006/relationships" xmlns:p="http://schemas.openxmlformats.org/presentationml/2006/main" showMasterSp="0" showMasterPhAnim="0">
   <p:cSld>
     <p:spTree>
       <p:nvGrpSpPr>
-        <p:cNvPr id="77" name="Shape 77"/>
+        <p:cNvPr id="1" name="Shape 77"/>
         <p:cNvGrpSpPr/>
         <p:nvPr/>
       </p:nvGrpSpPr>
@@ -1026,20 +1062,26 @@
       <p:sp>
         <p:nvSpPr>
           <p:cNvPr id="78" name="Google Shape;78;g36d87ab7313_0_560:notes"/>
-          <p:cNvSpPr/>
+          <p:cNvSpPr>
+            <a:spLocks noGrp="1" noRot="1" noChangeAspect="1"/>
+          </p:cNvSpPr>
           <p:nvPr>
-            <p:ph idx="2" type="sldImg"/>
+            <p:ph type="sldImg" idx="2"/>
           </p:nvPr>
         </p:nvSpPr>
         <p:spPr>
           <a:xfrm>
-            <a:off x="381300" y="685800"/>
+            <a:off x="381000" y="685800"/>
             <a:ext cx="6096000" cy="3429000"/>
           </a:xfrm>
           <a:custGeom>
-            <a:rect b="b" l="l" r="r" t="t"/>
+            <a:avLst/>
+            <a:gdLst/>
+            <a:ahLst/>
+            <a:cxnLst/>
+            <a:rect l="l" t="t" r="r" b="b"/>
             <a:pathLst>
-              <a:path extrusionOk="0" h="120000" w="120000">
+              <a:path w="120000" h="120000" extrusionOk="0">
                 <a:moveTo>
                   <a:pt x="0" y="0"/>
                 </a:moveTo>
@@ -1061,9 +1103,11 @@
       <p:sp>
         <p:nvSpPr>
           <p:cNvPr id="79" name="Google Shape;79;g36d87ab7313_0_560:notes"/>
-          <p:cNvSpPr txBox="1"/>
+          <p:cNvSpPr txBox="1">
+            <a:spLocks noGrp="1"/>
+          </p:cNvSpPr>
           <p:nvPr>
-            <p:ph idx="1" type="body"/>
+            <p:ph type="body" idx="1"/>
           </p:nvPr>
         </p:nvSpPr>
         <p:spPr>
@@ -1076,12 +1120,12 @@
           </a:prstGeom>
         </p:spPr>
         <p:txBody>
-          <a:bodyPr anchorCtr="0" anchor="t" bIns="91425" lIns="91425" spcFirstLastPara="1" rIns="91425" wrap="square" tIns="91425">
+          <a:bodyPr spcFirstLastPara="1" wrap="square" lIns="91425" tIns="91425" rIns="91425" bIns="91425" anchor="t" anchorCtr="0">
             <a:noAutofit/>
           </a:bodyPr>
           <a:lstStyle/>
           <a:p>
-            <a:pPr indent="0" lvl="0" marL="0" rtl="0" algn="l">
+            <a:pPr marL="0" lvl="0" indent="0" algn="l" rtl="0">
               <a:spcBef>
                 <a:spcPts val="0"/>
               </a:spcBef>
@@ -1090,9 +1134,6 @@
               </a:spcAft>
               <a:buNone/>
             </a:pPr>
-            <a:r>
-              <a:t/>
-            </a:r>
             <a:endParaRPr/>
           </a:p>
         </p:txBody>
@@ -1106,11 +1147,11 @@
 </file>
 
 <file path=ppt/notesSlides/notesSlide5.xml><?xml version="1.0" encoding="utf-8"?>
-<p:notes xmlns:a="http://schemas.openxmlformats.org/drawingml/2006/main" xmlns:r="http://schemas.openxmlformats.org/officeDocument/2006/relationships" xmlns:mc="http://schemas.openxmlformats.org/markup-compatibility/2006" xmlns:mv="urn:schemas-microsoft-com:mac:vml" xmlns:p="http://schemas.openxmlformats.org/presentationml/2006/main" xmlns:c="http://schemas.openxmlformats.org/drawingml/2006/chart" xmlns:dgm="http://schemas.openxmlformats.org/drawingml/2006/diagram" xmlns:o="urn:schemas-microsoft-com:office:office" xmlns:v="urn:schemas-microsoft-com:vml" xmlns:pvml="urn:schemas-microsoft-com:office:powerpoint" xmlns:com="http://schemas.openxmlformats.org/drawingml/2006/compatibility" xmlns:p14="http://schemas.microsoft.com/office/powerpoint/2010/main" xmlns:p15="http://schemas.microsoft.com/office/powerpoint/2012/main" xmlns:ahyp="http://schemas.microsoft.com/office/drawing/2018/hyperlinkcolor" showMasterPhAnim="0" showMasterSp="0">
+<p:notes xmlns:a="http://schemas.openxmlformats.org/drawingml/2006/main" xmlns:r="http://schemas.openxmlformats.org/officeDocument/2006/relationships" xmlns:p="http://schemas.openxmlformats.org/presentationml/2006/main" showMasterSp="0" showMasterPhAnim="0">
   <p:cSld>
     <p:spTree>
       <p:nvGrpSpPr>
-        <p:cNvPr id="83" name="Shape 83"/>
+        <p:cNvPr id="1" name="Shape 83"/>
         <p:cNvGrpSpPr/>
         <p:nvPr/>
       </p:nvGrpSpPr>
@@ -1125,20 +1166,26 @@
       <p:sp>
         <p:nvSpPr>
           <p:cNvPr id="84" name="Google Shape;84;g36d87ab7313_0_568:notes"/>
-          <p:cNvSpPr/>
+          <p:cNvSpPr>
+            <a:spLocks noGrp="1" noRot="1" noChangeAspect="1"/>
+          </p:cNvSpPr>
           <p:nvPr>
-            <p:ph idx="2" type="sldImg"/>
+            <p:ph type="sldImg" idx="2"/>
           </p:nvPr>
         </p:nvSpPr>
         <p:spPr>
           <a:xfrm>
-            <a:off x="381300" y="685800"/>
+            <a:off x="381000" y="685800"/>
             <a:ext cx="6096000" cy="3429000"/>
           </a:xfrm>
           <a:custGeom>
-            <a:rect b="b" l="l" r="r" t="t"/>
+            <a:avLst/>
+            <a:gdLst/>
+            <a:ahLst/>
+            <a:cxnLst/>
+            <a:rect l="l" t="t" r="r" b="b"/>
             <a:pathLst>
-              <a:path extrusionOk="0" h="120000" w="120000">
+              <a:path w="120000" h="120000" extrusionOk="0">
                 <a:moveTo>
                   <a:pt x="0" y="0"/>
                 </a:moveTo>
@@ -1160,9 +1207,11 @@
       <p:sp>
         <p:nvSpPr>
           <p:cNvPr id="85" name="Google Shape;85;g36d87ab7313_0_568:notes"/>
-          <p:cNvSpPr txBox="1"/>
+          <p:cNvSpPr txBox="1">
+            <a:spLocks noGrp="1"/>
+          </p:cNvSpPr>
           <p:nvPr>
-            <p:ph idx="1" type="body"/>
+            <p:ph type="body" idx="1"/>
           </p:nvPr>
         </p:nvSpPr>
         <p:spPr>
@@ -1175,12 +1224,12 @@
           </a:prstGeom>
         </p:spPr>
         <p:txBody>
-          <a:bodyPr anchorCtr="0" anchor="t" bIns="91425" lIns="91425" spcFirstLastPara="1" rIns="91425" wrap="square" tIns="91425">
+          <a:bodyPr spcFirstLastPara="1" wrap="square" lIns="91425" tIns="91425" rIns="91425" bIns="91425" anchor="t" anchorCtr="0">
             <a:noAutofit/>
           </a:bodyPr>
           <a:lstStyle/>
           <a:p>
-            <a:pPr indent="0" lvl="0" marL="0" rtl="0" algn="l">
+            <a:pPr marL="0" lvl="0" indent="0" algn="l" rtl="0">
               <a:spcBef>
                 <a:spcPts val="0"/>
               </a:spcBef>
@@ -1189,9 +1238,6 @@
               </a:spcAft>
               <a:buNone/>
             </a:pPr>
-            <a:r>
-              <a:t/>
-            </a:r>
             <a:endParaRPr/>
           </a:p>
         </p:txBody>
@@ -1205,11 +1251,11 @@
 </file>
 
 <file path=ppt/notesSlides/notesSlide6.xml><?xml version="1.0" encoding="utf-8"?>
-<p:notes xmlns:a="http://schemas.openxmlformats.org/drawingml/2006/main" xmlns:r="http://schemas.openxmlformats.org/officeDocument/2006/relationships" xmlns:mc="http://schemas.openxmlformats.org/markup-compatibility/2006" xmlns:mv="urn:schemas-microsoft-com:mac:vml" xmlns:p="http://schemas.openxmlformats.org/presentationml/2006/main" xmlns:c="http://schemas.openxmlformats.org/drawingml/2006/chart" xmlns:dgm="http://schemas.openxmlformats.org/drawingml/2006/diagram" xmlns:o="urn:schemas-microsoft-com:office:office" xmlns:v="urn:schemas-microsoft-com:vml" xmlns:pvml="urn:schemas-microsoft-com:office:powerpoint" xmlns:com="http://schemas.openxmlformats.org/drawingml/2006/compatibility" xmlns:p14="http://schemas.microsoft.com/office/powerpoint/2010/main" xmlns:p15="http://schemas.microsoft.com/office/powerpoint/2012/main" xmlns:ahyp="http://schemas.microsoft.com/office/drawing/2018/hyperlinkcolor" showMasterPhAnim="0" showMasterSp="0">
+<p:notes xmlns:a="http://schemas.openxmlformats.org/drawingml/2006/main" xmlns:r="http://schemas.openxmlformats.org/officeDocument/2006/relationships" xmlns:p="http://schemas.openxmlformats.org/presentationml/2006/main" showMasterSp="0" showMasterPhAnim="0">
   <p:cSld>
     <p:spTree>
       <p:nvGrpSpPr>
-        <p:cNvPr id="90" name="Shape 90"/>
+        <p:cNvPr id="1" name="Shape 90"/>
         <p:cNvGrpSpPr/>
         <p:nvPr/>
       </p:nvGrpSpPr>
@@ -1224,20 +1270,26 @@
       <p:sp>
         <p:nvSpPr>
           <p:cNvPr id="91" name="Google Shape;91;g36d87ab7313_0_577:notes"/>
-          <p:cNvSpPr/>
+          <p:cNvSpPr>
+            <a:spLocks noGrp="1" noRot="1" noChangeAspect="1"/>
+          </p:cNvSpPr>
           <p:nvPr>
-            <p:ph idx="2" type="sldImg"/>
+            <p:ph type="sldImg" idx="2"/>
           </p:nvPr>
         </p:nvSpPr>
         <p:spPr>
           <a:xfrm>
-            <a:off x="381300" y="685800"/>
+            <a:off x="381000" y="685800"/>
             <a:ext cx="6096000" cy="3429000"/>
           </a:xfrm>
           <a:custGeom>
-            <a:rect b="b" l="l" r="r" t="t"/>
+            <a:avLst/>
+            <a:gdLst/>
+            <a:ahLst/>
+            <a:cxnLst/>
+            <a:rect l="l" t="t" r="r" b="b"/>
             <a:pathLst>
-              <a:path extrusionOk="0" h="120000" w="120000">
+              <a:path w="120000" h="120000" extrusionOk="0">
                 <a:moveTo>
                   <a:pt x="0" y="0"/>
                 </a:moveTo>
@@ -1259,9 +1311,11 @@
       <p:sp>
         <p:nvSpPr>
           <p:cNvPr id="92" name="Google Shape;92;g36d87ab7313_0_577:notes"/>
-          <p:cNvSpPr txBox="1"/>
+          <p:cNvSpPr txBox="1">
+            <a:spLocks noGrp="1"/>
+          </p:cNvSpPr>
           <p:nvPr>
-            <p:ph idx="1" type="body"/>
+            <p:ph type="body" idx="1"/>
           </p:nvPr>
         </p:nvSpPr>
         <p:spPr>
@@ -1274,12 +1328,12 @@
           </a:prstGeom>
         </p:spPr>
         <p:txBody>
-          <a:bodyPr anchorCtr="0" anchor="t" bIns="91425" lIns="91425" spcFirstLastPara="1" rIns="91425" wrap="square" tIns="91425">
+          <a:bodyPr spcFirstLastPara="1" wrap="square" lIns="91425" tIns="91425" rIns="91425" bIns="91425" anchor="t" anchorCtr="0">
             <a:noAutofit/>
           </a:bodyPr>
           <a:lstStyle/>
           <a:p>
-            <a:pPr indent="0" lvl="0" marL="0" rtl="0" algn="l">
+            <a:pPr marL="0" lvl="0" indent="0" algn="l" rtl="0">
               <a:spcBef>
                 <a:spcPts val="0"/>
               </a:spcBef>
@@ -1288,9 +1342,6 @@
               </a:spcAft>
               <a:buNone/>
             </a:pPr>
-            <a:r>
-              <a:t/>
-            </a:r>
             <a:endParaRPr/>
           </a:p>
         </p:txBody>
@@ -1304,11 +1355,11 @@
 </file>
 
 <file path=ppt/notesSlides/notesSlide7.xml><?xml version="1.0" encoding="utf-8"?>
-<p:notes xmlns:a="http://schemas.openxmlformats.org/drawingml/2006/main" xmlns:r="http://schemas.openxmlformats.org/officeDocument/2006/relationships" xmlns:mc="http://schemas.openxmlformats.org/markup-compatibility/2006" xmlns:mv="urn:schemas-microsoft-com:mac:vml" xmlns:p="http://schemas.openxmlformats.org/presentationml/2006/main" xmlns:c="http://schemas.openxmlformats.org/drawingml/2006/chart" xmlns:dgm="http://schemas.openxmlformats.org/drawingml/2006/diagram" xmlns:o="urn:schemas-microsoft-com:office:office" xmlns:v="urn:schemas-microsoft-com:vml" xmlns:pvml="urn:schemas-microsoft-com:office:powerpoint" xmlns:com="http://schemas.openxmlformats.org/drawingml/2006/compatibility" xmlns:p14="http://schemas.microsoft.com/office/powerpoint/2010/main" xmlns:p15="http://schemas.microsoft.com/office/powerpoint/2012/main" xmlns:ahyp="http://schemas.microsoft.com/office/drawing/2018/hyperlinkcolor" showMasterPhAnim="0" showMasterSp="0">
+<p:notes xmlns:a="http://schemas.openxmlformats.org/drawingml/2006/main" xmlns:r="http://schemas.openxmlformats.org/officeDocument/2006/relationships" xmlns:p="http://schemas.openxmlformats.org/presentationml/2006/main" showMasterSp="0" showMasterPhAnim="0">
   <p:cSld>
     <p:spTree>
       <p:nvGrpSpPr>
-        <p:cNvPr id="96" name="Shape 96"/>
+        <p:cNvPr id="1" name="Shape 96"/>
         <p:cNvGrpSpPr/>
         <p:nvPr/>
       </p:nvGrpSpPr>
@@ -1323,20 +1374,26 @@
       <p:sp>
         <p:nvSpPr>
           <p:cNvPr id="97" name="Google Shape;97;g36d87ab7313_0_584:notes"/>
-          <p:cNvSpPr/>
+          <p:cNvSpPr>
+            <a:spLocks noGrp="1" noRot="1" noChangeAspect="1"/>
+          </p:cNvSpPr>
           <p:nvPr>
-            <p:ph idx="2" type="sldImg"/>
+            <p:ph type="sldImg" idx="2"/>
           </p:nvPr>
         </p:nvSpPr>
         <p:spPr>
           <a:xfrm>
-            <a:off x="381300" y="685800"/>
+            <a:off x="381000" y="685800"/>
             <a:ext cx="6096000" cy="3429000"/>
           </a:xfrm>
           <a:custGeom>
-            <a:rect b="b" l="l" r="r" t="t"/>
+            <a:avLst/>
+            <a:gdLst/>
+            <a:ahLst/>
+            <a:cxnLst/>
+            <a:rect l="l" t="t" r="r" b="b"/>
             <a:pathLst>
-              <a:path extrusionOk="0" h="120000" w="120000">
+              <a:path w="120000" h="120000" extrusionOk="0">
                 <a:moveTo>
                   <a:pt x="0" y="0"/>
                 </a:moveTo>
@@ -1358,9 +1415,11 @@
       <p:sp>
         <p:nvSpPr>
           <p:cNvPr id="98" name="Google Shape;98;g36d87ab7313_0_584:notes"/>
-          <p:cNvSpPr txBox="1"/>
+          <p:cNvSpPr txBox="1">
+            <a:spLocks noGrp="1"/>
+          </p:cNvSpPr>
           <p:nvPr>
-            <p:ph idx="1" type="body"/>
+            <p:ph type="body" idx="1"/>
           </p:nvPr>
         </p:nvSpPr>
         <p:spPr>
@@ -1373,12 +1432,12 @@
           </a:prstGeom>
         </p:spPr>
         <p:txBody>
-          <a:bodyPr anchorCtr="0" anchor="t" bIns="91425" lIns="91425" spcFirstLastPara="1" rIns="91425" wrap="square" tIns="91425">
+          <a:bodyPr spcFirstLastPara="1" wrap="square" lIns="91425" tIns="91425" rIns="91425" bIns="91425" anchor="t" anchorCtr="0">
             <a:noAutofit/>
           </a:bodyPr>
           <a:lstStyle/>
           <a:p>
-            <a:pPr indent="0" lvl="0" marL="0" rtl="0" algn="l">
+            <a:pPr marL="0" lvl="0" indent="0" algn="l" rtl="0">
               <a:spcBef>
                 <a:spcPts val="0"/>
               </a:spcBef>
@@ -1387,9 +1446,6 @@
               </a:spcAft>
               <a:buNone/>
             </a:pPr>
-            <a:r>
-              <a:t/>
-            </a:r>
             <a:endParaRPr/>
           </a:p>
         </p:txBody>
@@ -1403,11 +1459,11 @@
 </file>
 
 <file path=ppt/notesSlides/notesSlide8.xml><?xml version="1.0" encoding="utf-8"?>
-<p:notes xmlns:a="http://schemas.openxmlformats.org/drawingml/2006/main" xmlns:r="http://schemas.openxmlformats.org/officeDocument/2006/relationships" xmlns:mc="http://schemas.openxmlformats.org/markup-compatibility/2006" xmlns:mv="urn:schemas-microsoft-com:mac:vml" xmlns:p="http://schemas.openxmlformats.org/presentationml/2006/main" xmlns:c="http://schemas.openxmlformats.org/drawingml/2006/chart" xmlns:dgm="http://schemas.openxmlformats.org/drawingml/2006/diagram" xmlns:o="urn:schemas-microsoft-com:office:office" xmlns:v="urn:schemas-microsoft-com:vml" xmlns:pvml="urn:schemas-microsoft-com:office:powerpoint" xmlns:com="http://schemas.openxmlformats.org/drawingml/2006/compatibility" xmlns:p14="http://schemas.microsoft.com/office/powerpoint/2010/main" xmlns:p15="http://schemas.microsoft.com/office/powerpoint/2012/main" xmlns:ahyp="http://schemas.microsoft.com/office/drawing/2018/hyperlinkcolor" showMasterPhAnim="0" showMasterSp="0">
+<p:notes xmlns:a="http://schemas.openxmlformats.org/drawingml/2006/main" xmlns:r="http://schemas.openxmlformats.org/officeDocument/2006/relationships" xmlns:p="http://schemas.openxmlformats.org/presentationml/2006/main" showMasterSp="0" showMasterPhAnim="0">
   <p:cSld>
     <p:spTree>
       <p:nvGrpSpPr>
-        <p:cNvPr id="102" name="Shape 102"/>
+        <p:cNvPr id="1" name="Shape 102"/>
         <p:cNvGrpSpPr/>
         <p:nvPr/>
       </p:nvGrpSpPr>
@@ -1422,20 +1478,26 @@
       <p:sp>
         <p:nvSpPr>
           <p:cNvPr id="103" name="Google Shape;103;g36d87ab7313_0_591:notes"/>
-          <p:cNvSpPr/>
+          <p:cNvSpPr>
+            <a:spLocks noGrp="1" noRot="1" noChangeAspect="1"/>
+          </p:cNvSpPr>
           <p:nvPr>
-            <p:ph idx="2" type="sldImg"/>
+            <p:ph type="sldImg" idx="2"/>
           </p:nvPr>
         </p:nvSpPr>
         <p:spPr>
           <a:xfrm>
-            <a:off x="381300" y="685800"/>
+            <a:off x="381000" y="685800"/>
             <a:ext cx="6096000" cy="3429000"/>
           </a:xfrm>
           <a:custGeom>
-            <a:rect b="b" l="l" r="r" t="t"/>
+            <a:avLst/>
+            <a:gdLst/>
+            <a:ahLst/>
+            <a:cxnLst/>
+            <a:rect l="l" t="t" r="r" b="b"/>
             <a:pathLst>
-              <a:path extrusionOk="0" h="120000" w="120000">
+              <a:path w="120000" h="120000" extrusionOk="0">
                 <a:moveTo>
                   <a:pt x="0" y="0"/>
                 </a:moveTo>
@@ -1457,9 +1519,11 @@
       <p:sp>
         <p:nvSpPr>
           <p:cNvPr id="104" name="Google Shape;104;g36d87ab7313_0_591:notes"/>
-          <p:cNvSpPr txBox="1"/>
+          <p:cNvSpPr txBox="1">
+            <a:spLocks noGrp="1"/>
+          </p:cNvSpPr>
           <p:nvPr>
-            <p:ph idx="1" type="body"/>
+            <p:ph type="body" idx="1"/>
           </p:nvPr>
         </p:nvSpPr>
         <p:spPr>
@@ -1472,12 +1536,12 @@
           </a:prstGeom>
         </p:spPr>
         <p:txBody>
-          <a:bodyPr anchorCtr="0" anchor="t" bIns="91425" lIns="91425" spcFirstLastPara="1" rIns="91425" wrap="square" tIns="91425">
+          <a:bodyPr spcFirstLastPara="1" wrap="square" lIns="91425" tIns="91425" rIns="91425" bIns="91425" anchor="t" anchorCtr="0">
             <a:noAutofit/>
           </a:bodyPr>
           <a:lstStyle/>
           <a:p>
-            <a:pPr indent="0" lvl="0" marL="0" rtl="0" algn="l">
+            <a:pPr marL="0" lvl="0" indent="0" algn="l" rtl="0">
               <a:spcBef>
                 <a:spcPts val="0"/>
               </a:spcBef>
@@ -1486,9 +1550,6 @@
               </a:spcAft>
               <a:buNone/>
             </a:pPr>
-            <a:r>
-              <a:t/>
-            </a:r>
             <a:endParaRPr/>
           </a:p>
         </p:txBody>
@@ -1502,11 +1563,11 @@
 </file>
 
 <file path=ppt/slideLayouts/slideLayout1.xml><?xml version="1.0" encoding="utf-8"?>
-<p:sldLayout xmlns:a="http://schemas.openxmlformats.org/drawingml/2006/main" xmlns:r="http://schemas.openxmlformats.org/officeDocument/2006/relationships" xmlns:mc="http://schemas.openxmlformats.org/markup-compatibility/2006" xmlns:mv="urn:schemas-microsoft-com:mac:vml" xmlns:p="http://schemas.openxmlformats.org/presentationml/2006/main" xmlns:c="http://schemas.openxmlformats.org/drawingml/2006/chart" xmlns:dgm="http://schemas.openxmlformats.org/drawingml/2006/diagram" xmlns:o="urn:schemas-microsoft-com:office:office" xmlns:v="urn:schemas-microsoft-com:vml" xmlns:pvml="urn:schemas-microsoft-com:office:powerpoint" xmlns:com="http://schemas.openxmlformats.org/drawingml/2006/compatibility" xmlns:p14="http://schemas.microsoft.com/office/powerpoint/2010/main" xmlns:p15="http://schemas.microsoft.com/office/powerpoint/2012/main" xmlns:ahyp="http://schemas.microsoft.com/office/drawing/2018/hyperlinkcolor" matchingName="Title slide" type="title">
+<p:sldLayout xmlns:a="http://schemas.openxmlformats.org/drawingml/2006/main" xmlns:r="http://schemas.openxmlformats.org/officeDocument/2006/relationships" xmlns:p="http://schemas.openxmlformats.org/presentationml/2006/main" matchingName="Title slide" type="title">
   <p:cSld name="TITLE">
     <p:spTree>
       <p:nvGrpSpPr>
-        <p:cNvPr id="9" name="Shape 9"/>
+        <p:cNvPr id="1" name="Shape 9"/>
         <p:cNvGrpSpPr/>
         <p:nvPr/>
       </p:nvGrpSpPr>
@@ -1530,9 +1591,13 @@
             <a:ext cx="1081625" cy="1124950"/>
           </a:xfrm>
           <a:custGeom>
-            <a:rect b="b" l="l" r="r" t="t"/>
+            <a:avLst/>
+            <a:gdLst/>
+            <a:ahLst/>
+            <a:cxnLst/>
+            <a:rect l="l" t="t" r="r" b="b"/>
             <a:pathLst>
-              <a:path extrusionOk="0" h="44998" w="43265">
+              <a:path w="43265" h="44998" extrusionOk="0">
                 <a:moveTo>
                   <a:pt x="0" y="44998"/>
                 </a:moveTo>
@@ -1546,14 +1611,14 @@
             </a:pathLst>
           </a:custGeom>
           <a:noFill/>
-          <a:ln cap="flat" cmpd="sng" w="28575">
+          <a:ln w="28575" cap="flat" cmpd="sng">
             <a:solidFill>
               <a:schemeClr val="accent5"/>
             </a:solidFill>
             <a:prstDash val="solid"/>
             <a:miter lim="8000"/>
-            <a:headEnd len="sm" w="sm" type="none"/>
-            <a:tailEnd len="sm" w="sm" type="none"/>
+            <a:headEnd type="none" w="sm" len="sm"/>
+            <a:tailEnd type="none" w="sm" len="sm"/>
           </a:ln>
         </p:spPr>
       </p:sp>
@@ -1569,9 +1634,13 @@
             <a:ext cx="1081625" cy="1124950"/>
           </a:xfrm>
           <a:custGeom>
-            <a:rect b="b" l="l" r="r" t="t"/>
+            <a:avLst/>
+            <a:gdLst/>
+            <a:ahLst/>
+            <a:cxnLst/>
+            <a:rect l="l" t="t" r="r" b="b"/>
             <a:pathLst>
-              <a:path extrusionOk="0" h="44998" w="43265">
+              <a:path w="43265" h="44998" extrusionOk="0">
                 <a:moveTo>
                   <a:pt x="0" y="44998"/>
                 </a:moveTo>
@@ -1585,14 +1654,14 @@
             </a:pathLst>
           </a:custGeom>
           <a:noFill/>
-          <a:ln cap="flat" cmpd="sng" w="28575">
+          <a:ln w="28575" cap="flat" cmpd="sng">
             <a:solidFill>
               <a:schemeClr val="accent5"/>
             </a:solidFill>
             <a:prstDash val="solid"/>
             <a:miter lim="8000"/>
-            <a:headEnd len="sm" w="sm" type="none"/>
-            <a:tailEnd len="sm" w="sm" type="none"/>
+            <a:headEnd type="none" w="sm" len="sm"/>
+            <a:tailEnd type="none" w="sm" len="sm"/>
           </a:ln>
         </p:spPr>
       </p:sp>
@@ -1611,21 +1680,23 @@
             <a:avLst/>
           </a:prstGeom>
           <a:noFill/>
-          <a:ln cap="flat" cmpd="sng" w="38100">
+          <a:ln w="38100" cap="flat" cmpd="sng">
             <a:solidFill>
               <a:schemeClr val="accent4"/>
             </a:solidFill>
             <a:prstDash val="solid"/>
             <a:round/>
-            <a:headEnd len="sm" w="sm" type="none"/>
-            <a:tailEnd len="sm" w="sm" type="none"/>
+            <a:headEnd type="none" w="sm" len="sm"/>
+            <a:tailEnd type="none" w="sm" len="sm"/>
           </a:ln>
         </p:spPr>
       </p:cxnSp>
       <p:sp>
         <p:nvSpPr>
           <p:cNvPr id="13" name="Google Shape;13;p2"/>
-          <p:cNvSpPr txBox="1"/>
+          <p:cNvSpPr txBox="1">
+            <a:spLocks noGrp="1"/>
+          </p:cNvSpPr>
           <p:nvPr>
             <p:ph type="ctrTitle"/>
           </p:nvPr>
@@ -1640,7 +1711,7 @@
           </a:prstGeom>
         </p:spPr>
         <p:txBody>
-          <a:bodyPr anchorCtr="0" anchor="b" bIns="91425" lIns="91425" spcFirstLastPara="1" rIns="91425" wrap="square" tIns="91425">
+          <a:bodyPr spcFirstLastPara="1" wrap="square" lIns="91425" tIns="91425" rIns="91425" bIns="91425" anchor="b" anchorCtr="0">
             <a:normAutofit/>
           </a:bodyPr>
           <a:lstStyle>
@@ -1744,15 +1815,19 @@
               <a:defRPr sz="4000"/>
             </a:lvl9pPr>
           </a:lstStyle>
-          <a:p/>
+          <a:p>
+            <a:endParaRPr/>
+          </a:p>
         </p:txBody>
       </p:sp>
       <p:sp>
         <p:nvSpPr>
           <p:cNvPr id="14" name="Google Shape;14;p2"/>
-          <p:cNvSpPr txBox="1"/>
+          <p:cNvSpPr txBox="1">
+            <a:spLocks noGrp="1"/>
+          </p:cNvSpPr>
           <p:nvPr>
-            <p:ph idx="1" type="subTitle"/>
+            <p:ph type="subTitle" idx="1"/>
           </p:nvPr>
         </p:nvSpPr>
         <p:spPr>
@@ -1765,7 +1840,7 @@
           </a:prstGeom>
         </p:spPr>
         <p:txBody>
-          <a:bodyPr anchorCtr="0" anchor="t" bIns="91425" lIns="91425" spcFirstLastPara="1" rIns="91425" wrap="square" tIns="91425">
+          <a:bodyPr spcFirstLastPara="1" wrap="square" lIns="91425" tIns="91425" rIns="91425" bIns="91425" anchor="t" anchorCtr="0">
             <a:normAutofit/>
           </a:bodyPr>
           <a:lstStyle>
@@ -2004,15 +2079,19 @@
               </a:defRPr>
             </a:lvl9pPr>
           </a:lstStyle>
-          <a:p/>
+          <a:p>
+            <a:endParaRPr/>
+          </a:p>
         </p:txBody>
       </p:sp>
       <p:sp>
         <p:nvSpPr>
           <p:cNvPr id="15" name="Google Shape;15;p2"/>
-          <p:cNvSpPr txBox="1"/>
+          <p:cNvSpPr txBox="1">
+            <a:spLocks noGrp="1"/>
+          </p:cNvSpPr>
           <p:nvPr>
-            <p:ph idx="12" type="sldNum"/>
+            <p:ph type="sldNum" idx="12"/>
           </p:nvPr>
         </p:nvSpPr>
         <p:spPr>
@@ -2025,7 +2104,7 @@
           </a:prstGeom>
         </p:spPr>
         <p:txBody>
-          <a:bodyPr anchorCtr="0" anchor="ctr" bIns="91425" lIns="91425" spcFirstLastPara="1" rIns="91425" wrap="square" tIns="91425">
+          <a:bodyPr spcFirstLastPara="1" wrap="square" lIns="91425" tIns="91425" rIns="91425" bIns="91425" anchor="ctr" anchorCtr="0">
             <a:normAutofit/>
           </a:bodyPr>
           <a:lstStyle>
@@ -2067,7 +2146,7 @@
             </a:lvl9pPr>
           </a:lstStyle>
           <a:p>
-            <a:pPr indent="0" lvl="0" marL="0" rtl="0" algn="r">
+            <a:pPr marL="0" lvl="0" indent="0" algn="r" rtl="0">
               <a:spcBef>
                 <a:spcPts val="0"/>
               </a:spcBef>
@@ -2078,7 +2157,7 @@
             </a:pPr>
             <a:fld id="{00000000-1234-1234-1234-123412341234}" type="slidenum">
               <a:rPr lang="pt-BR"/>
-              <a:t>‹#›</a:t>
+              <a:t>‹Nº›</a:t>
             </a:fld>
             <a:endParaRPr/>
           </a:p>
@@ -2093,11 +2172,11 @@
 </file>
 
 <file path=ppt/slideLayouts/slideLayout10.xml><?xml version="1.0" encoding="utf-8"?>
-<p:sldLayout xmlns:a="http://schemas.openxmlformats.org/drawingml/2006/main" xmlns:r="http://schemas.openxmlformats.org/officeDocument/2006/relationships" xmlns:mc="http://schemas.openxmlformats.org/markup-compatibility/2006" xmlns:mv="urn:schemas-microsoft-com:mac:vml" xmlns:p="http://schemas.openxmlformats.org/presentationml/2006/main" xmlns:c="http://schemas.openxmlformats.org/drawingml/2006/chart" xmlns:dgm="http://schemas.openxmlformats.org/drawingml/2006/diagram" xmlns:o="urn:schemas-microsoft-com:office:office" xmlns:v="urn:schemas-microsoft-com:vml" xmlns:pvml="urn:schemas-microsoft-com:office:powerpoint" xmlns:com="http://schemas.openxmlformats.org/drawingml/2006/compatibility" xmlns:p14="http://schemas.microsoft.com/office/powerpoint/2010/main" xmlns:p15="http://schemas.microsoft.com/office/powerpoint/2012/main" xmlns:ahyp="http://schemas.microsoft.com/office/drawing/2018/hyperlinkcolor" matchingName="Big number">
+<p:sldLayout xmlns:a="http://schemas.openxmlformats.org/drawingml/2006/main" xmlns:r="http://schemas.openxmlformats.org/officeDocument/2006/relationships" xmlns:p="http://schemas.openxmlformats.org/presentationml/2006/main" matchingName="Big number">
   <p:cSld name="BIG_NUMBER">
     <p:spTree>
       <p:nvGrpSpPr>
-        <p:cNvPr id="52" name="Shape 52"/>
+        <p:cNvPr id="1" name="Shape 52"/>
         <p:cNvGrpSpPr/>
         <p:nvPr/>
       </p:nvGrpSpPr>
@@ -2131,12 +2210,12 @@
           </a:ln>
         </p:spPr>
         <p:txBody>
-          <a:bodyPr anchorCtr="0" anchor="ctr" bIns="91425" lIns="91425" spcFirstLastPara="1" rIns="91425" wrap="square" tIns="91425">
+          <a:bodyPr spcFirstLastPara="1" wrap="square" lIns="91425" tIns="91425" rIns="91425" bIns="91425" anchor="ctr" anchorCtr="0">
             <a:noAutofit/>
           </a:bodyPr>
           <a:lstStyle/>
           <a:p>
-            <a:pPr indent="0" lvl="0" marL="0" rtl="0" algn="l">
+            <a:pPr marL="0" lvl="0" indent="0" algn="l" rtl="0">
               <a:spcBef>
                 <a:spcPts val="0"/>
               </a:spcBef>
@@ -2145,9 +2224,6 @@
               </a:spcAft>
               <a:buNone/>
             </a:pPr>
-            <a:r>
-              <a:t/>
-            </a:r>
             <a:endParaRPr/>
           </a:p>
         </p:txBody>
@@ -2155,9 +2231,11 @@
       <p:sp>
         <p:nvSpPr>
           <p:cNvPr id="54" name="Google Shape;54;p11"/>
-          <p:cNvSpPr txBox="1"/>
+          <p:cNvSpPr txBox="1">
+            <a:spLocks noGrp="1"/>
+          </p:cNvSpPr>
           <p:nvPr>
-            <p:ph hasCustomPrompt="1" type="title"/>
+            <p:ph type="title" hasCustomPrompt="1"/>
           </p:nvPr>
         </p:nvSpPr>
         <p:spPr>
@@ -2170,7 +2248,7 @@
           </a:prstGeom>
         </p:spPr>
         <p:txBody>
-          <a:bodyPr anchorCtr="0" anchor="ctr" bIns="91425" lIns="91425" spcFirstLastPara="1" rIns="91425" wrap="square" tIns="91425">
+          <a:bodyPr spcFirstLastPara="1" wrap="square" lIns="91425" tIns="91425" rIns="91425" bIns="91425" anchor="ctr" anchorCtr="0">
             <a:normAutofit/>
           </a:bodyPr>
           <a:lstStyle>
@@ -2347,9 +2425,11 @@
       <p:sp>
         <p:nvSpPr>
           <p:cNvPr id="55" name="Google Shape;55;p11"/>
-          <p:cNvSpPr txBox="1"/>
+          <p:cNvSpPr txBox="1">
+            <a:spLocks noGrp="1"/>
+          </p:cNvSpPr>
           <p:nvPr>
-            <p:ph idx="1" type="body"/>
+            <p:ph type="body" idx="1"/>
           </p:nvPr>
         </p:nvSpPr>
         <p:spPr>
@@ -2362,11 +2442,11 @@
           </a:prstGeom>
         </p:spPr>
         <p:txBody>
-          <a:bodyPr anchorCtr="0" anchor="t" bIns="91425" lIns="91425" spcFirstLastPara="1" rIns="91425" wrap="square" tIns="91425">
+          <a:bodyPr spcFirstLastPara="1" wrap="square" lIns="91425" tIns="91425" rIns="91425" bIns="91425" anchor="t" anchorCtr="0">
             <a:normAutofit/>
           </a:bodyPr>
           <a:lstStyle>
-            <a:lvl1pPr indent="-342900" lvl="0" marL="457200" algn="ctr">
+            <a:lvl1pPr marL="457200" lvl="0" indent="-342900" algn="ctr">
               <a:spcBef>
                 <a:spcPts val="0"/>
               </a:spcBef>
@@ -2377,7 +2457,7 @@
               <a:buChar char="●"/>
               <a:defRPr/>
             </a:lvl1pPr>
-            <a:lvl2pPr indent="-317500" lvl="1" marL="914400" algn="ctr">
+            <a:lvl2pPr marL="914400" lvl="1" indent="-317500" algn="ctr">
               <a:spcBef>
                 <a:spcPts val="0"/>
               </a:spcBef>
@@ -2388,7 +2468,7 @@
               <a:buChar char="○"/>
               <a:defRPr/>
             </a:lvl2pPr>
-            <a:lvl3pPr indent="-317500" lvl="2" marL="1371600" algn="ctr">
+            <a:lvl3pPr marL="1371600" lvl="2" indent="-317500" algn="ctr">
               <a:spcBef>
                 <a:spcPts val="0"/>
               </a:spcBef>
@@ -2399,7 +2479,7 @@
               <a:buChar char="■"/>
               <a:defRPr/>
             </a:lvl3pPr>
-            <a:lvl4pPr indent="-317500" lvl="3" marL="1828800" algn="ctr">
+            <a:lvl4pPr marL="1828800" lvl="3" indent="-317500" algn="ctr">
               <a:spcBef>
                 <a:spcPts val="0"/>
               </a:spcBef>
@@ -2410,7 +2490,7 @@
               <a:buChar char="●"/>
               <a:defRPr/>
             </a:lvl4pPr>
-            <a:lvl5pPr indent="-317500" lvl="4" marL="2286000" algn="ctr">
+            <a:lvl5pPr marL="2286000" lvl="4" indent="-317500" algn="ctr">
               <a:spcBef>
                 <a:spcPts val="0"/>
               </a:spcBef>
@@ -2421,7 +2501,7 @@
               <a:buChar char="○"/>
               <a:defRPr/>
             </a:lvl5pPr>
-            <a:lvl6pPr indent="-317500" lvl="5" marL="2743200" algn="ctr">
+            <a:lvl6pPr marL="2743200" lvl="5" indent="-317500" algn="ctr">
               <a:spcBef>
                 <a:spcPts val="0"/>
               </a:spcBef>
@@ -2432,7 +2512,7 @@
               <a:buChar char="■"/>
               <a:defRPr/>
             </a:lvl6pPr>
-            <a:lvl7pPr indent="-317500" lvl="6" marL="3200400" algn="ctr">
+            <a:lvl7pPr marL="3200400" lvl="6" indent="-317500" algn="ctr">
               <a:spcBef>
                 <a:spcPts val="0"/>
               </a:spcBef>
@@ -2443,7 +2523,7 @@
               <a:buChar char="●"/>
               <a:defRPr/>
             </a:lvl7pPr>
-            <a:lvl8pPr indent="-317500" lvl="7" marL="3657600" algn="ctr">
+            <a:lvl8pPr marL="3657600" lvl="7" indent="-317500" algn="ctr">
               <a:spcBef>
                 <a:spcPts val="0"/>
               </a:spcBef>
@@ -2454,7 +2534,7 @@
               <a:buChar char="○"/>
               <a:defRPr/>
             </a:lvl8pPr>
-            <a:lvl9pPr indent="-317500" lvl="8" marL="4114800" algn="ctr">
+            <a:lvl9pPr marL="4114800" lvl="8" indent="-317500" algn="ctr">
               <a:spcBef>
                 <a:spcPts val="0"/>
               </a:spcBef>
@@ -2466,15 +2546,19 @@
               <a:defRPr/>
             </a:lvl9pPr>
           </a:lstStyle>
-          <a:p/>
+          <a:p>
+            <a:endParaRPr/>
+          </a:p>
         </p:txBody>
       </p:sp>
       <p:sp>
         <p:nvSpPr>
           <p:cNvPr id="56" name="Google Shape;56;p11"/>
-          <p:cNvSpPr txBox="1"/>
+          <p:cNvSpPr txBox="1">
+            <a:spLocks noGrp="1"/>
+          </p:cNvSpPr>
           <p:nvPr>
-            <p:ph idx="12" type="sldNum"/>
+            <p:ph type="sldNum" idx="12"/>
           </p:nvPr>
         </p:nvSpPr>
         <p:spPr>
@@ -2487,7 +2571,7 @@
           </a:prstGeom>
         </p:spPr>
         <p:txBody>
-          <a:bodyPr anchorCtr="0" anchor="ctr" bIns="91425" lIns="91425" spcFirstLastPara="1" rIns="91425" wrap="square" tIns="91425">
+          <a:bodyPr spcFirstLastPara="1" wrap="square" lIns="91425" tIns="91425" rIns="91425" bIns="91425" anchor="ctr" anchorCtr="0">
             <a:normAutofit/>
           </a:bodyPr>
           <a:lstStyle>
@@ -2529,7 +2613,7 @@
             </a:lvl9pPr>
           </a:lstStyle>
           <a:p>
-            <a:pPr indent="0" lvl="0" marL="0" rtl="0" algn="r">
+            <a:pPr marL="0" lvl="0" indent="0" algn="r" rtl="0">
               <a:spcBef>
                 <a:spcPts val="0"/>
               </a:spcBef>
@@ -2540,7 +2624,7 @@
             </a:pPr>
             <a:fld id="{00000000-1234-1234-1234-123412341234}" type="slidenum">
               <a:rPr lang="pt-BR"/>
-              <a:t>‹#›</a:t>
+              <a:t>‹Nº›</a:t>
             </a:fld>
             <a:endParaRPr/>
           </a:p>
@@ -2555,11 +2639,11 @@
 </file>
 
 <file path=ppt/slideLayouts/slideLayout11.xml><?xml version="1.0" encoding="utf-8"?>
-<p:sldLayout xmlns:a="http://schemas.openxmlformats.org/drawingml/2006/main" xmlns:r="http://schemas.openxmlformats.org/officeDocument/2006/relationships" xmlns:mc="http://schemas.openxmlformats.org/markup-compatibility/2006" xmlns:mv="urn:schemas-microsoft-com:mac:vml" xmlns:p="http://schemas.openxmlformats.org/presentationml/2006/main" xmlns:c="http://schemas.openxmlformats.org/drawingml/2006/chart" xmlns:dgm="http://schemas.openxmlformats.org/drawingml/2006/diagram" xmlns:o="urn:schemas-microsoft-com:office:office" xmlns:v="urn:schemas-microsoft-com:vml" xmlns:pvml="urn:schemas-microsoft-com:office:powerpoint" xmlns:com="http://schemas.openxmlformats.org/drawingml/2006/compatibility" xmlns:p14="http://schemas.microsoft.com/office/powerpoint/2010/main" xmlns:p15="http://schemas.microsoft.com/office/powerpoint/2012/main" xmlns:ahyp="http://schemas.microsoft.com/office/drawing/2018/hyperlinkcolor" matchingName="Blank" type="blank">
+<p:sldLayout xmlns:a="http://schemas.openxmlformats.org/drawingml/2006/main" xmlns:r="http://schemas.openxmlformats.org/officeDocument/2006/relationships" xmlns:p="http://schemas.openxmlformats.org/presentationml/2006/main" matchingName="Blank" type="blank">
   <p:cSld name="BLANK">
     <p:spTree>
       <p:nvGrpSpPr>
-        <p:cNvPr id="57" name="Shape 57"/>
+        <p:cNvPr id="1" name="Shape 57"/>
         <p:cNvGrpSpPr/>
         <p:nvPr/>
       </p:nvGrpSpPr>
@@ -2574,9 +2658,11 @@
       <p:sp>
         <p:nvSpPr>
           <p:cNvPr id="58" name="Google Shape;58;p12"/>
-          <p:cNvSpPr txBox="1"/>
+          <p:cNvSpPr txBox="1">
+            <a:spLocks noGrp="1"/>
+          </p:cNvSpPr>
           <p:nvPr>
-            <p:ph idx="12" type="sldNum"/>
+            <p:ph type="sldNum" idx="12"/>
           </p:nvPr>
         </p:nvSpPr>
         <p:spPr>
@@ -2589,7 +2675,7 @@
           </a:prstGeom>
         </p:spPr>
         <p:txBody>
-          <a:bodyPr anchorCtr="0" anchor="ctr" bIns="91425" lIns="91425" spcFirstLastPara="1" rIns="91425" wrap="square" tIns="91425">
+          <a:bodyPr spcFirstLastPara="1" wrap="square" lIns="91425" tIns="91425" rIns="91425" bIns="91425" anchor="ctr" anchorCtr="0">
             <a:normAutofit/>
           </a:bodyPr>
           <a:lstStyle>
@@ -2631,7 +2717,7 @@
             </a:lvl9pPr>
           </a:lstStyle>
           <a:p>
-            <a:pPr indent="0" lvl="0" marL="0" rtl="0" algn="r">
+            <a:pPr marL="0" lvl="0" indent="0" algn="r" rtl="0">
               <a:spcBef>
                 <a:spcPts val="0"/>
               </a:spcBef>
@@ -2642,7 +2728,7 @@
             </a:pPr>
             <a:fld id="{00000000-1234-1234-1234-123412341234}" type="slidenum">
               <a:rPr lang="pt-BR"/>
-              <a:t>‹#›</a:t>
+              <a:t>‹Nº›</a:t>
             </a:fld>
             <a:endParaRPr/>
           </a:p>
@@ -2657,11 +2743,11 @@
 </file>
 
 <file path=ppt/slideLayouts/slideLayout2.xml><?xml version="1.0" encoding="utf-8"?>
-<p:sldLayout xmlns:a="http://schemas.openxmlformats.org/drawingml/2006/main" xmlns:r="http://schemas.openxmlformats.org/officeDocument/2006/relationships" xmlns:mc="http://schemas.openxmlformats.org/markup-compatibility/2006" xmlns:mv="urn:schemas-microsoft-com:mac:vml" xmlns:p="http://schemas.openxmlformats.org/presentationml/2006/main" xmlns:c="http://schemas.openxmlformats.org/drawingml/2006/chart" xmlns:dgm="http://schemas.openxmlformats.org/drawingml/2006/diagram" xmlns:o="urn:schemas-microsoft-com:office:office" xmlns:v="urn:schemas-microsoft-com:vml" xmlns:pvml="urn:schemas-microsoft-com:office:powerpoint" xmlns:com="http://schemas.openxmlformats.org/drawingml/2006/compatibility" xmlns:p14="http://schemas.microsoft.com/office/powerpoint/2010/main" xmlns:p15="http://schemas.microsoft.com/office/powerpoint/2012/main" xmlns:ahyp="http://schemas.microsoft.com/office/drawing/2018/hyperlinkcolor" matchingName="Section header" type="secHead">
+<p:sldLayout xmlns:a="http://schemas.openxmlformats.org/drawingml/2006/main" xmlns:r="http://schemas.openxmlformats.org/officeDocument/2006/relationships" xmlns:p="http://schemas.openxmlformats.org/presentationml/2006/main" matchingName="Section header" type="secHead">
   <p:cSld name="SECTION_HEADER">
     <p:spTree>
       <p:nvGrpSpPr>
-        <p:cNvPr id="16" name="Shape 16"/>
+        <p:cNvPr id="1" name="Shape 16"/>
         <p:cNvGrpSpPr/>
         <p:nvPr/>
       </p:nvGrpSpPr>
@@ -2688,21 +2774,23 @@
             <a:avLst/>
           </a:prstGeom>
           <a:noFill/>
-          <a:ln cap="flat" cmpd="sng" w="38100">
+          <a:ln w="38100" cap="flat" cmpd="sng">
             <a:solidFill>
               <a:schemeClr val="accent4"/>
             </a:solidFill>
             <a:prstDash val="solid"/>
             <a:round/>
-            <a:headEnd len="sm" w="sm" type="none"/>
-            <a:tailEnd len="sm" w="sm" type="none"/>
+            <a:headEnd type="none" w="sm" len="sm"/>
+            <a:tailEnd type="none" w="sm" len="sm"/>
           </a:ln>
         </p:spPr>
       </p:cxnSp>
       <p:sp>
         <p:nvSpPr>
           <p:cNvPr id="18" name="Google Shape;18;p3"/>
-          <p:cNvSpPr txBox="1"/>
+          <p:cNvSpPr txBox="1">
+            <a:spLocks noGrp="1"/>
+          </p:cNvSpPr>
           <p:nvPr>
             <p:ph type="title"/>
           </p:nvPr>
@@ -2717,7 +2805,7 @@
           </a:prstGeom>
         </p:spPr>
         <p:txBody>
-          <a:bodyPr anchorCtr="0" anchor="b" bIns="91425" lIns="91425" spcFirstLastPara="1" rIns="91425" wrap="square" tIns="91425">
+          <a:bodyPr spcFirstLastPara="1" wrap="square" lIns="91425" tIns="91425" rIns="91425" bIns="91425" anchor="b" anchorCtr="0">
             <a:normAutofit/>
           </a:bodyPr>
           <a:lstStyle>
@@ -2821,15 +2909,19 @@
               <a:defRPr sz="4800"/>
             </a:lvl9pPr>
           </a:lstStyle>
-          <a:p/>
+          <a:p>
+            <a:endParaRPr/>
+          </a:p>
         </p:txBody>
       </p:sp>
       <p:sp>
         <p:nvSpPr>
           <p:cNvPr id="19" name="Google Shape;19;p3"/>
-          <p:cNvSpPr txBox="1"/>
+          <p:cNvSpPr txBox="1">
+            <a:spLocks noGrp="1"/>
+          </p:cNvSpPr>
           <p:nvPr>
-            <p:ph idx="12" type="sldNum"/>
+            <p:ph type="sldNum" idx="12"/>
           </p:nvPr>
         </p:nvSpPr>
         <p:spPr>
@@ -2842,7 +2934,7 @@
           </a:prstGeom>
         </p:spPr>
         <p:txBody>
-          <a:bodyPr anchorCtr="0" anchor="ctr" bIns="91425" lIns="91425" spcFirstLastPara="1" rIns="91425" wrap="square" tIns="91425">
+          <a:bodyPr spcFirstLastPara="1" wrap="square" lIns="91425" tIns="91425" rIns="91425" bIns="91425" anchor="ctr" anchorCtr="0">
             <a:normAutofit/>
           </a:bodyPr>
           <a:lstStyle>
@@ -2884,7 +2976,7 @@
             </a:lvl9pPr>
           </a:lstStyle>
           <a:p>
-            <a:pPr indent="0" lvl="0" marL="0" rtl="0" algn="r">
+            <a:pPr marL="0" lvl="0" indent="0" algn="r" rtl="0">
               <a:spcBef>
                 <a:spcPts val="0"/>
               </a:spcBef>
@@ -2895,7 +2987,7 @@
             </a:pPr>
             <a:fld id="{00000000-1234-1234-1234-123412341234}" type="slidenum">
               <a:rPr lang="pt-BR"/>
-              <a:t>‹#›</a:t>
+              <a:t>‹Nº›</a:t>
             </a:fld>
             <a:endParaRPr/>
           </a:p>
@@ -2910,11 +3002,11 @@
 </file>
 
 <file path=ppt/slideLayouts/slideLayout3.xml><?xml version="1.0" encoding="utf-8"?>
-<p:sldLayout xmlns:a="http://schemas.openxmlformats.org/drawingml/2006/main" xmlns:r="http://schemas.openxmlformats.org/officeDocument/2006/relationships" xmlns:mc="http://schemas.openxmlformats.org/markup-compatibility/2006" xmlns:mv="urn:schemas-microsoft-com:mac:vml" xmlns:p="http://schemas.openxmlformats.org/presentationml/2006/main" xmlns:c="http://schemas.openxmlformats.org/drawingml/2006/chart" xmlns:dgm="http://schemas.openxmlformats.org/drawingml/2006/diagram" xmlns:o="urn:schemas-microsoft-com:office:office" xmlns:v="urn:schemas-microsoft-com:vml" xmlns:pvml="urn:schemas-microsoft-com:office:powerpoint" xmlns:com="http://schemas.openxmlformats.org/drawingml/2006/compatibility" xmlns:p14="http://schemas.microsoft.com/office/powerpoint/2010/main" xmlns:p15="http://schemas.microsoft.com/office/powerpoint/2012/main" xmlns:ahyp="http://schemas.microsoft.com/office/drawing/2018/hyperlinkcolor" matchingName="Title and body" type="tx">
+<p:sldLayout xmlns:a="http://schemas.openxmlformats.org/drawingml/2006/main" xmlns:r="http://schemas.openxmlformats.org/officeDocument/2006/relationships" xmlns:p="http://schemas.openxmlformats.org/presentationml/2006/main" matchingName="Title and body" type="tx">
   <p:cSld name="TITLE_AND_BODY">
     <p:spTree>
       <p:nvGrpSpPr>
-        <p:cNvPr id="20" name="Shape 20"/>
+        <p:cNvPr id="1" name="Shape 20"/>
         <p:cNvGrpSpPr/>
         <p:nvPr/>
       </p:nvGrpSpPr>
@@ -2941,21 +3033,23 @@
             <a:avLst/>
           </a:prstGeom>
           <a:noFill/>
-          <a:ln cap="flat" cmpd="sng" w="38100">
+          <a:ln w="38100" cap="flat" cmpd="sng">
             <a:solidFill>
               <a:schemeClr val="accent4"/>
             </a:solidFill>
             <a:prstDash val="solid"/>
             <a:round/>
-            <a:headEnd len="sm" w="sm" type="none"/>
-            <a:tailEnd len="sm" w="sm" type="none"/>
+            <a:headEnd type="none" w="sm" len="sm"/>
+            <a:tailEnd type="none" w="sm" len="sm"/>
           </a:ln>
         </p:spPr>
       </p:cxnSp>
       <p:sp>
         <p:nvSpPr>
           <p:cNvPr id="22" name="Google Shape;22;p4"/>
-          <p:cNvSpPr txBox="1"/>
+          <p:cNvSpPr txBox="1">
+            <a:spLocks noGrp="1"/>
+          </p:cNvSpPr>
           <p:nvPr>
             <p:ph type="title"/>
           </p:nvPr>
@@ -2970,7 +3064,7 @@
           </a:prstGeom>
         </p:spPr>
         <p:txBody>
-          <a:bodyPr anchorCtr="0" anchor="b" bIns="91425" lIns="91425" spcFirstLastPara="1" rIns="91425" wrap="square" tIns="91425">
+          <a:bodyPr spcFirstLastPara="1" wrap="square" lIns="91425" tIns="91425" rIns="91425" bIns="91425" anchor="b" anchorCtr="0">
             <a:normAutofit/>
           </a:bodyPr>
           <a:lstStyle>
@@ -3074,15 +3168,19 @@
               <a:defRPr/>
             </a:lvl9pPr>
           </a:lstStyle>
-          <a:p/>
+          <a:p>
+            <a:endParaRPr/>
+          </a:p>
         </p:txBody>
       </p:sp>
       <p:sp>
         <p:nvSpPr>
           <p:cNvPr id="23" name="Google Shape;23;p4"/>
-          <p:cNvSpPr txBox="1"/>
+          <p:cNvSpPr txBox="1">
+            <a:spLocks noGrp="1"/>
+          </p:cNvSpPr>
           <p:nvPr>
-            <p:ph idx="1" type="body"/>
+            <p:ph type="body" idx="1"/>
           </p:nvPr>
         </p:nvSpPr>
         <p:spPr>
@@ -3095,11 +3193,11 @@
           </a:prstGeom>
         </p:spPr>
         <p:txBody>
-          <a:bodyPr anchorCtr="0" anchor="t" bIns="91425" lIns="91425" spcFirstLastPara="1" rIns="91425" wrap="square" tIns="91425">
+          <a:bodyPr spcFirstLastPara="1" wrap="square" lIns="91425" tIns="91425" rIns="91425" bIns="91425" anchor="t" anchorCtr="0">
             <a:normAutofit/>
           </a:bodyPr>
           <a:lstStyle>
-            <a:lvl1pPr indent="-342900" lvl="0" marL="457200">
+            <a:lvl1pPr marL="457200" lvl="0" indent="-342900">
               <a:spcBef>
                 <a:spcPts val="0"/>
               </a:spcBef>
@@ -3110,7 +3208,7 @@
               <a:buChar char="●"/>
               <a:defRPr/>
             </a:lvl1pPr>
-            <a:lvl2pPr indent="-317500" lvl="1" marL="914400">
+            <a:lvl2pPr marL="914400" lvl="1" indent="-317500">
               <a:spcBef>
                 <a:spcPts val="0"/>
               </a:spcBef>
@@ -3121,7 +3219,7 @@
               <a:buChar char="○"/>
               <a:defRPr/>
             </a:lvl2pPr>
-            <a:lvl3pPr indent="-317500" lvl="2" marL="1371600">
+            <a:lvl3pPr marL="1371600" lvl="2" indent="-317500">
               <a:spcBef>
                 <a:spcPts val="0"/>
               </a:spcBef>
@@ -3132,7 +3230,7 @@
               <a:buChar char="■"/>
               <a:defRPr/>
             </a:lvl3pPr>
-            <a:lvl4pPr indent="-317500" lvl="3" marL="1828800">
+            <a:lvl4pPr marL="1828800" lvl="3" indent="-317500">
               <a:spcBef>
                 <a:spcPts val="0"/>
               </a:spcBef>
@@ -3143,7 +3241,7 @@
               <a:buChar char="●"/>
               <a:defRPr/>
             </a:lvl4pPr>
-            <a:lvl5pPr indent="-317500" lvl="4" marL="2286000">
+            <a:lvl5pPr marL="2286000" lvl="4" indent="-317500">
               <a:spcBef>
                 <a:spcPts val="0"/>
               </a:spcBef>
@@ -3154,7 +3252,7 @@
               <a:buChar char="○"/>
               <a:defRPr/>
             </a:lvl5pPr>
-            <a:lvl6pPr indent="-317500" lvl="5" marL="2743200">
+            <a:lvl6pPr marL="2743200" lvl="5" indent="-317500">
               <a:spcBef>
                 <a:spcPts val="0"/>
               </a:spcBef>
@@ -3165,7 +3263,7 @@
               <a:buChar char="■"/>
               <a:defRPr/>
             </a:lvl6pPr>
-            <a:lvl7pPr indent="-317500" lvl="6" marL="3200400">
+            <a:lvl7pPr marL="3200400" lvl="6" indent="-317500">
               <a:spcBef>
                 <a:spcPts val="0"/>
               </a:spcBef>
@@ -3176,7 +3274,7 @@
               <a:buChar char="●"/>
               <a:defRPr/>
             </a:lvl7pPr>
-            <a:lvl8pPr indent="-317500" lvl="7" marL="3657600">
+            <a:lvl8pPr marL="3657600" lvl="7" indent="-317500">
               <a:spcBef>
                 <a:spcPts val="0"/>
               </a:spcBef>
@@ -3187,7 +3285,7 @@
               <a:buChar char="○"/>
               <a:defRPr/>
             </a:lvl8pPr>
-            <a:lvl9pPr indent="-317500" lvl="8" marL="4114800">
+            <a:lvl9pPr marL="4114800" lvl="8" indent="-317500">
               <a:spcBef>
                 <a:spcPts val="0"/>
               </a:spcBef>
@@ -3199,15 +3297,19 @@
               <a:defRPr/>
             </a:lvl9pPr>
           </a:lstStyle>
-          <a:p/>
+          <a:p>
+            <a:endParaRPr/>
+          </a:p>
         </p:txBody>
       </p:sp>
       <p:sp>
         <p:nvSpPr>
           <p:cNvPr id="24" name="Google Shape;24;p4"/>
-          <p:cNvSpPr txBox="1"/>
+          <p:cNvSpPr txBox="1">
+            <a:spLocks noGrp="1"/>
+          </p:cNvSpPr>
           <p:nvPr>
-            <p:ph idx="12" type="sldNum"/>
+            <p:ph type="sldNum" idx="12"/>
           </p:nvPr>
         </p:nvSpPr>
         <p:spPr>
@@ -3220,7 +3322,7 @@
           </a:prstGeom>
         </p:spPr>
         <p:txBody>
-          <a:bodyPr anchorCtr="0" anchor="ctr" bIns="91425" lIns="91425" spcFirstLastPara="1" rIns="91425" wrap="square" tIns="91425">
+          <a:bodyPr spcFirstLastPara="1" wrap="square" lIns="91425" tIns="91425" rIns="91425" bIns="91425" anchor="ctr" anchorCtr="0">
             <a:normAutofit/>
           </a:bodyPr>
           <a:lstStyle>
@@ -3262,7 +3364,7 @@
             </a:lvl9pPr>
           </a:lstStyle>
           <a:p>
-            <a:pPr indent="0" lvl="0" marL="0" rtl="0" algn="r">
+            <a:pPr marL="0" lvl="0" indent="0" algn="r" rtl="0">
               <a:spcBef>
                 <a:spcPts val="0"/>
               </a:spcBef>
@@ -3273,7 +3375,7 @@
             </a:pPr>
             <a:fld id="{00000000-1234-1234-1234-123412341234}" type="slidenum">
               <a:rPr lang="pt-BR"/>
-              <a:t>‹#›</a:t>
+              <a:t>‹Nº›</a:t>
             </a:fld>
             <a:endParaRPr/>
           </a:p>
@@ -3288,11 +3390,11 @@
 </file>
 
 <file path=ppt/slideLayouts/slideLayout4.xml><?xml version="1.0" encoding="utf-8"?>
-<p:sldLayout xmlns:a="http://schemas.openxmlformats.org/drawingml/2006/main" xmlns:r="http://schemas.openxmlformats.org/officeDocument/2006/relationships" xmlns:mc="http://schemas.openxmlformats.org/markup-compatibility/2006" xmlns:mv="urn:schemas-microsoft-com:mac:vml" xmlns:p="http://schemas.openxmlformats.org/presentationml/2006/main" xmlns:c="http://schemas.openxmlformats.org/drawingml/2006/chart" xmlns:dgm="http://schemas.openxmlformats.org/drawingml/2006/diagram" xmlns:o="urn:schemas-microsoft-com:office:office" xmlns:v="urn:schemas-microsoft-com:vml" xmlns:pvml="urn:schemas-microsoft-com:office:powerpoint" xmlns:com="http://schemas.openxmlformats.org/drawingml/2006/compatibility" xmlns:p14="http://schemas.microsoft.com/office/powerpoint/2010/main" xmlns:p15="http://schemas.microsoft.com/office/powerpoint/2012/main" xmlns:ahyp="http://schemas.microsoft.com/office/drawing/2018/hyperlinkcolor" matchingName="Title and two columns" type="twoColTx">
+<p:sldLayout xmlns:a="http://schemas.openxmlformats.org/drawingml/2006/main" xmlns:r="http://schemas.openxmlformats.org/officeDocument/2006/relationships" xmlns:p="http://schemas.openxmlformats.org/presentationml/2006/main" matchingName="Title and two columns" type="twoColTx">
   <p:cSld name="TITLE_AND_TWO_COLUMNS">
     <p:spTree>
       <p:nvGrpSpPr>
-        <p:cNvPr id="25" name="Shape 25"/>
+        <p:cNvPr id="1" name="Shape 25"/>
         <p:cNvGrpSpPr/>
         <p:nvPr/>
       </p:nvGrpSpPr>
@@ -3319,21 +3421,23 @@
             <a:avLst/>
           </a:prstGeom>
           <a:noFill/>
-          <a:ln cap="flat" cmpd="sng" w="38100">
+          <a:ln w="38100" cap="flat" cmpd="sng">
             <a:solidFill>
               <a:schemeClr val="accent4"/>
             </a:solidFill>
             <a:prstDash val="solid"/>
             <a:round/>
-            <a:headEnd len="sm" w="sm" type="none"/>
-            <a:tailEnd len="sm" w="sm" type="none"/>
+            <a:headEnd type="none" w="sm" len="sm"/>
+            <a:tailEnd type="none" w="sm" len="sm"/>
           </a:ln>
         </p:spPr>
       </p:cxnSp>
       <p:sp>
         <p:nvSpPr>
           <p:cNvPr id="27" name="Google Shape;27;p5"/>
-          <p:cNvSpPr txBox="1"/>
+          <p:cNvSpPr txBox="1">
+            <a:spLocks noGrp="1"/>
+          </p:cNvSpPr>
           <p:nvPr>
             <p:ph type="title"/>
           </p:nvPr>
@@ -3348,7 +3452,7 @@
           </a:prstGeom>
         </p:spPr>
         <p:txBody>
-          <a:bodyPr anchorCtr="0" anchor="b" bIns="91425" lIns="91425" spcFirstLastPara="1" rIns="91425" wrap="square" tIns="91425">
+          <a:bodyPr spcFirstLastPara="1" wrap="square" lIns="91425" tIns="91425" rIns="91425" bIns="91425" anchor="b" anchorCtr="0">
             <a:normAutofit/>
           </a:bodyPr>
           <a:lstStyle>
@@ -3452,15 +3556,19 @@
               <a:defRPr/>
             </a:lvl9pPr>
           </a:lstStyle>
-          <a:p/>
+          <a:p>
+            <a:endParaRPr/>
+          </a:p>
         </p:txBody>
       </p:sp>
       <p:sp>
         <p:nvSpPr>
           <p:cNvPr id="28" name="Google Shape;28;p5"/>
-          <p:cNvSpPr txBox="1"/>
+          <p:cNvSpPr txBox="1">
+            <a:spLocks noGrp="1"/>
+          </p:cNvSpPr>
           <p:nvPr>
-            <p:ph idx="1" type="body"/>
+            <p:ph type="body" idx="1"/>
           </p:nvPr>
         </p:nvSpPr>
         <p:spPr>
@@ -3473,11 +3581,11 @@
           </a:prstGeom>
         </p:spPr>
         <p:txBody>
-          <a:bodyPr anchorCtr="0" anchor="t" bIns="91425" lIns="91425" spcFirstLastPara="1" rIns="91425" wrap="square" tIns="91425">
+          <a:bodyPr spcFirstLastPara="1" wrap="square" lIns="91425" tIns="91425" rIns="91425" bIns="91425" anchor="t" anchorCtr="0">
             <a:normAutofit/>
           </a:bodyPr>
           <a:lstStyle>
-            <a:lvl1pPr indent="-317500" lvl="0" marL="457200">
+            <a:lvl1pPr marL="457200" lvl="0" indent="-317500">
               <a:spcBef>
                 <a:spcPts val="0"/>
               </a:spcBef>
@@ -3488,7 +3596,7 @@
               <a:buChar char="●"/>
               <a:defRPr sz="1400"/>
             </a:lvl1pPr>
-            <a:lvl2pPr indent="-304800" lvl="1" marL="914400">
+            <a:lvl2pPr marL="914400" lvl="1" indent="-304800">
               <a:spcBef>
                 <a:spcPts val="0"/>
               </a:spcBef>
@@ -3499,7 +3607,7 @@
               <a:buChar char="○"/>
               <a:defRPr sz="1200"/>
             </a:lvl2pPr>
-            <a:lvl3pPr indent="-304800" lvl="2" marL="1371600">
+            <a:lvl3pPr marL="1371600" lvl="2" indent="-304800">
               <a:spcBef>
                 <a:spcPts val="0"/>
               </a:spcBef>
@@ -3510,7 +3618,7 @@
               <a:buChar char="■"/>
               <a:defRPr sz="1200"/>
             </a:lvl3pPr>
-            <a:lvl4pPr indent="-304800" lvl="3" marL="1828800">
+            <a:lvl4pPr marL="1828800" lvl="3" indent="-304800">
               <a:spcBef>
                 <a:spcPts val="0"/>
               </a:spcBef>
@@ -3521,7 +3629,7 @@
               <a:buChar char="●"/>
               <a:defRPr sz="1200"/>
             </a:lvl4pPr>
-            <a:lvl5pPr indent="-304800" lvl="4" marL="2286000">
+            <a:lvl5pPr marL="2286000" lvl="4" indent="-304800">
               <a:spcBef>
                 <a:spcPts val="0"/>
               </a:spcBef>
@@ -3532,7 +3640,7 @@
               <a:buChar char="○"/>
               <a:defRPr sz="1200"/>
             </a:lvl5pPr>
-            <a:lvl6pPr indent="-304800" lvl="5" marL="2743200">
+            <a:lvl6pPr marL="2743200" lvl="5" indent="-304800">
               <a:spcBef>
                 <a:spcPts val="0"/>
               </a:spcBef>
@@ -3543,7 +3651,7 @@
               <a:buChar char="■"/>
               <a:defRPr sz="1200"/>
             </a:lvl6pPr>
-            <a:lvl7pPr indent="-304800" lvl="6" marL="3200400">
+            <a:lvl7pPr marL="3200400" lvl="6" indent="-304800">
               <a:spcBef>
                 <a:spcPts val="0"/>
               </a:spcBef>
@@ -3554,7 +3662,7 @@
               <a:buChar char="●"/>
               <a:defRPr sz="1200"/>
             </a:lvl7pPr>
-            <a:lvl8pPr indent="-304800" lvl="7" marL="3657600">
+            <a:lvl8pPr marL="3657600" lvl="7" indent="-304800">
               <a:spcBef>
                 <a:spcPts val="0"/>
               </a:spcBef>
@@ -3565,7 +3673,7 @@
               <a:buChar char="○"/>
               <a:defRPr sz="1200"/>
             </a:lvl8pPr>
-            <a:lvl9pPr indent="-304800" lvl="8" marL="4114800">
+            <a:lvl9pPr marL="4114800" lvl="8" indent="-304800">
               <a:spcBef>
                 <a:spcPts val="0"/>
               </a:spcBef>
@@ -3577,15 +3685,19 @@
               <a:defRPr sz="1200"/>
             </a:lvl9pPr>
           </a:lstStyle>
-          <a:p/>
+          <a:p>
+            <a:endParaRPr/>
+          </a:p>
         </p:txBody>
       </p:sp>
       <p:sp>
         <p:nvSpPr>
           <p:cNvPr id="29" name="Google Shape;29;p5"/>
-          <p:cNvSpPr txBox="1"/>
+          <p:cNvSpPr txBox="1">
+            <a:spLocks noGrp="1"/>
+          </p:cNvSpPr>
           <p:nvPr>
-            <p:ph idx="2" type="body"/>
+            <p:ph type="body" idx="2"/>
           </p:nvPr>
         </p:nvSpPr>
         <p:spPr>
@@ -3598,11 +3710,11 @@
           </a:prstGeom>
         </p:spPr>
         <p:txBody>
-          <a:bodyPr anchorCtr="0" anchor="t" bIns="91425" lIns="91425" spcFirstLastPara="1" rIns="91425" wrap="square" tIns="91425">
+          <a:bodyPr spcFirstLastPara="1" wrap="square" lIns="91425" tIns="91425" rIns="91425" bIns="91425" anchor="t" anchorCtr="0">
             <a:normAutofit/>
           </a:bodyPr>
           <a:lstStyle>
-            <a:lvl1pPr indent="-317500" lvl="0" marL="457200">
+            <a:lvl1pPr marL="457200" lvl="0" indent="-317500">
               <a:spcBef>
                 <a:spcPts val="0"/>
               </a:spcBef>
@@ -3613,7 +3725,7 @@
               <a:buChar char="●"/>
               <a:defRPr sz="1400"/>
             </a:lvl1pPr>
-            <a:lvl2pPr indent="-304800" lvl="1" marL="914400">
+            <a:lvl2pPr marL="914400" lvl="1" indent="-304800">
               <a:spcBef>
                 <a:spcPts val="0"/>
               </a:spcBef>
@@ -3624,7 +3736,7 @@
               <a:buChar char="○"/>
               <a:defRPr sz="1200"/>
             </a:lvl2pPr>
-            <a:lvl3pPr indent="-304800" lvl="2" marL="1371600">
+            <a:lvl3pPr marL="1371600" lvl="2" indent="-304800">
               <a:spcBef>
                 <a:spcPts val="0"/>
               </a:spcBef>
@@ -3635,7 +3747,7 @@
               <a:buChar char="■"/>
               <a:defRPr sz="1200"/>
             </a:lvl3pPr>
-            <a:lvl4pPr indent="-304800" lvl="3" marL="1828800">
+            <a:lvl4pPr marL="1828800" lvl="3" indent="-304800">
               <a:spcBef>
                 <a:spcPts val="0"/>
               </a:spcBef>
@@ -3646,7 +3758,7 @@
               <a:buChar char="●"/>
               <a:defRPr sz="1200"/>
             </a:lvl4pPr>
-            <a:lvl5pPr indent="-304800" lvl="4" marL="2286000">
+            <a:lvl5pPr marL="2286000" lvl="4" indent="-304800">
               <a:spcBef>
                 <a:spcPts val="0"/>
               </a:spcBef>
@@ -3657,7 +3769,7 @@
               <a:buChar char="○"/>
               <a:defRPr sz="1200"/>
             </a:lvl5pPr>
-            <a:lvl6pPr indent="-304800" lvl="5" marL="2743200">
+            <a:lvl6pPr marL="2743200" lvl="5" indent="-304800">
               <a:spcBef>
                 <a:spcPts val="0"/>
               </a:spcBef>
@@ -3668,7 +3780,7 @@
               <a:buChar char="■"/>
               <a:defRPr sz="1200"/>
             </a:lvl6pPr>
-            <a:lvl7pPr indent="-304800" lvl="6" marL="3200400">
+            <a:lvl7pPr marL="3200400" lvl="6" indent="-304800">
               <a:spcBef>
                 <a:spcPts val="0"/>
               </a:spcBef>
@@ -3679,7 +3791,7 @@
               <a:buChar char="●"/>
               <a:defRPr sz="1200"/>
             </a:lvl7pPr>
-            <a:lvl8pPr indent="-304800" lvl="7" marL="3657600">
+            <a:lvl8pPr marL="3657600" lvl="7" indent="-304800">
               <a:spcBef>
                 <a:spcPts val="0"/>
               </a:spcBef>
@@ -3690,7 +3802,7 @@
               <a:buChar char="○"/>
               <a:defRPr sz="1200"/>
             </a:lvl8pPr>
-            <a:lvl9pPr indent="-304800" lvl="8" marL="4114800">
+            <a:lvl9pPr marL="4114800" lvl="8" indent="-304800">
               <a:spcBef>
                 <a:spcPts val="0"/>
               </a:spcBef>
@@ -3702,15 +3814,19 @@
               <a:defRPr sz="1200"/>
             </a:lvl9pPr>
           </a:lstStyle>
-          <a:p/>
+          <a:p>
+            <a:endParaRPr/>
+          </a:p>
         </p:txBody>
       </p:sp>
       <p:sp>
         <p:nvSpPr>
           <p:cNvPr id="30" name="Google Shape;30;p5"/>
-          <p:cNvSpPr txBox="1"/>
+          <p:cNvSpPr txBox="1">
+            <a:spLocks noGrp="1"/>
+          </p:cNvSpPr>
           <p:nvPr>
-            <p:ph idx="12" type="sldNum"/>
+            <p:ph type="sldNum" idx="12"/>
           </p:nvPr>
         </p:nvSpPr>
         <p:spPr>
@@ -3723,7 +3839,7 @@
           </a:prstGeom>
         </p:spPr>
         <p:txBody>
-          <a:bodyPr anchorCtr="0" anchor="ctr" bIns="91425" lIns="91425" spcFirstLastPara="1" rIns="91425" wrap="square" tIns="91425">
+          <a:bodyPr spcFirstLastPara="1" wrap="square" lIns="91425" tIns="91425" rIns="91425" bIns="91425" anchor="ctr" anchorCtr="0">
             <a:normAutofit/>
           </a:bodyPr>
           <a:lstStyle>
@@ -3765,7 +3881,7 @@
             </a:lvl9pPr>
           </a:lstStyle>
           <a:p>
-            <a:pPr indent="0" lvl="0" marL="0" rtl="0" algn="r">
+            <a:pPr marL="0" lvl="0" indent="0" algn="r" rtl="0">
               <a:spcBef>
                 <a:spcPts val="0"/>
               </a:spcBef>
@@ -3776,7 +3892,7 @@
             </a:pPr>
             <a:fld id="{00000000-1234-1234-1234-123412341234}" type="slidenum">
               <a:rPr lang="pt-BR"/>
-              <a:t>‹#›</a:t>
+              <a:t>‹Nº›</a:t>
             </a:fld>
             <a:endParaRPr/>
           </a:p>
@@ -3791,11 +3907,11 @@
 </file>
 
 <file path=ppt/slideLayouts/slideLayout5.xml><?xml version="1.0" encoding="utf-8"?>
-<p:sldLayout xmlns:a="http://schemas.openxmlformats.org/drawingml/2006/main" xmlns:r="http://schemas.openxmlformats.org/officeDocument/2006/relationships" xmlns:mc="http://schemas.openxmlformats.org/markup-compatibility/2006" xmlns:mv="urn:schemas-microsoft-com:mac:vml" xmlns:p="http://schemas.openxmlformats.org/presentationml/2006/main" xmlns:c="http://schemas.openxmlformats.org/drawingml/2006/chart" xmlns:dgm="http://schemas.openxmlformats.org/drawingml/2006/diagram" xmlns:o="urn:schemas-microsoft-com:office:office" xmlns:v="urn:schemas-microsoft-com:vml" xmlns:pvml="urn:schemas-microsoft-com:office:powerpoint" xmlns:com="http://schemas.openxmlformats.org/drawingml/2006/compatibility" xmlns:p14="http://schemas.microsoft.com/office/powerpoint/2010/main" xmlns:p15="http://schemas.microsoft.com/office/powerpoint/2012/main" xmlns:ahyp="http://schemas.microsoft.com/office/drawing/2018/hyperlinkcolor" matchingName="Title only" type="titleOnly">
+<p:sldLayout xmlns:a="http://schemas.openxmlformats.org/drawingml/2006/main" xmlns:r="http://schemas.openxmlformats.org/officeDocument/2006/relationships" xmlns:p="http://schemas.openxmlformats.org/presentationml/2006/main" matchingName="Title only" type="titleOnly">
   <p:cSld name="TITLE_ONLY">
     <p:spTree>
       <p:nvGrpSpPr>
-        <p:cNvPr id="31" name="Shape 31"/>
+        <p:cNvPr id="1" name="Shape 31"/>
         <p:cNvGrpSpPr/>
         <p:nvPr/>
       </p:nvGrpSpPr>
@@ -3810,7 +3926,9 @@
       <p:sp>
         <p:nvSpPr>
           <p:cNvPr id="32" name="Google Shape;32;p6"/>
-          <p:cNvSpPr txBox="1"/>
+          <p:cNvSpPr txBox="1">
+            <a:spLocks noGrp="1"/>
+          </p:cNvSpPr>
           <p:nvPr>
             <p:ph type="title"/>
           </p:nvPr>
@@ -3825,7 +3943,7 @@
           </a:prstGeom>
         </p:spPr>
         <p:txBody>
-          <a:bodyPr anchorCtr="0" anchor="b" bIns="91425" lIns="91425" spcFirstLastPara="1" rIns="91425" wrap="square" tIns="91425">
+          <a:bodyPr spcFirstLastPara="1" wrap="square" lIns="91425" tIns="91425" rIns="91425" bIns="91425" anchor="b" anchorCtr="0">
             <a:normAutofit/>
           </a:bodyPr>
           <a:lstStyle>
@@ -3929,15 +4047,19 @@
               <a:defRPr/>
             </a:lvl9pPr>
           </a:lstStyle>
-          <a:p/>
+          <a:p>
+            <a:endParaRPr/>
+          </a:p>
         </p:txBody>
       </p:sp>
       <p:sp>
         <p:nvSpPr>
           <p:cNvPr id="33" name="Google Shape;33;p6"/>
-          <p:cNvSpPr txBox="1"/>
+          <p:cNvSpPr txBox="1">
+            <a:spLocks noGrp="1"/>
+          </p:cNvSpPr>
           <p:nvPr>
-            <p:ph idx="12" type="sldNum"/>
+            <p:ph type="sldNum" idx="12"/>
           </p:nvPr>
         </p:nvSpPr>
         <p:spPr>
@@ -3950,7 +4072,7 @@
           </a:prstGeom>
         </p:spPr>
         <p:txBody>
-          <a:bodyPr anchorCtr="0" anchor="ctr" bIns="91425" lIns="91425" spcFirstLastPara="1" rIns="91425" wrap="square" tIns="91425">
+          <a:bodyPr spcFirstLastPara="1" wrap="square" lIns="91425" tIns="91425" rIns="91425" bIns="91425" anchor="ctr" anchorCtr="0">
             <a:normAutofit/>
           </a:bodyPr>
           <a:lstStyle>
@@ -3992,7 +4114,7 @@
             </a:lvl9pPr>
           </a:lstStyle>
           <a:p>
-            <a:pPr indent="0" lvl="0" marL="0" rtl="0" algn="r">
+            <a:pPr marL="0" lvl="0" indent="0" algn="r" rtl="0">
               <a:spcBef>
                 <a:spcPts val="0"/>
               </a:spcBef>
@@ -4003,7 +4125,7 @@
             </a:pPr>
             <a:fld id="{00000000-1234-1234-1234-123412341234}" type="slidenum">
               <a:rPr lang="pt-BR"/>
-              <a:t>‹#›</a:t>
+              <a:t>‹Nº›</a:t>
             </a:fld>
             <a:endParaRPr/>
           </a:p>
@@ -4018,11 +4140,11 @@
 </file>
 
 <file path=ppt/slideLayouts/slideLayout6.xml><?xml version="1.0" encoding="utf-8"?>
-<p:sldLayout xmlns:a="http://schemas.openxmlformats.org/drawingml/2006/main" xmlns:r="http://schemas.openxmlformats.org/officeDocument/2006/relationships" xmlns:mc="http://schemas.openxmlformats.org/markup-compatibility/2006" xmlns:mv="urn:schemas-microsoft-com:mac:vml" xmlns:p="http://schemas.openxmlformats.org/presentationml/2006/main" xmlns:c="http://schemas.openxmlformats.org/drawingml/2006/chart" xmlns:dgm="http://schemas.openxmlformats.org/drawingml/2006/diagram" xmlns:o="urn:schemas-microsoft-com:office:office" xmlns:v="urn:schemas-microsoft-com:vml" xmlns:pvml="urn:schemas-microsoft-com:office:powerpoint" xmlns:com="http://schemas.openxmlformats.org/drawingml/2006/compatibility" xmlns:p14="http://schemas.microsoft.com/office/powerpoint/2010/main" xmlns:p15="http://schemas.microsoft.com/office/powerpoint/2012/main" xmlns:ahyp="http://schemas.microsoft.com/office/drawing/2018/hyperlinkcolor" matchingName="One column text">
+<p:sldLayout xmlns:a="http://schemas.openxmlformats.org/drawingml/2006/main" xmlns:r="http://schemas.openxmlformats.org/officeDocument/2006/relationships" xmlns:p="http://schemas.openxmlformats.org/presentationml/2006/main" matchingName="One column text">
   <p:cSld name="ONE_COLUMN_TEXT">
     <p:spTree>
       <p:nvGrpSpPr>
-        <p:cNvPr id="34" name="Shape 34"/>
+        <p:cNvPr id="1" name="Shape 34"/>
         <p:cNvGrpSpPr/>
         <p:nvPr/>
       </p:nvGrpSpPr>
@@ -4049,21 +4171,23 @@
             <a:avLst/>
           </a:prstGeom>
           <a:noFill/>
-          <a:ln cap="flat" cmpd="sng" w="38100">
+          <a:ln w="38100" cap="flat" cmpd="sng">
             <a:solidFill>
               <a:schemeClr val="accent4"/>
             </a:solidFill>
             <a:prstDash val="solid"/>
             <a:round/>
-            <a:headEnd len="sm" w="sm" type="none"/>
-            <a:tailEnd len="sm" w="sm" type="none"/>
+            <a:headEnd type="none" w="sm" len="sm"/>
+            <a:tailEnd type="none" w="sm" len="sm"/>
           </a:ln>
         </p:spPr>
       </p:cxnSp>
       <p:sp>
         <p:nvSpPr>
           <p:cNvPr id="36" name="Google Shape;36;p7"/>
-          <p:cNvSpPr txBox="1"/>
+          <p:cNvSpPr txBox="1">
+            <a:spLocks noGrp="1"/>
+          </p:cNvSpPr>
           <p:nvPr>
             <p:ph type="title"/>
           </p:nvPr>
@@ -4078,7 +4202,7 @@
           </a:prstGeom>
         </p:spPr>
         <p:txBody>
-          <a:bodyPr anchorCtr="0" anchor="b" bIns="91425" lIns="91425" spcFirstLastPara="1" rIns="91425" wrap="square" tIns="91425">
+          <a:bodyPr spcFirstLastPara="1" wrap="square" lIns="91425" tIns="91425" rIns="91425" bIns="91425" anchor="b" anchorCtr="0">
             <a:normAutofit/>
           </a:bodyPr>
           <a:lstStyle>
@@ -4182,15 +4306,19 @@
               <a:defRPr sz="2400"/>
             </a:lvl9pPr>
           </a:lstStyle>
-          <a:p/>
+          <a:p>
+            <a:endParaRPr/>
+          </a:p>
         </p:txBody>
       </p:sp>
       <p:sp>
         <p:nvSpPr>
           <p:cNvPr id="37" name="Google Shape;37;p7"/>
-          <p:cNvSpPr txBox="1"/>
+          <p:cNvSpPr txBox="1">
+            <a:spLocks noGrp="1"/>
+          </p:cNvSpPr>
           <p:nvPr>
-            <p:ph idx="1" type="body"/>
+            <p:ph type="body" idx="1"/>
           </p:nvPr>
         </p:nvSpPr>
         <p:spPr>
@@ -4203,11 +4331,11 @@
           </a:prstGeom>
         </p:spPr>
         <p:txBody>
-          <a:bodyPr anchorCtr="0" anchor="t" bIns="91425" lIns="91425" spcFirstLastPara="1" rIns="91425" wrap="square" tIns="91425">
+          <a:bodyPr spcFirstLastPara="1" wrap="square" lIns="91425" tIns="91425" rIns="91425" bIns="91425" anchor="t" anchorCtr="0">
             <a:normAutofit/>
           </a:bodyPr>
           <a:lstStyle>
-            <a:lvl1pPr indent="-304800" lvl="0" marL="457200">
+            <a:lvl1pPr marL="457200" lvl="0" indent="-304800">
               <a:spcBef>
                 <a:spcPts val="0"/>
               </a:spcBef>
@@ -4218,7 +4346,7 @@
               <a:buChar char="●"/>
               <a:defRPr sz="1200"/>
             </a:lvl1pPr>
-            <a:lvl2pPr indent="-304800" lvl="1" marL="914400">
+            <a:lvl2pPr marL="914400" lvl="1" indent="-304800">
               <a:spcBef>
                 <a:spcPts val="0"/>
               </a:spcBef>
@@ -4229,7 +4357,7 @@
               <a:buChar char="○"/>
               <a:defRPr sz="1200"/>
             </a:lvl2pPr>
-            <a:lvl3pPr indent="-304800" lvl="2" marL="1371600">
+            <a:lvl3pPr marL="1371600" lvl="2" indent="-304800">
               <a:spcBef>
                 <a:spcPts val="0"/>
               </a:spcBef>
@@ -4240,7 +4368,7 @@
               <a:buChar char="■"/>
               <a:defRPr sz="1200"/>
             </a:lvl3pPr>
-            <a:lvl4pPr indent="-304800" lvl="3" marL="1828800">
+            <a:lvl4pPr marL="1828800" lvl="3" indent="-304800">
               <a:spcBef>
                 <a:spcPts val="0"/>
               </a:spcBef>
@@ -4251,7 +4379,7 @@
               <a:buChar char="●"/>
               <a:defRPr sz="1200"/>
             </a:lvl4pPr>
-            <a:lvl5pPr indent="-304800" lvl="4" marL="2286000">
+            <a:lvl5pPr marL="2286000" lvl="4" indent="-304800">
               <a:spcBef>
                 <a:spcPts val="0"/>
               </a:spcBef>
@@ -4262,7 +4390,7 @@
               <a:buChar char="○"/>
               <a:defRPr sz="1200"/>
             </a:lvl5pPr>
-            <a:lvl6pPr indent="-304800" lvl="5" marL="2743200">
+            <a:lvl6pPr marL="2743200" lvl="5" indent="-304800">
               <a:spcBef>
                 <a:spcPts val="0"/>
               </a:spcBef>
@@ -4273,7 +4401,7 @@
               <a:buChar char="■"/>
               <a:defRPr sz="1200"/>
             </a:lvl6pPr>
-            <a:lvl7pPr indent="-304800" lvl="6" marL="3200400">
+            <a:lvl7pPr marL="3200400" lvl="6" indent="-304800">
               <a:spcBef>
                 <a:spcPts val="0"/>
               </a:spcBef>
@@ -4284,7 +4412,7 @@
               <a:buChar char="●"/>
               <a:defRPr sz="1200"/>
             </a:lvl7pPr>
-            <a:lvl8pPr indent="-304800" lvl="7" marL="3657600">
+            <a:lvl8pPr marL="3657600" lvl="7" indent="-304800">
               <a:spcBef>
                 <a:spcPts val="0"/>
               </a:spcBef>
@@ -4295,7 +4423,7 @@
               <a:buChar char="○"/>
               <a:defRPr sz="1200"/>
             </a:lvl8pPr>
-            <a:lvl9pPr indent="-304800" lvl="8" marL="4114800">
+            <a:lvl9pPr marL="4114800" lvl="8" indent="-304800">
               <a:spcBef>
                 <a:spcPts val="0"/>
               </a:spcBef>
@@ -4307,15 +4435,19 @@
               <a:defRPr sz="1200"/>
             </a:lvl9pPr>
           </a:lstStyle>
-          <a:p/>
+          <a:p>
+            <a:endParaRPr/>
+          </a:p>
         </p:txBody>
       </p:sp>
       <p:sp>
         <p:nvSpPr>
           <p:cNvPr id="38" name="Google Shape;38;p7"/>
-          <p:cNvSpPr txBox="1"/>
+          <p:cNvSpPr txBox="1">
+            <a:spLocks noGrp="1"/>
+          </p:cNvSpPr>
           <p:nvPr>
-            <p:ph idx="12" type="sldNum"/>
+            <p:ph type="sldNum" idx="12"/>
           </p:nvPr>
         </p:nvSpPr>
         <p:spPr>
@@ -4328,7 +4460,7 @@
           </a:prstGeom>
         </p:spPr>
         <p:txBody>
-          <a:bodyPr anchorCtr="0" anchor="ctr" bIns="91425" lIns="91425" spcFirstLastPara="1" rIns="91425" wrap="square" tIns="91425">
+          <a:bodyPr spcFirstLastPara="1" wrap="square" lIns="91425" tIns="91425" rIns="91425" bIns="91425" anchor="ctr" anchorCtr="0">
             <a:normAutofit/>
           </a:bodyPr>
           <a:lstStyle>
@@ -4370,7 +4502,7 @@
             </a:lvl9pPr>
           </a:lstStyle>
           <a:p>
-            <a:pPr indent="0" lvl="0" marL="0" rtl="0" algn="r">
+            <a:pPr marL="0" lvl="0" indent="0" algn="r" rtl="0">
               <a:spcBef>
                 <a:spcPts val="0"/>
               </a:spcBef>
@@ -4381,7 +4513,7 @@
             </a:pPr>
             <a:fld id="{00000000-1234-1234-1234-123412341234}" type="slidenum">
               <a:rPr lang="pt-BR"/>
-              <a:t>‹#›</a:t>
+              <a:t>‹Nº›</a:t>
             </a:fld>
             <a:endParaRPr/>
           </a:p>
@@ -4396,11 +4528,11 @@
 </file>
 
 <file path=ppt/slideLayouts/slideLayout7.xml><?xml version="1.0" encoding="utf-8"?>
-<p:sldLayout xmlns:a="http://schemas.openxmlformats.org/drawingml/2006/main" xmlns:r="http://schemas.openxmlformats.org/officeDocument/2006/relationships" xmlns:mc="http://schemas.openxmlformats.org/markup-compatibility/2006" xmlns:mv="urn:schemas-microsoft-com:mac:vml" xmlns:p="http://schemas.openxmlformats.org/presentationml/2006/main" xmlns:c="http://schemas.openxmlformats.org/drawingml/2006/chart" xmlns:dgm="http://schemas.openxmlformats.org/drawingml/2006/diagram" xmlns:o="urn:schemas-microsoft-com:office:office" xmlns:v="urn:schemas-microsoft-com:vml" xmlns:pvml="urn:schemas-microsoft-com:office:powerpoint" xmlns:com="http://schemas.openxmlformats.org/drawingml/2006/compatibility" xmlns:p14="http://schemas.microsoft.com/office/powerpoint/2010/main" xmlns:p15="http://schemas.microsoft.com/office/powerpoint/2012/main" xmlns:ahyp="http://schemas.microsoft.com/office/drawing/2018/hyperlinkcolor" matchingName="Main point">
+<p:sldLayout xmlns:a="http://schemas.openxmlformats.org/drawingml/2006/main" xmlns:r="http://schemas.openxmlformats.org/officeDocument/2006/relationships" xmlns:p="http://schemas.openxmlformats.org/presentationml/2006/main" matchingName="Main point">
   <p:cSld name="MAIN_POINT">
     <p:spTree>
       <p:nvGrpSpPr>
-        <p:cNvPr id="39" name="Shape 39"/>
+        <p:cNvPr id="1" name="Shape 39"/>
         <p:cNvGrpSpPr/>
         <p:nvPr/>
       </p:nvGrpSpPr>
@@ -4415,7 +4547,9 @@
       <p:sp>
         <p:nvSpPr>
           <p:cNvPr id="40" name="Google Shape;40;p8"/>
-          <p:cNvSpPr txBox="1"/>
+          <p:cNvSpPr txBox="1">
+            <a:spLocks noGrp="1"/>
+          </p:cNvSpPr>
           <p:nvPr>
             <p:ph type="title"/>
           </p:nvPr>
@@ -4430,7 +4564,7 @@
           </a:prstGeom>
         </p:spPr>
         <p:txBody>
-          <a:bodyPr anchorCtr="0" anchor="ctr" bIns="91425" lIns="91425" spcFirstLastPara="1" rIns="91425" wrap="square" tIns="91425">
+          <a:bodyPr spcFirstLastPara="1" wrap="square" lIns="91425" tIns="91425" rIns="91425" bIns="91425" anchor="ctr" anchorCtr="0">
             <a:normAutofit/>
           </a:bodyPr>
           <a:lstStyle>
@@ -4534,15 +4668,19 @@
               <a:defRPr sz="4800"/>
             </a:lvl9pPr>
           </a:lstStyle>
-          <a:p/>
+          <a:p>
+            <a:endParaRPr/>
+          </a:p>
         </p:txBody>
       </p:sp>
       <p:sp>
         <p:nvSpPr>
           <p:cNvPr id="41" name="Google Shape;41;p8"/>
-          <p:cNvSpPr txBox="1"/>
+          <p:cNvSpPr txBox="1">
+            <a:spLocks noGrp="1"/>
+          </p:cNvSpPr>
           <p:nvPr>
-            <p:ph idx="12" type="sldNum"/>
+            <p:ph type="sldNum" idx="12"/>
           </p:nvPr>
         </p:nvSpPr>
         <p:spPr>
@@ -4555,7 +4693,7 @@
           </a:prstGeom>
         </p:spPr>
         <p:txBody>
-          <a:bodyPr anchorCtr="0" anchor="ctr" bIns="91425" lIns="91425" spcFirstLastPara="1" rIns="91425" wrap="square" tIns="91425">
+          <a:bodyPr spcFirstLastPara="1" wrap="square" lIns="91425" tIns="91425" rIns="91425" bIns="91425" anchor="ctr" anchorCtr="0">
             <a:normAutofit/>
           </a:bodyPr>
           <a:lstStyle>
@@ -4597,7 +4735,7 @@
             </a:lvl9pPr>
           </a:lstStyle>
           <a:p>
-            <a:pPr indent="0" lvl="0" marL="0" rtl="0" algn="r">
+            <a:pPr marL="0" lvl="0" indent="0" algn="r" rtl="0">
               <a:spcBef>
                 <a:spcPts val="0"/>
               </a:spcBef>
@@ -4608,7 +4746,7 @@
             </a:pPr>
             <a:fld id="{00000000-1234-1234-1234-123412341234}" type="slidenum">
               <a:rPr lang="pt-BR"/>
-              <a:t>‹#›</a:t>
+              <a:t>‹Nº›</a:t>
             </a:fld>
             <a:endParaRPr/>
           </a:p>
@@ -4623,11 +4761,11 @@
 </file>
 
 <file path=ppt/slideLayouts/slideLayout8.xml><?xml version="1.0" encoding="utf-8"?>
-<p:sldLayout xmlns:a="http://schemas.openxmlformats.org/drawingml/2006/main" xmlns:r="http://schemas.openxmlformats.org/officeDocument/2006/relationships" xmlns:mc="http://schemas.openxmlformats.org/markup-compatibility/2006" xmlns:mv="urn:schemas-microsoft-com:mac:vml" xmlns:p="http://schemas.openxmlformats.org/presentationml/2006/main" xmlns:c="http://schemas.openxmlformats.org/drawingml/2006/chart" xmlns:dgm="http://schemas.openxmlformats.org/drawingml/2006/diagram" xmlns:o="urn:schemas-microsoft-com:office:office" xmlns:v="urn:schemas-microsoft-com:vml" xmlns:pvml="urn:schemas-microsoft-com:office:powerpoint" xmlns:com="http://schemas.openxmlformats.org/drawingml/2006/compatibility" xmlns:p14="http://schemas.microsoft.com/office/powerpoint/2010/main" xmlns:p15="http://schemas.microsoft.com/office/powerpoint/2012/main" xmlns:ahyp="http://schemas.microsoft.com/office/drawing/2018/hyperlinkcolor" matchingName="Section title and description">
+<p:sldLayout xmlns:a="http://schemas.openxmlformats.org/drawingml/2006/main" xmlns:r="http://schemas.openxmlformats.org/officeDocument/2006/relationships" xmlns:p="http://schemas.openxmlformats.org/presentationml/2006/main" matchingName="Section title and description">
   <p:cSld name="SECTION_TITLE_AND_DESCRIPTION">
     <p:spTree>
       <p:nvGrpSpPr>
-        <p:cNvPr id="42" name="Shape 42"/>
+        <p:cNvPr id="1" name="Shape 42"/>
         <p:cNvGrpSpPr/>
         <p:nvPr/>
       </p:nvGrpSpPr>
@@ -4661,12 +4799,12 @@
           </a:ln>
         </p:spPr>
         <p:txBody>
-          <a:bodyPr anchorCtr="0" anchor="ctr" bIns="91425" lIns="91425" spcFirstLastPara="1" rIns="91425" wrap="square" tIns="91425">
+          <a:bodyPr spcFirstLastPara="1" wrap="square" lIns="91425" tIns="91425" rIns="91425" bIns="91425" anchor="ctr" anchorCtr="0">
             <a:noAutofit/>
           </a:bodyPr>
           <a:lstStyle/>
           <a:p>
-            <a:pPr indent="0" lvl="0" marL="0" rtl="0" algn="l">
+            <a:pPr marL="0" lvl="0" indent="0" algn="l" rtl="0">
               <a:spcBef>
                 <a:spcPts val="0"/>
               </a:spcBef>
@@ -4675,9 +4813,6 @@
               </a:spcAft>
               <a:buNone/>
             </a:pPr>
-            <a:r>
-              <a:t/>
-            </a:r>
             <a:endParaRPr/>
           </a:p>
         </p:txBody>
@@ -4697,21 +4832,23 @@
             <a:avLst/>
           </a:prstGeom>
           <a:noFill/>
-          <a:ln cap="flat" cmpd="sng" w="38100">
+          <a:ln w="38100" cap="flat" cmpd="sng">
             <a:solidFill>
               <a:schemeClr val="accent5"/>
             </a:solidFill>
             <a:prstDash val="solid"/>
             <a:round/>
-            <a:headEnd len="sm" w="sm" type="none"/>
-            <a:tailEnd len="sm" w="sm" type="none"/>
+            <a:headEnd type="none" w="sm" len="sm"/>
+            <a:tailEnd type="none" w="sm" len="sm"/>
           </a:ln>
         </p:spPr>
       </p:cxnSp>
       <p:sp>
         <p:nvSpPr>
           <p:cNvPr id="45" name="Google Shape;45;p9"/>
-          <p:cNvSpPr txBox="1"/>
+          <p:cNvSpPr txBox="1">
+            <a:spLocks noGrp="1"/>
+          </p:cNvSpPr>
           <p:nvPr>
             <p:ph type="title"/>
           </p:nvPr>
@@ -4726,7 +4863,7 @@
           </a:prstGeom>
         </p:spPr>
         <p:txBody>
-          <a:bodyPr anchorCtr="0" anchor="b" bIns="91425" lIns="91425" spcFirstLastPara="1" rIns="91425" wrap="square" tIns="91425">
+          <a:bodyPr spcFirstLastPara="1" wrap="square" lIns="91425" tIns="91425" rIns="91425" bIns="91425" anchor="b" anchorCtr="0">
             <a:normAutofit/>
           </a:bodyPr>
           <a:lstStyle>
@@ -4830,15 +4967,19 @@
               <a:defRPr sz="3800"/>
             </a:lvl9pPr>
           </a:lstStyle>
-          <a:p/>
+          <a:p>
+            <a:endParaRPr/>
+          </a:p>
         </p:txBody>
       </p:sp>
       <p:sp>
         <p:nvSpPr>
           <p:cNvPr id="46" name="Google Shape;46;p9"/>
-          <p:cNvSpPr txBox="1"/>
+          <p:cNvSpPr txBox="1">
+            <a:spLocks noGrp="1"/>
+          </p:cNvSpPr>
           <p:nvPr>
-            <p:ph idx="1" type="subTitle"/>
+            <p:ph type="subTitle" idx="1"/>
           </p:nvPr>
         </p:nvSpPr>
         <p:spPr>
@@ -4851,7 +4992,7 @@
           </a:prstGeom>
         </p:spPr>
         <p:txBody>
-          <a:bodyPr anchorCtr="0" anchor="t" bIns="91425" lIns="91425" spcFirstLastPara="1" rIns="91425" wrap="square" tIns="91425">
+          <a:bodyPr spcFirstLastPara="1" wrap="square" lIns="91425" tIns="91425" rIns="91425" bIns="91425" anchor="t" anchorCtr="0">
             <a:normAutofit/>
           </a:bodyPr>
           <a:lstStyle>
@@ -5045,15 +5186,19 @@
               </a:defRPr>
             </a:lvl9pPr>
           </a:lstStyle>
-          <a:p/>
+          <a:p>
+            <a:endParaRPr/>
+          </a:p>
         </p:txBody>
       </p:sp>
       <p:sp>
         <p:nvSpPr>
           <p:cNvPr id="47" name="Google Shape;47;p9"/>
-          <p:cNvSpPr txBox="1"/>
+          <p:cNvSpPr txBox="1">
+            <a:spLocks noGrp="1"/>
+          </p:cNvSpPr>
           <p:nvPr>
-            <p:ph idx="2" type="body"/>
+            <p:ph type="body" idx="2"/>
           </p:nvPr>
         </p:nvSpPr>
         <p:spPr>
@@ -5066,11 +5211,11 @@
           </a:prstGeom>
         </p:spPr>
         <p:txBody>
-          <a:bodyPr anchorCtr="0" anchor="ctr" bIns="91425" lIns="91425" spcFirstLastPara="1" rIns="91425" wrap="square" tIns="91425">
+          <a:bodyPr spcFirstLastPara="1" wrap="square" lIns="91425" tIns="91425" rIns="91425" bIns="91425" anchor="ctr" anchorCtr="0">
             <a:normAutofit/>
           </a:bodyPr>
           <a:lstStyle>
-            <a:lvl1pPr indent="-342900" lvl="0" marL="457200">
+            <a:lvl1pPr marL="457200" lvl="0" indent="-342900">
               <a:spcBef>
                 <a:spcPts val="0"/>
               </a:spcBef>
@@ -5081,7 +5226,7 @@
               <a:buChar char="●"/>
               <a:defRPr/>
             </a:lvl1pPr>
-            <a:lvl2pPr indent="-317500" lvl="1" marL="914400">
+            <a:lvl2pPr marL="914400" lvl="1" indent="-317500">
               <a:spcBef>
                 <a:spcPts val="0"/>
               </a:spcBef>
@@ -5092,7 +5237,7 @@
               <a:buChar char="○"/>
               <a:defRPr/>
             </a:lvl2pPr>
-            <a:lvl3pPr indent="-317500" lvl="2" marL="1371600">
+            <a:lvl3pPr marL="1371600" lvl="2" indent="-317500">
               <a:spcBef>
                 <a:spcPts val="0"/>
               </a:spcBef>
@@ -5103,7 +5248,7 @@
               <a:buChar char="■"/>
               <a:defRPr/>
             </a:lvl3pPr>
-            <a:lvl4pPr indent="-317500" lvl="3" marL="1828800">
+            <a:lvl4pPr marL="1828800" lvl="3" indent="-317500">
               <a:spcBef>
                 <a:spcPts val="0"/>
               </a:spcBef>
@@ -5114,7 +5259,7 @@
               <a:buChar char="●"/>
               <a:defRPr/>
             </a:lvl4pPr>
-            <a:lvl5pPr indent="-317500" lvl="4" marL="2286000">
+            <a:lvl5pPr marL="2286000" lvl="4" indent="-317500">
               <a:spcBef>
                 <a:spcPts val="0"/>
               </a:spcBef>
@@ -5125,7 +5270,7 @@
               <a:buChar char="○"/>
               <a:defRPr/>
             </a:lvl5pPr>
-            <a:lvl6pPr indent="-317500" lvl="5" marL="2743200">
+            <a:lvl6pPr marL="2743200" lvl="5" indent="-317500">
               <a:spcBef>
                 <a:spcPts val="0"/>
               </a:spcBef>
@@ -5136,7 +5281,7 @@
               <a:buChar char="■"/>
               <a:defRPr/>
             </a:lvl6pPr>
-            <a:lvl7pPr indent="-317500" lvl="6" marL="3200400">
+            <a:lvl7pPr marL="3200400" lvl="6" indent="-317500">
               <a:spcBef>
                 <a:spcPts val="0"/>
               </a:spcBef>
@@ -5147,7 +5292,7 @@
               <a:buChar char="●"/>
               <a:defRPr/>
             </a:lvl7pPr>
-            <a:lvl8pPr indent="-317500" lvl="7" marL="3657600">
+            <a:lvl8pPr marL="3657600" lvl="7" indent="-317500">
               <a:spcBef>
                 <a:spcPts val="0"/>
               </a:spcBef>
@@ -5158,7 +5303,7 @@
               <a:buChar char="○"/>
               <a:defRPr/>
             </a:lvl8pPr>
-            <a:lvl9pPr indent="-317500" lvl="8" marL="4114800">
+            <a:lvl9pPr marL="4114800" lvl="8" indent="-317500">
               <a:spcBef>
                 <a:spcPts val="0"/>
               </a:spcBef>
@@ -5170,15 +5315,19 @@
               <a:defRPr/>
             </a:lvl9pPr>
           </a:lstStyle>
-          <a:p/>
+          <a:p>
+            <a:endParaRPr/>
+          </a:p>
         </p:txBody>
       </p:sp>
       <p:sp>
         <p:nvSpPr>
           <p:cNvPr id="48" name="Google Shape;48;p9"/>
-          <p:cNvSpPr txBox="1"/>
+          <p:cNvSpPr txBox="1">
+            <a:spLocks noGrp="1"/>
+          </p:cNvSpPr>
           <p:nvPr>
-            <p:ph idx="12" type="sldNum"/>
+            <p:ph type="sldNum" idx="12"/>
           </p:nvPr>
         </p:nvSpPr>
         <p:spPr>
@@ -5191,7 +5340,7 @@
           </a:prstGeom>
         </p:spPr>
         <p:txBody>
-          <a:bodyPr anchorCtr="0" anchor="ctr" bIns="91425" lIns="91425" spcFirstLastPara="1" rIns="91425" wrap="square" tIns="91425">
+          <a:bodyPr spcFirstLastPara="1" wrap="square" lIns="91425" tIns="91425" rIns="91425" bIns="91425" anchor="ctr" anchorCtr="0">
             <a:normAutofit/>
           </a:bodyPr>
           <a:lstStyle>
@@ -5233,7 +5382,7 @@
             </a:lvl9pPr>
           </a:lstStyle>
           <a:p>
-            <a:pPr indent="0" lvl="0" marL="0" rtl="0" algn="r">
+            <a:pPr marL="0" lvl="0" indent="0" algn="r" rtl="0">
               <a:spcBef>
                 <a:spcPts val="0"/>
               </a:spcBef>
@@ -5244,7 +5393,7 @@
             </a:pPr>
             <a:fld id="{00000000-1234-1234-1234-123412341234}" type="slidenum">
               <a:rPr lang="pt-BR"/>
-              <a:t>‹#›</a:t>
+              <a:t>‹Nº›</a:t>
             </a:fld>
             <a:endParaRPr/>
           </a:p>
@@ -5259,11 +5408,11 @@
 </file>
 
 <file path=ppt/slideLayouts/slideLayout9.xml><?xml version="1.0" encoding="utf-8"?>
-<p:sldLayout xmlns:a="http://schemas.openxmlformats.org/drawingml/2006/main" xmlns:r="http://schemas.openxmlformats.org/officeDocument/2006/relationships" xmlns:mc="http://schemas.openxmlformats.org/markup-compatibility/2006" xmlns:mv="urn:schemas-microsoft-com:mac:vml" xmlns:p="http://schemas.openxmlformats.org/presentationml/2006/main" xmlns:c="http://schemas.openxmlformats.org/drawingml/2006/chart" xmlns:dgm="http://schemas.openxmlformats.org/drawingml/2006/diagram" xmlns:o="urn:schemas-microsoft-com:office:office" xmlns:v="urn:schemas-microsoft-com:vml" xmlns:pvml="urn:schemas-microsoft-com:office:powerpoint" xmlns:com="http://schemas.openxmlformats.org/drawingml/2006/compatibility" xmlns:p14="http://schemas.microsoft.com/office/powerpoint/2010/main" xmlns:p15="http://schemas.microsoft.com/office/powerpoint/2012/main" xmlns:ahyp="http://schemas.microsoft.com/office/drawing/2018/hyperlinkcolor" matchingName="Caption">
+<p:sldLayout xmlns:a="http://schemas.openxmlformats.org/drawingml/2006/main" xmlns:r="http://schemas.openxmlformats.org/officeDocument/2006/relationships" xmlns:p="http://schemas.openxmlformats.org/presentationml/2006/main" matchingName="Caption">
   <p:cSld name="CAPTION_ONLY">
     <p:spTree>
       <p:nvGrpSpPr>
-        <p:cNvPr id="49" name="Shape 49"/>
+        <p:cNvPr id="1" name="Shape 49"/>
         <p:cNvGrpSpPr/>
         <p:nvPr/>
       </p:nvGrpSpPr>
@@ -5278,9 +5427,11 @@
       <p:sp>
         <p:nvSpPr>
           <p:cNvPr id="50" name="Google Shape;50;p10"/>
-          <p:cNvSpPr txBox="1"/>
+          <p:cNvSpPr txBox="1">
+            <a:spLocks noGrp="1"/>
+          </p:cNvSpPr>
           <p:nvPr>
-            <p:ph idx="1" type="body"/>
+            <p:ph type="body" idx="1"/>
           </p:nvPr>
         </p:nvSpPr>
         <p:spPr>
@@ -5293,11 +5444,11 @@
           </a:prstGeom>
         </p:spPr>
         <p:txBody>
-          <a:bodyPr anchorCtr="0" anchor="ctr" bIns="91425" lIns="91425" spcFirstLastPara="1" rIns="91425" wrap="square" tIns="91425">
+          <a:bodyPr spcFirstLastPara="1" wrap="square" lIns="91425" tIns="91425" rIns="91425" bIns="91425" anchor="ctr" anchorCtr="0">
             <a:normAutofit/>
           </a:bodyPr>
           <a:lstStyle>
-            <a:lvl1pPr indent="-228600" lvl="0" marL="457200">
+            <a:lvl1pPr marL="457200" lvl="0" indent="-228600">
               <a:lnSpc>
                 <a:spcPct val="100000"/>
               </a:lnSpc>
@@ -5318,15 +5469,19 @@
               </a:defRPr>
             </a:lvl1pPr>
           </a:lstStyle>
-          <a:p/>
+          <a:p>
+            <a:endParaRPr/>
+          </a:p>
         </p:txBody>
       </p:sp>
       <p:sp>
         <p:nvSpPr>
           <p:cNvPr id="51" name="Google Shape;51;p10"/>
-          <p:cNvSpPr txBox="1"/>
+          <p:cNvSpPr txBox="1">
+            <a:spLocks noGrp="1"/>
+          </p:cNvSpPr>
           <p:nvPr>
-            <p:ph idx="12" type="sldNum"/>
+            <p:ph type="sldNum" idx="12"/>
           </p:nvPr>
         </p:nvSpPr>
         <p:spPr>
@@ -5339,7 +5494,7 @@
           </a:prstGeom>
         </p:spPr>
         <p:txBody>
-          <a:bodyPr anchorCtr="0" anchor="ctr" bIns="91425" lIns="91425" spcFirstLastPara="1" rIns="91425" wrap="square" tIns="91425">
+          <a:bodyPr spcFirstLastPara="1" wrap="square" lIns="91425" tIns="91425" rIns="91425" bIns="91425" anchor="ctr" anchorCtr="0">
             <a:normAutofit/>
           </a:bodyPr>
           <a:lstStyle>
@@ -5381,7 +5536,7 @@
             </a:lvl9pPr>
           </a:lstStyle>
           <a:p>
-            <a:pPr indent="0" lvl="0" marL="0" rtl="0" algn="r">
+            <a:pPr marL="0" lvl="0" indent="0" algn="r" rtl="0">
               <a:spcBef>
                 <a:spcPts val="0"/>
               </a:spcBef>
@@ -5392,7 +5547,7 @@
             </a:pPr>
             <a:fld id="{00000000-1234-1234-1234-123412341234}" type="slidenum">
               <a:rPr lang="pt-BR"/>
-              <a:t>‹#›</a:t>
+              <a:t>‹Nº›</a:t>
             </a:fld>
             <a:endParaRPr/>
           </a:p>
@@ -5407,18 +5562,19 @@
 </file>
 
 <file path=ppt/slideMasters/slideMaster1.xml><?xml version="1.0" encoding="utf-8"?>
-<p:sldMaster xmlns:a="http://schemas.openxmlformats.org/drawingml/2006/main" xmlns:r="http://schemas.openxmlformats.org/officeDocument/2006/relationships" xmlns:mc="http://schemas.openxmlformats.org/markup-compatibility/2006" xmlns:mv="urn:schemas-microsoft-com:mac:vml" xmlns:p="http://schemas.openxmlformats.org/presentationml/2006/main" xmlns:c="http://schemas.openxmlformats.org/drawingml/2006/chart" xmlns:dgm="http://schemas.openxmlformats.org/drawingml/2006/diagram" xmlns:o="urn:schemas-microsoft-com:office:office" xmlns:v="urn:schemas-microsoft-com:vml" xmlns:pvml="urn:schemas-microsoft-com:office:powerpoint" xmlns:com="http://schemas.openxmlformats.org/drawingml/2006/compatibility" xmlns:p14="http://schemas.microsoft.com/office/powerpoint/2010/main" xmlns:p15="http://schemas.microsoft.com/office/powerpoint/2012/main" xmlns:ahyp="http://schemas.microsoft.com/office/drawing/2018/hyperlinkcolor">
+<p:sldMaster xmlns:a="http://schemas.openxmlformats.org/drawingml/2006/main" xmlns:r="http://schemas.openxmlformats.org/officeDocument/2006/relationships" xmlns:p="http://schemas.openxmlformats.org/presentationml/2006/main">
   <p:cSld name="marina">
     <p:bg>
       <p:bgPr>
         <a:solidFill>
           <a:schemeClr val="lt1"/>
         </a:solidFill>
+        <a:effectLst/>
       </p:bgPr>
     </p:bg>
     <p:spTree>
       <p:nvGrpSpPr>
-        <p:cNvPr id="5" name="Shape 5"/>
+        <p:cNvPr id="1" name="Shape 5"/>
         <p:cNvGrpSpPr/>
         <p:nvPr/>
       </p:nvGrpSpPr>
@@ -5433,7 +5589,9 @@
       <p:sp>
         <p:nvSpPr>
           <p:cNvPr id="6" name="Google Shape;6;p1"/>
-          <p:cNvSpPr txBox="1"/>
+          <p:cNvSpPr txBox="1">
+            <a:spLocks noGrp="1"/>
+          </p:cNvSpPr>
           <p:nvPr>
             <p:ph type="title"/>
           </p:nvPr>
@@ -5452,7 +5610,7 @@
           </a:ln>
         </p:spPr>
         <p:txBody>
-          <a:bodyPr anchorCtr="0" anchor="b" bIns="91425" lIns="91425" spcFirstLastPara="1" rIns="91425" wrap="square" tIns="91425">
+          <a:bodyPr spcFirstLastPara="1" wrap="square" lIns="91425" tIns="91425" rIns="91425" bIns="91425" anchor="b" anchorCtr="0">
             <a:normAutofit/>
           </a:bodyPr>
           <a:lstStyle>
@@ -5664,15 +5822,19 @@
               </a:defRPr>
             </a:lvl9pPr>
           </a:lstStyle>
-          <a:p/>
+          <a:p>
+            <a:endParaRPr/>
+          </a:p>
         </p:txBody>
       </p:sp>
       <p:sp>
         <p:nvSpPr>
           <p:cNvPr id="7" name="Google Shape;7;p1"/>
-          <p:cNvSpPr txBox="1"/>
+          <p:cNvSpPr txBox="1">
+            <a:spLocks noGrp="1"/>
+          </p:cNvSpPr>
           <p:nvPr>
-            <p:ph idx="1" type="body"/>
+            <p:ph type="body" idx="1"/>
           </p:nvPr>
         </p:nvSpPr>
         <p:spPr>
@@ -5689,11 +5851,11 @@
           </a:ln>
         </p:spPr>
         <p:txBody>
-          <a:bodyPr anchorCtr="0" anchor="t" bIns="91425" lIns="91425" spcFirstLastPara="1" rIns="91425" wrap="square" tIns="91425">
+          <a:bodyPr spcFirstLastPara="1" wrap="square" lIns="91425" tIns="91425" rIns="91425" bIns="91425" anchor="t" anchorCtr="0">
             <a:normAutofit/>
           </a:bodyPr>
           <a:lstStyle>
-            <a:lvl1pPr indent="-342900" lvl="0" marL="457200">
+            <a:lvl1pPr marL="457200" lvl="0" indent="-342900">
               <a:lnSpc>
                 <a:spcPct val="115000"/>
               </a:lnSpc>
@@ -5719,7 +5881,7 @@
                 <a:sym typeface="Roboto"/>
               </a:defRPr>
             </a:lvl1pPr>
-            <a:lvl2pPr indent="-317500" lvl="1" marL="914400">
+            <a:lvl2pPr marL="914400" lvl="1" indent="-317500">
               <a:lnSpc>
                 <a:spcPct val="115000"/>
               </a:lnSpc>
@@ -5745,7 +5907,7 @@
                 <a:sym typeface="Roboto"/>
               </a:defRPr>
             </a:lvl2pPr>
-            <a:lvl3pPr indent="-317500" lvl="2" marL="1371600">
+            <a:lvl3pPr marL="1371600" lvl="2" indent="-317500">
               <a:lnSpc>
                 <a:spcPct val="115000"/>
               </a:lnSpc>
@@ -5771,7 +5933,7 @@
                 <a:sym typeface="Roboto"/>
               </a:defRPr>
             </a:lvl3pPr>
-            <a:lvl4pPr indent="-317500" lvl="3" marL="1828800">
+            <a:lvl4pPr marL="1828800" lvl="3" indent="-317500">
               <a:lnSpc>
                 <a:spcPct val="115000"/>
               </a:lnSpc>
@@ -5797,7 +5959,7 @@
                 <a:sym typeface="Roboto"/>
               </a:defRPr>
             </a:lvl4pPr>
-            <a:lvl5pPr indent="-317500" lvl="4" marL="2286000">
+            <a:lvl5pPr marL="2286000" lvl="4" indent="-317500">
               <a:lnSpc>
                 <a:spcPct val="115000"/>
               </a:lnSpc>
@@ -5823,7 +5985,7 @@
                 <a:sym typeface="Roboto"/>
               </a:defRPr>
             </a:lvl5pPr>
-            <a:lvl6pPr indent="-317500" lvl="5" marL="2743200">
+            <a:lvl6pPr marL="2743200" lvl="5" indent="-317500">
               <a:lnSpc>
                 <a:spcPct val="115000"/>
               </a:lnSpc>
@@ -5849,7 +6011,7 @@
                 <a:sym typeface="Roboto"/>
               </a:defRPr>
             </a:lvl6pPr>
-            <a:lvl7pPr indent="-317500" lvl="6" marL="3200400">
+            <a:lvl7pPr marL="3200400" lvl="6" indent="-317500">
               <a:lnSpc>
                 <a:spcPct val="115000"/>
               </a:lnSpc>
@@ -5875,7 +6037,7 @@
                 <a:sym typeface="Roboto"/>
               </a:defRPr>
             </a:lvl7pPr>
-            <a:lvl8pPr indent="-317500" lvl="7" marL="3657600">
+            <a:lvl8pPr marL="3657600" lvl="7" indent="-317500">
               <a:lnSpc>
                 <a:spcPct val="115000"/>
               </a:lnSpc>
@@ -5901,7 +6063,7 @@
                 <a:sym typeface="Roboto"/>
               </a:defRPr>
             </a:lvl8pPr>
-            <a:lvl9pPr indent="-317500" lvl="8" marL="4114800">
+            <a:lvl9pPr marL="4114800" lvl="8" indent="-317500">
               <a:lnSpc>
                 <a:spcPct val="115000"/>
               </a:lnSpc>
@@ -5928,15 +6090,19 @@
               </a:defRPr>
             </a:lvl9pPr>
           </a:lstStyle>
-          <a:p/>
+          <a:p>
+            <a:endParaRPr/>
+          </a:p>
         </p:txBody>
       </p:sp>
       <p:sp>
         <p:nvSpPr>
           <p:cNvPr id="8" name="Google Shape;8;p1"/>
-          <p:cNvSpPr txBox="1"/>
+          <p:cNvSpPr txBox="1">
+            <a:spLocks noGrp="1"/>
+          </p:cNvSpPr>
           <p:nvPr>
-            <p:ph idx="12" type="sldNum"/>
+            <p:ph type="sldNum" idx="12"/>
           </p:nvPr>
         </p:nvSpPr>
         <p:spPr>
@@ -5953,7 +6119,7 @@
           </a:ln>
         </p:spPr>
         <p:txBody>
-          <a:bodyPr anchorCtr="0" anchor="ctr" bIns="91425" lIns="91425" spcFirstLastPara="1" rIns="91425" wrap="square" tIns="91425">
+          <a:bodyPr spcFirstLastPara="1" wrap="square" lIns="91425" tIns="91425" rIns="91425" bIns="91425" anchor="ctr" anchorCtr="0">
             <a:normAutofit/>
           </a:bodyPr>
           <a:lstStyle>
@@ -6067,7 +6233,7 @@
             </a:lvl9pPr>
           </a:lstStyle>
           <a:p>
-            <a:pPr indent="0" lvl="0" marL="0" rtl="0" algn="r">
+            <a:pPr marL="0" lvl="0" indent="0" algn="r" rtl="0">
               <a:spcBef>
                 <a:spcPts val="0"/>
               </a:spcBef>
@@ -6078,7 +6244,7 @@
             </a:pPr>
             <a:fld id="{00000000-1234-1234-1234-123412341234}" type="slidenum">
               <a:rPr lang="pt-BR"/>
-              <a:t>‹#›</a:t>
+              <a:t>‹Nº›</a:t>
             </a:fld>
             <a:endParaRPr/>
           </a:p>
@@ -6086,7 +6252,7 @@
       </p:sp>
     </p:spTree>
   </p:cSld>
-  <p:clrMap accent1="accent1" accent2="accent2" accent3="accent3" accent4="accent4" accent5="accent5" accent6="accent6" bg1="lt1" bg2="dk2" tx1="dk1" tx2="lt2" folHlink="folHlink" hlink="hlink"/>
+  <p:clrMap bg1="lt1" tx1="dk1" bg2="dk2" tx2="lt2" accent1="accent1" accent2="accent2" accent3="accent3" accent4="accent4" accent5="accent5" accent6="accent6" hlink="hlink" folHlink="folHlink"/>
   <p:sldLayoutIdLst>
     <p:sldLayoutId id="2147483648" r:id="rId1"/>
     <p:sldLayoutId id="2147483649" r:id="rId2"/>
@@ -6100,10 +6266,10 @@
     <p:sldLayoutId id="2147483657" r:id="rId10"/>
     <p:sldLayoutId id="2147483658" r:id="rId11"/>
   </p:sldLayoutIdLst>
-  <p:hf dt="0" ftr="0" hdr="0" sldNum="0"/>
+  <p:hf sldNum="0" hdr="0" ftr="0" dt="0"/>
   <p:txStyles>
     <p:titleStyle>
-      <a:defPPr lvl="0" marR="0" rtl="0" algn="l">
+      <a:defPPr marR="0" lvl="0" algn="l" rtl="0">
         <a:lnSpc>
           <a:spcPct val="100000"/>
         </a:lnSpc>
@@ -6114,7 +6280,7 @@
           <a:spcPts val="0"/>
         </a:spcAft>
       </a:defPPr>
-      <a:lvl1pPr lvl="0" marR="0" rtl="0" algn="l">
+      <a:lvl1pPr marR="0" lvl="0" algn="l" rtl="0">
         <a:lnSpc>
           <a:spcPct val="100000"/>
         </a:lnSpc>
@@ -6128,7 +6294,7 @@
           <a:srgbClr val="000000"/>
         </a:buClr>
         <a:buFont typeface="Arial"/>
-        <a:defRPr b="0" i="0" sz="1400" u="none" cap="none" strike="noStrike">
+        <a:defRPr sz="1400" b="0" i="0" u="none" strike="noStrike" cap="none">
           <a:solidFill>
             <a:srgbClr val="000000"/>
           </a:solidFill>
@@ -6138,7 +6304,7 @@
           <a:sym typeface="Arial"/>
         </a:defRPr>
       </a:lvl1pPr>
-      <a:lvl2pPr lvl="1" marR="0" rtl="0" algn="l">
+      <a:lvl2pPr marR="0" lvl="1" algn="l" rtl="0">
         <a:lnSpc>
           <a:spcPct val="100000"/>
         </a:lnSpc>
@@ -6152,7 +6318,7 @@
           <a:srgbClr val="000000"/>
         </a:buClr>
         <a:buFont typeface="Arial"/>
-        <a:defRPr b="0" i="0" sz="1400" u="none" cap="none" strike="noStrike">
+        <a:defRPr sz="1400" b="0" i="0" u="none" strike="noStrike" cap="none">
           <a:solidFill>
             <a:srgbClr val="000000"/>
           </a:solidFill>
@@ -6162,7 +6328,7 @@
           <a:sym typeface="Arial"/>
         </a:defRPr>
       </a:lvl2pPr>
-      <a:lvl3pPr lvl="2" marR="0" rtl="0" algn="l">
+      <a:lvl3pPr marR="0" lvl="2" algn="l" rtl="0">
         <a:lnSpc>
           <a:spcPct val="100000"/>
         </a:lnSpc>
@@ -6176,7 +6342,7 @@
           <a:srgbClr val="000000"/>
         </a:buClr>
         <a:buFont typeface="Arial"/>
-        <a:defRPr b="0" i="0" sz="1400" u="none" cap="none" strike="noStrike">
+        <a:defRPr sz="1400" b="0" i="0" u="none" strike="noStrike" cap="none">
           <a:solidFill>
             <a:srgbClr val="000000"/>
           </a:solidFill>
@@ -6186,7 +6352,7 @@
           <a:sym typeface="Arial"/>
         </a:defRPr>
       </a:lvl3pPr>
-      <a:lvl4pPr lvl="3" marR="0" rtl="0" algn="l">
+      <a:lvl4pPr marR="0" lvl="3" algn="l" rtl="0">
         <a:lnSpc>
           <a:spcPct val="100000"/>
         </a:lnSpc>
@@ -6200,7 +6366,7 @@
           <a:srgbClr val="000000"/>
         </a:buClr>
         <a:buFont typeface="Arial"/>
-        <a:defRPr b="0" i="0" sz="1400" u="none" cap="none" strike="noStrike">
+        <a:defRPr sz="1400" b="0" i="0" u="none" strike="noStrike" cap="none">
           <a:solidFill>
             <a:srgbClr val="000000"/>
           </a:solidFill>
@@ -6210,7 +6376,7 @@
           <a:sym typeface="Arial"/>
         </a:defRPr>
       </a:lvl4pPr>
-      <a:lvl5pPr lvl="4" marR="0" rtl="0" algn="l">
+      <a:lvl5pPr marR="0" lvl="4" algn="l" rtl="0">
         <a:lnSpc>
           <a:spcPct val="100000"/>
         </a:lnSpc>
@@ -6224,7 +6390,7 @@
           <a:srgbClr val="000000"/>
         </a:buClr>
         <a:buFont typeface="Arial"/>
-        <a:defRPr b="0" i="0" sz="1400" u="none" cap="none" strike="noStrike">
+        <a:defRPr sz="1400" b="0" i="0" u="none" strike="noStrike" cap="none">
           <a:solidFill>
             <a:srgbClr val="000000"/>
           </a:solidFill>
@@ -6234,7 +6400,7 @@
           <a:sym typeface="Arial"/>
         </a:defRPr>
       </a:lvl5pPr>
-      <a:lvl6pPr lvl="5" marR="0" rtl="0" algn="l">
+      <a:lvl6pPr marR="0" lvl="5" algn="l" rtl="0">
         <a:lnSpc>
           <a:spcPct val="100000"/>
         </a:lnSpc>
@@ -6248,7 +6414,7 @@
           <a:srgbClr val="000000"/>
         </a:buClr>
         <a:buFont typeface="Arial"/>
-        <a:defRPr b="0" i="0" sz="1400" u="none" cap="none" strike="noStrike">
+        <a:defRPr sz="1400" b="0" i="0" u="none" strike="noStrike" cap="none">
           <a:solidFill>
             <a:srgbClr val="000000"/>
           </a:solidFill>
@@ -6258,7 +6424,7 @@
           <a:sym typeface="Arial"/>
         </a:defRPr>
       </a:lvl6pPr>
-      <a:lvl7pPr lvl="6" marR="0" rtl="0" algn="l">
+      <a:lvl7pPr marR="0" lvl="6" algn="l" rtl="0">
         <a:lnSpc>
           <a:spcPct val="100000"/>
         </a:lnSpc>
@@ -6272,7 +6438,7 @@
           <a:srgbClr val="000000"/>
         </a:buClr>
         <a:buFont typeface="Arial"/>
-        <a:defRPr b="0" i="0" sz="1400" u="none" cap="none" strike="noStrike">
+        <a:defRPr sz="1400" b="0" i="0" u="none" strike="noStrike" cap="none">
           <a:solidFill>
             <a:srgbClr val="000000"/>
           </a:solidFill>
@@ -6282,7 +6448,7 @@
           <a:sym typeface="Arial"/>
         </a:defRPr>
       </a:lvl7pPr>
-      <a:lvl8pPr lvl="7" marR="0" rtl="0" algn="l">
+      <a:lvl8pPr marR="0" lvl="7" algn="l" rtl="0">
         <a:lnSpc>
           <a:spcPct val="100000"/>
         </a:lnSpc>
@@ -6296,7 +6462,7 @@
           <a:srgbClr val="000000"/>
         </a:buClr>
         <a:buFont typeface="Arial"/>
-        <a:defRPr b="0" i="0" sz="1400" u="none" cap="none" strike="noStrike">
+        <a:defRPr sz="1400" b="0" i="0" u="none" strike="noStrike" cap="none">
           <a:solidFill>
             <a:srgbClr val="000000"/>
           </a:solidFill>
@@ -6306,7 +6472,7 @@
           <a:sym typeface="Arial"/>
         </a:defRPr>
       </a:lvl8pPr>
-      <a:lvl9pPr lvl="8" marR="0" rtl="0" algn="l">
+      <a:lvl9pPr marR="0" lvl="8" algn="l" rtl="0">
         <a:lnSpc>
           <a:spcPct val="100000"/>
         </a:lnSpc>
@@ -6320,7 +6486,7 @@
           <a:srgbClr val="000000"/>
         </a:buClr>
         <a:buFont typeface="Arial"/>
-        <a:defRPr b="0" i="0" sz="1400" u="none" cap="none" strike="noStrike">
+        <a:defRPr sz="1400" b="0" i="0" u="none" strike="noStrike" cap="none">
           <a:solidFill>
             <a:srgbClr val="000000"/>
           </a:solidFill>
@@ -6332,7 +6498,7 @@
       </a:lvl9pPr>
     </p:titleStyle>
     <p:bodyStyle>
-      <a:defPPr lvl="0" marR="0" rtl="0" algn="l">
+      <a:defPPr marR="0" lvl="0" algn="l" rtl="0">
         <a:lnSpc>
           <a:spcPct val="100000"/>
         </a:lnSpc>
@@ -6343,7 +6509,7 @@
           <a:spcPts val="0"/>
         </a:spcAft>
       </a:defPPr>
-      <a:lvl1pPr lvl="0" marR="0" rtl="0" algn="l">
+      <a:lvl1pPr marR="0" lvl="0" algn="l" rtl="0">
         <a:lnSpc>
           <a:spcPct val="100000"/>
         </a:lnSpc>
@@ -6357,7 +6523,7 @@
           <a:srgbClr val="000000"/>
         </a:buClr>
         <a:buFont typeface="Arial"/>
-        <a:defRPr b="0" i="0" sz="1400" u="none" cap="none" strike="noStrike">
+        <a:defRPr sz="1400" b="0" i="0" u="none" strike="noStrike" cap="none">
           <a:solidFill>
             <a:srgbClr val="000000"/>
           </a:solidFill>
@@ -6367,7 +6533,7 @@
           <a:sym typeface="Arial"/>
         </a:defRPr>
       </a:lvl1pPr>
-      <a:lvl2pPr lvl="1" marR="0" rtl="0" algn="l">
+      <a:lvl2pPr marR="0" lvl="1" algn="l" rtl="0">
         <a:lnSpc>
           <a:spcPct val="100000"/>
         </a:lnSpc>
@@ -6381,7 +6547,7 @@
           <a:srgbClr val="000000"/>
         </a:buClr>
         <a:buFont typeface="Arial"/>
-        <a:defRPr b="0" i="0" sz="1400" u="none" cap="none" strike="noStrike">
+        <a:defRPr sz="1400" b="0" i="0" u="none" strike="noStrike" cap="none">
           <a:solidFill>
             <a:srgbClr val="000000"/>
           </a:solidFill>
@@ -6391,7 +6557,7 @@
           <a:sym typeface="Arial"/>
         </a:defRPr>
       </a:lvl2pPr>
-      <a:lvl3pPr lvl="2" marR="0" rtl="0" algn="l">
+      <a:lvl3pPr marR="0" lvl="2" algn="l" rtl="0">
         <a:lnSpc>
           <a:spcPct val="100000"/>
         </a:lnSpc>
@@ -6405,7 +6571,7 @@
           <a:srgbClr val="000000"/>
         </a:buClr>
         <a:buFont typeface="Arial"/>
-        <a:defRPr b="0" i="0" sz="1400" u="none" cap="none" strike="noStrike">
+        <a:defRPr sz="1400" b="0" i="0" u="none" strike="noStrike" cap="none">
           <a:solidFill>
             <a:srgbClr val="000000"/>
           </a:solidFill>
@@ -6415,7 +6581,7 @@
           <a:sym typeface="Arial"/>
         </a:defRPr>
       </a:lvl3pPr>
-      <a:lvl4pPr lvl="3" marR="0" rtl="0" algn="l">
+      <a:lvl4pPr marR="0" lvl="3" algn="l" rtl="0">
         <a:lnSpc>
           <a:spcPct val="100000"/>
         </a:lnSpc>
@@ -6429,7 +6595,7 @@
           <a:srgbClr val="000000"/>
         </a:buClr>
         <a:buFont typeface="Arial"/>
-        <a:defRPr b="0" i="0" sz="1400" u="none" cap="none" strike="noStrike">
+        <a:defRPr sz="1400" b="0" i="0" u="none" strike="noStrike" cap="none">
           <a:solidFill>
             <a:srgbClr val="000000"/>
           </a:solidFill>
@@ -6439,7 +6605,7 @@
           <a:sym typeface="Arial"/>
         </a:defRPr>
       </a:lvl4pPr>
-      <a:lvl5pPr lvl="4" marR="0" rtl="0" algn="l">
+      <a:lvl5pPr marR="0" lvl="4" algn="l" rtl="0">
         <a:lnSpc>
           <a:spcPct val="100000"/>
         </a:lnSpc>
@@ -6453,7 +6619,7 @@
           <a:srgbClr val="000000"/>
         </a:buClr>
         <a:buFont typeface="Arial"/>
-        <a:defRPr b="0" i="0" sz="1400" u="none" cap="none" strike="noStrike">
+        <a:defRPr sz="1400" b="0" i="0" u="none" strike="noStrike" cap="none">
           <a:solidFill>
             <a:srgbClr val="000000"/>
           </a:solidFill>
@@ -6463,7 +6629,7 @@
           <a:sym typeface="Arial"/>
         </a:defRPr>
       </a:lvl5pPr>
-      <a:lvl6pPr lvl="5" marR="0" rtl="0" algn="l">
+      <a:lvl6pPr marR="0" lvl="5" algn="l" rtl="0">
         <a:lnSpc>
           <a:spcPct val="100000"/>
         </a:lnSpc>
@@ -6477,7 +6643,7 @@
           <a:srgbClr val="000000"/>
         </a:buClr>
         <a:buFont typeface="Arial"/>
-        <a:defRPr b="0" i="0" sz="1400" u="none" cap="none" strike="noStrike">
+        <a:defRPr sz="1400" b="0" i="0" u="none" strike="noStrike" cap="none">
           <a:solidFill>
             <a:srgbClr val="000000"/>
           </a:solidFill>
@@ -6487,7 +6653,7 @@
           <a:sym typeface="Arial"/>
         </a:defRPr>
       </a:lvl6pPr>
-      <a:lvl7pPr lvl="6" marR="0" rtl="0" algn="l">
+      <a:lvl7pPr marR="0" lvl="6" algn="l" rtl="0">
         <a:lnSpc>
           <a:spcPct val="100000"/>
         </a:lnSpc>
@@ -6501,7 +6667,7 @@
           <a:srgbClr val="000000"/>
         </a:buClr>
         <a:buFont typeface="Arial"/>
-        <a:defRPr b="0" i="0" sz="1400" u="none" cap="none" strike="noStrike">
+        <a:defRPr sz="1400" b="0" i="0" u="none" strike="noStrike" cap="none">
           <a:solidFill>
             <a:srgbClr val="000000"/>
           </a:solidFill>
@@ -6511,7 +6677,7 @@
           <a:sym typeface="Arial"/>
         </a:defRPr>
       </a:lvl7pPr>
-      <a:lvl8pPr lvl="7" marR="0" rtl="0" algn="l">
+      <a:lvl8pPr marR="0" lvl="7" algn="l" rtl="0">
         <a:lnSpc>
           <a:spcPct val="100000"/>
         </a:lnSpc>
@@ -6525,7 +6691,7 @@
           <a:srgbClr val="000000"/>
         </a:buClr>
         <a:buFont typeface="Arial"/>
-        <a:defRPr b="0" i="0" sz="1400" u="none" cap="none" strike="noStrike">
+        <a:defRPr sz="1400" b="0" i="0" u="none" strike="noStrike" cap="none">
           <a:solidFill>
             <a:srgbClr val="000000"/>
           </a:solidFill>
@@ -6535,7 +6701,7 @@
           <a:sym typeface="Arial"/>
         </a:defRPr>
       </a:lvl8pPr>
-      <a:lvl9pPr lvl="8" marR="0" rtl="0" algn="l">
+      <a:lvl9pPr marR="0" lvl="8" algn="l" rtl="0">
         <a:lnSpc>
           <a:spcPct val="100000"/>
         </a:lnSpc>
@@ -6549,7 +6715,7 @@
           <a:srgbClr val="000000"/>
         </a:buClr>
         <a:buFont typeface="Arial"/>
-        <a:defRPr b="0" i="0" sz="1400" u="none" cap="none" strike="noStrike">
+        <a:defRPr sz="1400" b="0" i="0" u="none" strike="noStrike" cap="none">
           <a:solidFill>
             <a:srgbClr val="000000"/>
           </a:solidFill>
@@ -6561,7 +6727,7 @@
       </a:lvl9pPr>
     </p:bodyStyle>
     <p:otherStyle>
-      <a:defPPr lvl="0" marR="0" rtl="0" algn="l">
+      <a:defPPr marR="0" lvl="0" algn="l" rtl="0">
         <a:lnSpc>
           <a:spcPct val="100000"/>
         </a:lnSpc>
@@ -6572,7 +6738,7 @@
           <a:spcPts val="0"/>
         </a:spcAft>
       </a:defPPr>
-      <a:lvl1pPr lvl="0" marR="0" rtl="0" algn="l">
+      <a:lvl1pPr marR="0" lvl="0" algn="l" rtl="0">
         <a:lnSpc>
           <a:spcPct val="100000"/>
         </a:lnSpc>
@@ -6586,7 +6752,7 @@
           <a:srgbClr val="000000"/>
         </a:buClr>
         <a:buFont typeface="Arial"/>
-        <a:defRPr b="0" i="0" sz="1400" u="none" cap="none" strike="noStrike">
+        <a:defRPr sz="1400" b="0" i="0" u="none" strike="noStrike" cap="none">
           <a:solidFill>
             <a:srgbClr val="000000"/>
           </a:solidFill>
@@ -6596,7 +6762,7 @@
           <a:sym typeface="Arial"/>
         </a:defRPr>
       </a:lvl1pPr>
-      <a:lvl2pPr lvl="1" marR="0" rtl="0" algn="l">
+      <a:lvl2pPr marR="0" lvl="1" algn="l" rtl="0">
         <a:lnSpc>
           <a:spcPct val="100000"/>
         </a:lnSpc>
@@ -6610,7 +6776,7 @@
           <a:srgbClr val="000000"/>
         </a:buClr>
         <a:buFont typeface="Arial"/>
-        <a:defRPr b="0" i="0" sz="1400" u="none" cap="none" strike="noStrike">
+        <a:defRPr sz="1400" b="0" i="0" u="none" strike="noStrike" cap="none">
           <a:solidFill>
             <a:srgbClr val="000000"/>
           </a:solidFill>
@@ -6620,7 +6786,7 @@
           <a:sym typeface="Arial"/>
         </a:defRPr>
       </a:lvl2pPr>
-      <a:lvl3pPr lvl="2" marR="0" rtl="0" algn="l">
+      <a:lvl3pPr marR="0" lvl="2" algn="l" rtl="0">
         <a:lnSpc>
           <a:spcPct val="100000"/>
         </a:lnSpc>
@@ -6634,7 +6800,7 @@
           <a:srgbClr val="000000"/>
         </a:buClr>
         <a:buFont typeface="Arial"/>
-        <a:defRPr b="0" i="0" sz="1400" u="none" cap="none" strike="noStrike">
+        <a:defRPr sz="1400" b="0" i="0" u="none" strike="noStrike" cap="none">
           <a:solidFill>
             <a:srgbClr val="000000"/>
           </a:solidFill>
@@ -6644,7 +6810,7 @@
           <a:sym typeface="Arial"/>
         </a:defRPr>
       </a:lvl3pPr>
-      <a:lvl4pPr lvl="3" marR="0" rtl="0" algn="l">
+      <a:lvl4pPr marR="0" lvl="3" algn="l" rtl="0">
         <a:lnSpc>
           <a:spcPct val="100000"/>
         </a:lnSpc>
@@ -6658,7 +6824,7 @@
           <a:srgbClr val="000000"/>
         </a:buClr>
         <a:buFont typeface="Arial"/>
-        <a:defRPr b="0" i="0" sz="1400" u="none" cap="none" strike="noStrike">
+        <a:defRPr sz="1400" b="0" i="0" u="none" strike="noStrike" cap="none">
           <a:solidFill>
             <a:srgbClr val="000000"/>
           </a:solidFill>
@@ -6668,7 +6834,7 @@
           <a:sym typeface="Arial"/>
         </a:defRPr>
       </a:lvl4pPr>
-      <a:lvl5pPr lvl="4" marR="0" rtl="0" algn="l">
+      <a:lvl5pPr marR="0" lvl="4" algn="l" rtl="0">
         <a:lnSpc>
           <a:spcPct val="100000"/>
         </a:lnSpc>
@@ -6682,7 +6848,7 @@
           <a:srgbClr val="000000"/>
         </a:buClr>
         <a:buFont typeface="Arial"/>
-        <a:defRPr b="0" i="0" sz="1400" u="none" cap="none" strike="noStrike">
+        <a:defRPr sz="1400" b="0" i="0" u="none" strike="noStrike" cap="none">
           <a:solidFill>
             <a:srgbClr val="000000"/>
           </a:solidFill>
@@ -6692,7 +6858,7 @@
           <a:sym typeface="Arial"/>
         </a:defRPr>
       </a:lvl5pPr>
-      <a:lvl6pPr lvl="5" marR="0" rtl="0" algn="l">
+      <a:lvl6pPr marR="0" lvl="5" algn="l" rtl="0">
         <a:lnSpc>
           <a:spcPct val="100000"/>
         </a:lnSpc>
@@ -6706,7 +6872,7 @@
           <a:srgbClr val="000000"/>
         </a:buClr>
         <a:buFont typeface="Arial"/>
-        <a:defRPr b="0" i="0" sz="1400" u="none" cap="none" strike="noStrike">
+        <a:defRPr sz="1400" b="0" i="0" u="none" strike="noStrike" cap="none">
           <a:solidFill>
             <a:srgbClr val="000000"/>
           </a:solidFill>
@@ -6716,7 +6882,7 @@
           <a:sym typeface="Arial"/>
         </a:defRPr>
       </a:lvl6pPr>
-      <a:lvl7pPr lvl="6" marR="0" rtl="0" algn="l">
+      <a:lvl7pPr marR="0" lvl="6" algn="l" rtl="0">
         <a:lnSpc>
           <a:spcPct val="100000"/>
         </a:lnSpc>
@@ -6730,7 +6896,7 @@
           <a:srgbClr val="000000"/>
         </a:buClr>
         <a:buFont typeface="Arial"/>
-        <a:defRPr b="0" i="0" sz="1400" u="none" cap="none" strike="noStrike">
+        <a:defRPr sz="1400" b="0" i="0" u="none" strike="noStrike" cap="none">
           <a:solidFill>
             <a:srgbClr val="000000"/>
           </a:solidFill>
@@ -6740,7 +6906,7 @@
           <a:sym typeface="Arial"/>
         </a:defRPr>
       </a:lvl7pPr>
-      <a:lvl8pPr lvl="7" marR="0" rtl="0" algn="l">
+      <a:lvl8pPr marR="0" lvl="7" algn="l" rtl="0">
         <a:lnSpc>
           <a:spcPct val="100000"/>
         </a:lnSpc>
@@ -6754,7 +6920,7 @@
           <a:srgbClr val="000000"/>
         </a:buClr>
         <a:buFont typeface="Arial"/>
-        <a:defRPr b="0" i="0" sz="1400" u="none" cap="none" strike="noStrike">
+        <a:defRPr sz="1400" b="0" i="0" u="none" strike="noStrike" cap="none">
           <a:solidFill>
             <a:srgbClr val="000000"/>
           </a:solidFill>
@@ -6764,7 +6930,7 @@
           <a:sym typeface="Arial"/>
         </a:defRPr>
       </a:lvl8pPr>
-      <a:lvl9pPr lvl="8" marR="0" rtl="0" algn="l">
+      <a:lvl9pPr marR="0" lvl="8" algn="l" rtl="0">
         <a:lnSpc>
           <a:spcPct val="100000"/>
         </a:lnSpc>
@@ -6778,7 +6944,7 @@
           <a:srgbClr val="000000"/>
         </a:buClr>
         <a:buFont typeface="Arial"/>
-        <a:defRPr b="0" i="0" sz="1400" u="none" cap="none" strike="noStrike">
+        <a:defRPr sz="1400" b="0" i="0" u="none" strike="noStrike" cap="none">
           <a:solidFill>
             <a:srgbClr val="000000"/>
           </a:solidFill>
@@ -6794,11 +6960,19 @@
 </file>
 
 <file path=ppt/slides/slide1.xml><?xml version="1.0" encoding="utf-8"?>
-<p:sld xmlns:a="http://schemas.openxmlformats.org/drawingml/2006/main" xmlns:r="http://schemas.openxmlformats.org/officeDocument/2006/relationships" xmlns:mc="http://schemas.openxmlformats.org/markup-compatibility/2006" xmlns:mv="urn:schemas-microsoft-com:mac:vml" xmlns:p="http://schemas.openxmlformats.org/presentationml/2006/main" xmlns:c="http://schemas.openxmlformats.org/drawingml/2006/chart" xmlns:dgm="http://schemas.openxmlformats.org/drawingml/2006/diagram" xmlns:o="urn:schemas-microsoft-com:office:office" xmlns:v="urn:schemas-microsoft-com:vml" xmlns:pvml="urn:schemas-microsoft-com:office:powerpoint" xmlns:com="http://schemas.openxmlformats.org/drawingml/2006/compatibility" xmlns:p14="http://schemas.microsoft.com/office/powerpoint/2010/main" xmlns:p15="http://schemas.microsoft.com/office/powerpoint/2012/main" xmlns:ahyp="http://schemas.microsoft.com/office/drawing/2018/hyperlinkcolor">
+<p:sld xmlns:a="http://schemas.openxmlformats.org/drawingml/2006/main" xmlns:r="http://schemas.openxmlformats.org/officeDocument/2006/relationships" xmlns:p="http://schemas.openxmlformats.org/presentationml/2006/main">
   <p:cSld>
+    <p:bg>
+      <p:bgPr>
+        <a:solidFill>
+          <a:schemeClr val="lt1"/>
+        </a:solidFill>
+        <a:effectLst/>
+      </p:bgPr>
+    </p:bg>
     <p:spTree>
       <p:nvGrpSpPr>
-        <p:cNvPr id="62" name="Shape 62"/>
+        <p:cNvPr id="1" name="Shape 62"/>
         <p:cNvGrpSpPr/>
         <p:nvPr/>
       </p:nvGrpSpPr>
@@ -6813,7 +6987,9 @@
       <p:sp>
         <p:nvSpPr>
           <p:cNvPr id="63" name="Google Shape;63;p13"/>
-          <p:cNvSpPr txBox="1"/>
+          <p:cNvSpPr txBox="1">
+            <a:spLocks noGrp="1"/>
+          </p:cNvSpPr>
           <p:nvPr>
             <p:ph type="ctrTitle"/>
           </p:nvPr>
@@ -6828,12 +7004,12 @@
           </a:prstGeom>
         </p:spPr>
         <p:txBody>
-          <a:bodyPr anchorCtr="0" anchor="b" bIns="91425" lIns="91425" spcFirstLastPara="1" rIns="91425" wrap="square" tIns="91425">
+          <a:bodyPr spcFirstLastPara="1" wrap="square" lIns="91425" tIns="91425" rIns="91425" bIns="91425" anchor="b" anchorCtr="0">
             <a:noAutofit/>
           </a:bodyPr>
           <a:lstStyle/>
           <a:p>
-            <a:pPr indent="0" lvl="0" marL="0" rtl="0" algn="ctr">
+            <a:pPr marL="0" lvl="0" indent="0" algn="ctr" rtl="0">
               <a:spcBef>
                 <a:spcPts val="0"/>
               </a:spcBef>
@@ -6844,19 +7020,24 @@
               <a:buNone/>
             </a:pPr>
             <a:r>
-              <a:rPr lang="pt-BR" sz="3300"/>
+              <a:rPr lang="es-ES" sz="3300" noProof="0" dirty="0">
+                <a:solidFill>
+                  <a:srgbClr val="FF5050"/>
+                </a:solidFill>
+              </a:rPr>
               <a:t>Plan de Análisis de Seguridad y Fortalecimiento de la Infraestructura</a:t>
             </a:r>
-            <a:endParaRPr sz="3300"/>
           </a:p>
         </p:txBody>
       </p:sp>
       <p:sp>
         <p:nvSpPr>
           <p:cNvPr id="64" name="Google Shape;64;p13"/>
-          <p:cNvSpPr txBox="1"/>
+          <p:cNvSpPr txBox="1">
+            <a:spLocks noGrp="1"/>
+          </p:cNvSpPr>
           <p:nvPr>
-            <p:ph idx="1" type="subTitle"/>
+            <p:ph type="subTitle" idx="1"/>
           </p:nvPr>
         </p:nvSpPr>
         <p:spPr>
@@ -6869,12 +7050,12 @@
           </a:prstGeom>
         </p:spPr>
         <p:txBody>
-          <a:bodyPr anchorCtr="0" anchor="t" bIns="91425" lIns="91425" spcFirstLastPara="1" rIns="91425" wrap="square" tIns="91425">
-            <a:normAutofit fontScale="77500"/>
+          <a:bodyPr spcFirstLastPara="1" wrap="square" lIns="91425" tIns="91425" rIns="91425" bIns="91425" anchor="t" anchorCtr="0">
+            <a:normAutofit fontScale="77500" lnSpcReduction="20000"/>
           </a:bodyPr>
           <a:lstStyle/>
           <a:p>
-            <a:pPr indent="0" lvl="0" marL="0" rtl="0" algn="ctr">
+            <a:pPr marL="0" lvl="0" indent="0" algn="ctr" rtl="0">
               <a:spcBef>
                 <a:spcPts val="0"/>
               </a:spcBef>
@@ -6884,13 +7065,195 @@
               <a:buNone/>
             </a:pPr>
             <a:r>
-              <a:rPr lang="pt-BR"/>
+              <a:rPr lang="es-ES" noProof="0" dirty="0"/>
               <a:t>Informe ejecutivo sobre incidentes de seguridad recientes y recomendaciones estratégicas</a:t>
             </a:r>
-            <a:endParaRPr/>
           </a:p>
         </p:txBody>
       </p:sp>
+      <p:pic>
+        <p:nvPicPr>
+          <p:cNvPr id="3" name="Imagen 2">
+            <a:extLst>
+              <a:ext uri="{FF2B5EF4-FFF2-40B4-BE49-F238E27FC236}">
+                <a16:creationId xmlns:a16="http://schemas.microsoft.com/office/drawing/2014/main" id="{E8E49093-29D3-3153-3F56-16913026458D}"/>
+              </a:ext>
+            </a:extLst>
+          </p:cNvPr>
+          <p:cNvPicPr>
+            <a:picLocks noChangeAspect="1"/>
+          </p:cNvPicPr>
+          <p:nvPr/>
+        </p:nvPicPr>
+        <p:blipFill>
+          <a:blip r:embed="rId3"/>
+          <a:stretch>
+            <a:fillRect/>
+          </a:stretch>
+        </p:blipFill>
+        <p:spPr>
+          <a:xfrm>
+            <a:off x="8541470" y="98858"/>
+            <a:ext cx="538452" cy="538452"/>
+          </a:xfrm>
+          <a:prstGeom prst="rect">
+            <a:avLst/>
+          </a:prstGeom>
+        </p:spPr>
+      </p:pic>
+      <p:sp>
+        <p:nvSpPr>
+          <p:cNvPr id="4" name="CuadroTexto 3">
+            <a:extLst>
+              <a:ext uri="{FF2B5EF4-FFF2-40B4-BE49-F238E27FC236}">
+                <a16:creationId xmlns:a16="http://schemas.microsoft.com/office/drawing/2014/main" id="{1182428A-BF4C-C781-109C-27DAB4595B35}"/>
+              </a:ext>
+            </a:extLst>
+          </p:cNvPr>
+          <p:cNvSpPr txBox="1"/>
+          <p:nvPr/>
+        </p:nvSpPr>
+        <p:spPr>
+          <a:xfrm>
+            <a:off x="69272" y="4777639"/>
+            <a:ext cx="1119193" cy="246221"/>
+          </a:xfrm>
+          <a:prstGeom prst="rect">
+            <a:avLst/>
+          </a:prstGeom>
+          <a:noFill/>
+        </p:spPr>
+        <p:txBody>
+          <a:bodyPr wrap="square" rtlCol="0">
+            <a:spAutoFit/>
+          </a:bodyPr>
+          <a:lstStyle/>
+          <a:p>
+            <a:r>
+              <a:rPr lang="es-ES" sz="1000" noProof="0" dirty="0">
+                <a:solidFill>
+                  <a:schemeClr val="tx1"/>
+                </a:solidFill>
+              </a:rPr>
+              <a:t>Proyecto final</a:t>
+            </a:r>
+          </a:p>
+        </p:txBody>
+      </p:sp>
+      <p:sp>
+        <p:nvSpPr>
+          <p:cNvPr id="5" name="CuadroTexto 4">
+            <a:extLst>
+              <a:ext uri="{FF2B5EF4-FFF2-40B4-BE49-F238E27FC236}">
+                <a16:creationId xmlns:a16="http://schemas.microsoft.com/office/drawing/2014/main" id="{78179476-46BA-3559-EBED-C7AAE9580AE7}"/>
+              </a:ext>
+            </a:extLst>
+          </p:cNvPr>
+          <p:cNvSpPr txBox="1"/>
+          <p:nvPr/>
+        </p:nvSpPr>
+        <p:spPr>
+          <a:xfrm>
+            <a:off x="8136519" y="4777639"/>
+            <a:ext cx="1119193" cy="246221"/>
+          </a:xfrm>
+          <a:prstGeom prst="rect">
+            <a:avLst/>
+          </a:prstGeom>
+          <a:noFill/>
+        </p:spPr>
+        <p:txBody>
+          <a:bodyPr wrap="square" rtlCol="0">
+            <a:spAutoFit/>
+          </a:bodyPr>
+          <a:lstStyle/>
+          <a:p>
+            <a:r>
+              <a:rPr lang="es-ES" sz="1000" noProof="0" dirty="0">
+                <a:solidFill>
+                  <a:schemeClr val="tx1"/>
+                </a:solidFill>
+              </a:rPr>
+              <a:t>Paco Aguiar</a:t>
+            </a:r>
+          </a:p>
+        </p:txBody>
+      </p:sp>
+      <p:sp>
+        <p:nvSpPr>
+          <p:cNvPr id="6" name="CuadroTexto 5">
+            <a:extLst>
+              <a:ext uri="{FF2B5EF4-FFF2-40B4-BE49-F238E27FC236}">
+                <a16:creationId xmlns:a16="http://schemas.microsoft.com/office/drawing/2014/main" id="{50CAC008-7613-EBBD-5306-AE2C55E7EAC8}"/>
+              </a:ext>
+            </a:extLst>
+          </p:cNvPr>
+          <p:cNvSpPr txBox="1"/>
+          <p:nvPr/>
+        </p:nvSpPr>
+        <p:spPr>
+          <a:xfrm>
+            <a:off x="3893126" y="4777639"/>
+            <a:ext cx="1119193" cy="246221"/>
+          </a:xfrm>
+          <a:prstGeom prst="rect">
+            <a:avLst/>
+          </a:prstGeom>
+          <a:noFill/>
+        </p:spPr>
+        <p:txBody>
+          <a:bodyPr wrap="square" rtlCol="0">
+            <a:spAutoFit/>
+          </a:bodyPr>
+          <a:lstStyle/>
+          <a:p>
+            <a:r>
+              <a:rPr lang="es-ES" sz="1000" noProof="0" dirty="0">
+                <a:solidFill>
+                  <a:schemeClr val="tx1"/>
+                </a:solidFill>
+              </a:rPr>
+              <a:t>Julio 2025</a:t>
+            </a:r>
+          </a:p>
+        </p:txBody>
+      </p:sp>
+      <p:cxnSp>
+        <p:nvCxnSpPr>
+          <p:cNvPr id="8" name="Conector recto 7">
+            <a:extLst>
+              <a:ext uri="{FF2B5EF4-FFF2-40B4-BE49-F238E27FC236}">
+                <a16:creationId xmlns:a16="http://schemas.microsoft.com/office/drawing/2014/main" id="{D63BC9F8-C63D-60E9-6B16-68FAC0FA00B9}"/>
+              </a:ext>
+            </a:extLst>
+          </p:cNvPr>
+          <p:cNvCxnSpPr/>
+          <p:nvPr/>
+        </p:nvCxnSpPr>
+        <p:spPr>
+          <a:xfrm>
+            <a:off x="69272" y="4777639"/>
+            <a:ext cx="8894619" cy="0"/>
+          </a:xfrm>
+          <a:prstGeom prst="line">
+            <a:avLst/>
+          </a:prstGeom>
+        </p:spPr>
+        <p:style>
+          <a:lnRef idx="1">
+            <a:schemeClr val="dk1"/>
+          </a:lnRef>
+          <a:fillRef idx="0">
+            <a:schemeClr val="dk1"/>
+          </a:fillRef>
+          <a:effectRef idx="0">
+            <a:schemeClr val="dk1"/>
+          </a:effectRef>
+          <a:fontRef idx="minor">
+            <a:schemeClr val="tx1"/>
+          </a:fontRef>
+        </p:style>
+      </p:cxnSp>
     </p:spTree>
   </p:cSld>
   <p:clrMapOvr>
@@ -6900,11 +7263,11 @@
 </file>
 
 <file path=ppt/slides/slide2.xml><?xml version="1.0" encoding="utf-8"?>
-<p:sld xmlns:a="http://schemas.openxmlformats.org/drawingml/2006/main" xmlns:r="http://schemas.openxmlformats.org/officeDocument/2006/relationships" xmlns:mc="http://schemas.openxmlformats.org/markup-compatibility/2006" xmlns:mv="urn:schemas-microsoft-com:mac:vml" xmlns:p="http://schemas.openxmlformats.org/presentationml/2006/main" xmlns:c="http://schemas.openxmlformats.org/drawingml/2006/chart" xmlns:dgm="http://schemas.openxmlformats.org/drawingml/2006/diagram" xmlns:o="urn:schemas-microsoft-com:office:office" xmlns:v="urn:schemas-microsoft-com:vml" xmlns:pvml="urn:schemas-microsoft-com:office:powerpoint" xmlns:com="http://schemas.openxmlformats.org/drawingml/2006/compatibility" xmlns:p14="http://schemas.microsoft.com/office/powerpoint/2010/main" xmlns:p15="http://schemas.microsoft.com/office/powerpoint/2012/main" xmlns:ahyp="http://schemas.microsoft.com/office/drawing/2018/hyperlinkcolor">
+<p:sld xmlns:a="http://schemas.openxmlformats.org/drawingml/2006/main" xmlns:r="http://schemas.openxmlformats.org/officeDocument/2006/relationships" xmlns:p="http://schemas.openxmlformats.org/presentationml/2006/main">
   <p:cSld>
     <p:spTree>
       <p:nvGrpSpPr>
-        <p:cNvPr id="68" name="Shape 68"/>
+        <p:cNvPr id="1" name="Shape 68"/>
         <p:cNvGrpSpPr/>
         <p:nvPr/>
       </p:nvGrpSpPr>
@@ -6919,27 +7282,29 @@
       <p:sp>
         <p:nvSpPr>
           <p:cNvPr id="69" name="Google Shape;69;p14"/>
-          <p:cNvSpPr txBox="1"/>
+          <p:cNvSpPr txBox="1">
+            <a:spLocks noGrp="1"/>
+          </p:cNvSpPr>
           <p:nvPr>
             <p:ph type="title"/>
           </p:nvPr>
         </p:nvSpPr>
         <p:spPr>
           <a:xfrm>
-            <a:off x="387900" y="458025"/>
-            <a:ext cx="8368200" cy="686100"/>
+            <a:off x="304773" y="231726"/>
+            <a:ext cx="4862973" cy="686100"/>
           </a:xfrm>
           <a:prstGeom prst="rect">
             <a:avLst/>
           </a:prstGeom>
         </p:spPr>
         <p:txBody>
-          <a:bodyPr anchorCtr="0" anchor="b" bIns="91425" lIns="91425" spcFirstLastPara="1" rIns="91425" wrap="square" tIns="91425">
+          <a:bodyPr spcFirstLastPara="1" wrap="square" lIns="91425" tIns="91425" rIns="91425" bIns="91425" anchor="b" anchorCtr="0">
             <a:normAutofit/>
           </a:bodyPr>
           <a:lstStyle/>
           <a:p>
-            <a:pPr indent="0" lvl="0" marL="0" rtl="0" algn="l">
+            <a:pPr marL="0" lvl="0" indent="0" algn="l" rtl="0">
               <a:spcBef>
                 <a:spcPts val="0"/>
               </a:spcBef>
@@ -6949,9 +7314,9 @@
               <a:buNone/>
             </a:pPr>
             <a:r>
-              <a:rPr lang="pt-BR" sz="2400">
-                <a:solidFill>
-                  <a:srgbClr val="000000"/>
+              <a:rPr lang="es-ES" sz="2400" noProof="0" dirty="0">
+                <a:solidFill>
+                  <a:srgbClr val="FF5050"/>
                 </a:solidFill>
                 <a:latin typeface="Arial"/>
                 <a:ea typeface="Arial"/>
@@ -6960,21 +7325,27 @@
               </a:rPr>
               <a:t>Descripción general y contexto</a:t>
             </a:r>
-            <a:endParaRPr sz="4300"/>
+            <a:endParaRPr lang="es-ES" sz="4300" noProof="0" dirty="0">
+              <a:solidFill>
+                <a:srgbClr val="FF5050"/>
+              </a:solidFill>
+            </a:endParaRPr>
           </a:p>
         </p:txBody>
       </p:sp>
       <p:sp>
         <p:nvSpPr>
           <p:cNvPr id="70" name="Google Shape;70;p14"/>
-          <p:cNvSpPr txBox="1"/>
+          <p:cNvSpPr txBox="1">
+            <a:spLocks noGrp="1"/>
+          </p:cNvSpPr>
           <p:nvPr>
-            <p:ph idx="1" type="body"/>
+            <p:ph type="body" idx="1"/>
           </p:nvPr>
         </p:nvSpPr>
         <p:spPr>
           <a:xfrm>
-            <a:off x="387900" y="1489824"/>
+            <a:off x="327915" y="1308282"/>
             <a:ext cx="8368200" cy="3078900"/>
           </a:xfrm>
           <a:prstGeom prst="rect">
@@ -6982,12 +7353,12 @@
           </a:prstGeom>
         </p:spPr>
         <p:txBody>
-          <a:bodyPr anchorCtr="0" anchor="t" bIns="91425" lIns="91425" spcFirstLastPara="1" rIns="91425" wrap="square" tIns="91425">
-            <a:normAutofit lnSpcReduction="20000"/>
+          <a:bodyPr spcFirstLastPara="1" wrap="square" lIns="91425" tIns="91425" rIns="91425" bIns="91425" anchor="t" anchorCtr="0">
+            <a:normAutofit fontScale="85000" lnSpcReduction="20000"/>
           </a:bodyPr>
           <a:lstStyle/>
           <a:p>
-            <a:pPr indent="0" lvl="0" marL="0" rtl="0" algn="l">
+            <a:pPr marL="0" lvl="0" indent="0" algn="l" rtl="0">
               <a:spcBef>
                 <a:spcPts val="0"/>
               </a:spcBef>
@@ -6997,13 +7368,16 @@
               <a:buNone/>
             </a:pPr>
             <a:r>
-              <a:rPr lang="pt-BR"/>
-              <a:t>Problema: Se detectó un incidente de seguridad reciente en nuestra infraestructura crítica (servidor web/WordPress).</a:t>
+              <a:rPr lang="es-ES" b="1" noProof="0" dirty="0"/>
+              <a:t>Problema</a:t>
             </a:r>
-            <a:endParaRPr/>
-          </a:p>
-          <a:p>
-            <a:pPr indent="0" lvl="0" marL="0" rtl="0" algn="l">
+            <a:r>
+              <a:rPr lang="es-ES" noProof="0" dirty="0"/>
+              <a:t>: Se detectó un incidente de seguridad reciente en nuestra infraestructura crítica (servidor web/WordPress).</a:t>
+            </a:r>
+          </a:p>
+          <a:p>
+            <a:pPr marL="0" lvl="0" indent="0" algn="l" rtl="0">
               <a:spcBef>
                 <a:spcPts val="1200"/>
               </a:spcBef>
@@ -7013,13 +7387,16 @@
               <a:buNone/>
             </a:pPr>
             <a:r>
-              <a:rPr lang="pt-BR"/>
-              <a:t>Impacto potencial: Riesgo de fuga de datos, interrupción del servicio, daño a la reputación y pérdidas financieras.</a:t>
+              <a:rPr lang="es-ES" b="1" noProof="0" dirty="0"/>
+              <a:t>Impacto potencial</a:t>
             </a:r>
-            <a:endParaRPr/>
-          </a:p>
-          <a:p>
-            <a:pPr indent="0" lvl="0" marL="0" rtl="0" algn="l">
+            <a:r>
+              <a:rPr lang="es-ES" noProof="0" dirty="0"/>
+              <a:t>: Riesgo de fuga de datos, interrupción del servicio, daño a la reputación y pérdidas financieras.</a:t>
+            </a:r>
+          </a:p>
+          <a:p>
+            <a:pPr marL="0" lvl="0" indent="0" algn="l" rtl="0">
               <a:spcBef>
                 <a:spcPts val="1200"/>
               </a:spcBef>
@@ -7029,29 +7406,243 @@
               <a:buNone/>
             </a:pPr>
             <a:r>
-              <a:rPr lang="pt-BR"/>
-              <a:t>Objetivo de esta presentación: Informar a la gerencia sobre el incidente, las medidas de respuesta adoptadas y presentar un plan estratégico para fortalecer nuestra estrategia de seguridad.</a:t>
+              <a:rPr lang="es-ES" b="1" noProof="0" dirty="0"/>
+              <a:t>Objetivo de esta presentación</a:t>
             </a:r>
-            <a:endParaRPr/>
-          </a:p>
-          <a:p>
-            <a:pPr indent="0" lvl="0" marL="0" rtl="0" algn="l">
+            <a:r>
+              <a:rPr lang="es-ES" noProof="0" dirty="0"/>
+              <a:t>: </a:t>
+            </a:r>
+          </a:p>
+          <a:p>
+            <a:pPr marL="285750" indent="-285750">
               <a:spcBef>
                 <a:spcPts val="1200"/>
               </a:spcBef>
-              <a:spcAft>
-                <a:spcPts val="1200"/>
-              </a:spcAft>
-              <a:buNone/>
             </a:pPr>
             <a:r>
-              <a:rPr lang="pt-BR"/>
-              <a:t>Objetivo: Proporcionar a la gerencia contexto sobre la importancia del tema y el objetivo de la reunión.</a:t>
+              <a:rPr lang="es-ES" noProof="0" dirty="0"/>
+              <a:t>Informar a la gerencia sobre el incidente</a:t>
             </a:r>
-            <a:endParaRPr/>
+          </a:p>
+          <a:p>
+            <a:pPr marL="285750" indent="-285750">
+              <a:spcBef>
+                <a:spcPts val="1200"/>
+              </a:spcBef>
+            </a:pPr>
+            <a:r>
+              <a:rPr lang="es-ES" noProof="0" dirty="0"/>
+              <a:t>Las medidas de respuesta adoptadas</a:t>
+            </a:r>
+          </a:p>
+          <a:p>
+            <a:pPr marL="285750" indent="-285750">
+              <a:spcBef>
+                <a:spcPts val="1200"/>
+              </a:spcBef>
+            </a:pPr>
+            <a:r>
+              <a:rPr lang="es-ES" noProof="0" dirty="0"/>
+              <a:t>Presentar un plan estratégico para fortalecer nuestra estrategia de seguridad.</a:t>
+            </a:r>
+          </a:p>
+          <a:p>
+            <a:pPr marL="285750" indent="-285750">
+              <a:spcBef>
+                <a:spcPts val="1200"/>
+              </a:spcBef>
+            </a:pPr>
+            <a:r>
+              <a:rPr lang="es-ES" noProof="0" dirty="0"/>
+              <a:t>Proporcionar a la gerencia contexto sobre la importancia del tema y el objetivo de la reunión.</a:t>
+            </a:r>
           </a:p>
         </p:txBody>
       </p:sp>
+      <p:pic>
+        <p:nvPicPr>
+          <p:cNvPr id="2" name="Imagen 1">
+            <a:extLst>
+              <a:ext uri="{FF2B5EF4-FFF2-40B4-BE49-F238E27FC236}">
+                <a16:creationId xmlns:a16="http://schemas.microsoft.com/office/drawing/2014/main" id="{A48615CE-84DE-6404-2BD1-1A8465A6FF53}"/>
+              </a:ext>
+            </a:extLst>
+          </p:cNvPr>
+          <p:cNvPicPr>
+            <a:picLocks noChangeAspect="1"/>
+          </p:cNvPicPr>
+          <p:nvPr/>
+        </p:nvPicPr>
+        <p:blipFill>
+          <a:blip r:embed="rId3"/>
+          <a:stretch>
+            <a:fillRect/>
+          </a:stretch>
+        </p:blipFill>
+        <p:spPr>
+          <a:xfrm>
+            <a:off x="8541470" y="98858"/>
+            <a:ext cx="538452" cy="538452"/>
+          </a:xfrm>
+          <a:prstGeom prst="rect">
+            <a:avLst/>
+          </a:prstGeom>
+        </p:spPr>
+      </p:pic>
+      <p:sp>
+        <p:nvSpPr>
+          <p:cNvPr id="3" name="CuadroTexto 2">
+            <a:extLst>
+              <a:ext uri="{FF2B5EF4-FFF2-40B4-BE49-F238E27FC236}">
+                <a16:creationId xmlns:a16="http://schemas.microsoft.com/office/drawing/2014/main" id="{E98AA41E-0EED-187C-F8F3-02F64983A21E}"/>
+              </a:ext>
+            </a:extLst>
+          </p:cNvPr>
+          <p:cNvSpPr txBox="1"/>
+          <p:nvPr/>
+        </p:nvSpPr>
+        <p:spPr>
+          <a:xfrm>
+            <a:off x="69272" y="4777639"/>
+            <a:ext cx="1119193" cy="246221"/>
+          </a:xfrm>
+          <a:prstGeom prst="rect">
+            <a:avLst/>
+          </a:prstGeom>
+          <a:noFill/>
+        </p:spPr>
+        <p:txBody>
+          <a:bodyPr wrap="square" rtlCol="0">
+            <a:spAutoFit/>
+          </a:bodyPr>
+          <a:lstStyle/>
+          <a:p>
+            <a:r>
+              <a:rPr lang="es-ES" sz="1000" noProof="0" dirty="0">
+                <a:solidFill>
+                  <a:schemeClr val="tx1"/>
+                </a:solidFill>
+              </a:rPr>
+              <a:t>Proyecto final</a:t>
+            </a:r>
+          </a:p>
+        </p:txBody>
+      </p:sp>
+      <p:sp>
+        <p:nvSpPr>
+          <p:cNvPr id="4" name="CuadroTexto 3">
+            <a:extLst>
+              <a:ext uri="{FF2B5EF4-FFF2-40B4-BE49-F238E27FC236}">
+                <a16:creationId xmlns:a16="http://schemas.microsoft.com/office/drawing/2014/main" id="{0D966CC8-C759-35AB-7BCD-D1540466ADC5}"/>
+              </a:ext>
+            </a:extLst>
+          </p:cNvPr>
+          <p:cNvSpPr txBox="1"/>
+          <p:nvPr/>
+        </p:nvSpPr>
+        <p:spPr>
+          <a:xfrm>
+            <a:off x="3893126" y="4777639"/>
+            <a:ext cx="1119193" cy="246221"/>
+          </a:xfrm>
+          <a:prstGeom prst="rect">
+            <a:avLst/>
+          </a:prstGeom>
+          <a:noFill/>
+        </p:spPr>
+        <p:txBody>
+          <a:bodyPr wrap="square" rtlCol="0">
+            <a:spAutoFit/>
+          </a:bodyPr>
+          <a:lstStyle/>
+          <a:p>
+            <a:r>
+              <a:rPr lang="es-ES" sz="1000" noProof="0" dirty="0">
+                <a:solidFill>
+                  <a:schemeClr val="tx1"/>
+                </a:solidFill>
+              </a:rPr>
+              <a:t>Julio 2025</a:t>
+            </a:r>
+          </a:p>
+        </p:txBody>
+      </p:sp>
+      <p:sp>
+        <p:nvSpPr>
+          <p:cNvPr id="5" name="CuadroTexto 4">
+            <a:extLst>
+              <a:ext uri="{FF2B5EF4-FFF2-40B4-BE49-F238E27FC236}">
+                <a16:creationId xmlns:a16="http://schemas.microsoft.com/office/drawing/2014/main" id="{AD9F52DF-4554-C92A-39BB-C00033E078E1}"/>
+              </a:ext>
+            </a:extLst>
+          </p:cNvPr>
+          <p:cNvSpPr txBox="1"/>
+          <p:nvPr/>
+        </p:nvSpPr>
+        <p:spPr>
+          <a:xfrm>
+            <a:off x="8136519" y="4777639"/>
+            <a:ext cx="1119193" cy="246221"/>
+          </a:xfrm>
+          <a:prstGeom prst="rect">
+            <a:avLst/>
+          </a:prstGeom>
+          <a:noFill/>
+        </p:spPr>
+        <p:txBody>
+          <a:bodyPr wrap="square" rtlCol="0">
+            <a:spAutoFit/>
+          </a:bodyPr>
+          <a:lstStyle/>
+          <a:p>
+            <a:r>
+              <a:rPr lang="es-ES" sz="1000" noProof="0" dirty="0">
+                <a:solidFill>
+                  <a:schemeClr val="tx1"/>
+                </a:solidFill>
+              </a:rPr>
+              <a:t>Paco Aguiar</a:t>
+            </a:r>
+          </a:p>
+        </p:txBody>
+      </p:sp>
+      <p:cxnSp>
+        <p:nvCxnSpPr>
+          <p:cNvPr id="6" name="Conector recto 5">
+            <a:extLst>
+              <a:ext uri="{FF2B5EF4-FFF2-40B4-BE49-F238E27FC236}">
+                <a16:creationId xmlns:a16="http://schemas.microsoft.com/office/drawing/2014/main" id="{54EA75A0-2DF2-22CF-2D94-9B9F1FE4C2F9}"/>
+              </a:ext>
+            </a:extLst>
+          </p:cNvPr>
+          <p:cNvCxnSpPr/>
+          <p:nvPr/>
+        </p:nvCxnSpPr>
+        <p:spPr>
+          <a:xfrm>
+            <a:off x="69272" y="4777639"/>
+            <a:ext cx="8894619" cy="0"/>
+          </a:xfrm>
+          <a:prstGeom prst="line">
+            <a:avLst/>
+          </a:prstGeom>
+        </p:spPr>
+        <p:style>
+          <a:lnRef idx="1">
+            <a:schemeClr val="dk1"/>
+          </a:lnRef>
+          <a:fillRef idx="0">
+            <a:schemeClr val="dk1"/>
+          </a:fillRef>
+          <a:effectRef idx="0">
+            <a:schemeClr val="dk1"/>
+          </a:effectRef>
+          <a:fontRef idx="minor">
+            <a:schemeClr val="tx1"/>
+          </a:fontRef>
+        </p:style>
+      </p:cxnSp>
     </p:spTree>
   </p:cSld>
   <p:clrMapOvr>
@@ -7061,11 +7652,11 @@
 </file>
 
 <file path=ppt/slides/slide3.xml><?xml version="1.0" encoding="utf-8"?>
-<p:sld xmlns:a="http://schemas.openxmlformats.org/drawingml/2006/main" xmlns:r="http://schemas.openxmlformats.org/officeDocument/2006/relationships" xmlns:mc="http://schemas.openxmlformats.org/markup-compatibility/2006" xmlns:mv="urn:schemas-microsoft-com:mac:vml" xmlns:p="http://schemas.openxmlformats.org/presentationml/2006/main" xmlns:c="http://schemas.openxmlformats.org/drawingml/2006/chart" xmlns:dgm="http://schemas.openxmlformats.org/drawingml/2006/diagram" xmlns:o="urn:schemas-microsoft-com:office:office" xmlns:v="urn:schemas-microsoft-com:vml" xmlns:pvml="urn:schemas-microsoft-com:office:powerpoint" xmlns:com="http://schemas.openxmlformats.org/drawingml/2006/compatibility" xmlns:p14="http://schemas.microsoft.com/office/powerpoint/2010/main" xmlns:p15="http://schemas.microsoft.com/office/powerpoint/2012/main" xmlns:ahyp="http://schemas.microsoft.com/office/drawing/2018/hyperlinkcolor">
+<p:sld xmlns:a="http://schemas.openxmlformats.org/drawingml/2006/main" xmlns:r="http://schemas.openxmlformats.org/officeDocument/2006/relationships" xmlns:p="http://schemas.openxmlformats.org/presentationml/2006/main">
   <p:cSld>
     <p:spTree>
       <p:nvGrpSpPr>
-        <p:cNvPr id="74" name="Shape 74"/>
+        <p:cNvPr id="1" name="Shape 74"/>
         <p:cNvGrpSpPr/>
         <p:nvPr/>
       </p:nvGrpSpPr>
@@ -7080,7 +7671,9 @@
       <p:sp>
         <p:nvSpPr>
           <p:cNvPr id="75" name="Google Shape;75;p15"/>
-          <p:cNvSpPr txBox="1"/>
+          <p:cNvSpPr txBox="1">
+            <a:spLocks noGrp="1"/>
+          </p:cNvSpPr>
           <p:nvPr>
             <p:ph type="title"/>
           </p:nvPr>
@@ -7095,12 +7688,12 @@
           </a:prstGeom>
         </p:spPr>
         <p:txBody>
-          <a:bodyPr anchorCtr="0" anchor="b" bIns="91425" lIns="91425" spcFirstLastPara="1" rIns="91425" wrap="square" tIns="91425">
+          <a:bodyPr spcFirstLastPara="1" wrap="square" lIns="91425" tIns="91425" rIns="91425" bIns="91425" anchor="b" anchorCtr="0">
             <a:normAutofit fontScale="90000"/>
           </a:bodyPr>
           <a:lstStyle/>
           <a:p>
-            <a:pPr indent="0" lvl="0" marL="0" rtl="0" algn="l">
+            <a:pPr marL="0" lvl="0" indent="0" algn="l" rtl="0">
               <a:spcBef>
                 <a:spcPts val="0"/>
               </a:spcBef>
@@ -7110,24 +7703,29 @@
               <a:buNone/>
             </a:pPr>
             <a:r>
-              <a:rPr lang="pt-BR"/>
+              <a:rPr lang="es-ES" noProof="0" dirty="0">
+                <a:solidFill>
+                  <a:srgbClr val="FF5050"/>
+                </a:solidFill>
+              </a:rPr>
               <a:t>¿Qué pasó? (El incidente – Resumen ejecutivo)</a:t>
             </a:r>
-            <a:endParaRPr/>
           </a:p>
         </p:txBody>
       </p:sp>
       <p:sp>
         <p:nvSpPr>
           <p:cNvPr id="76" name="Google Shape;76;p15"/>
-          <p:cNvSpPr txBox="1"/>
+          <p:cNvSpPr txBox="1">
+            <a:spLocks noGrp="1"/>
+          </p:cNvSpPr>
           <p:nvPr>
-            <p:ph idx="1" type="body"/>
+            <p:ph type="body" idx="1"/>
           </p:nvPr>
         </p:nvSpPr>
         <p:spPr>
           <a:xfrm>
-            <a:off x="387900" y="1489824"/>
+            <a:off x="387900" y="1421432"/>
             <a:ext cx="8368200" cy="3078900"/>
           </a:xfrm>
           <a:prstGeom prst="rect">
@@ -7135,12 +7733,12 @@
           </a:prstGeom>
         </p:spPr>
         <p:txBody>
-          <a:bodyPr anchorCtr="0" anchor="t" bIns="91425" lIns="91425" spcFirstLastPara="1" rIns="91425" wrap="square" tIns="91425">
-            <a:normAutofit fontScale="77500" lnSpcReduction="20000"/>
+          <a:bodyPr spcFirstLastPara="1" wrap="square" lIns="91425" tIns="91425" rIns="91425" bIns="91425" anchor="t" anchorCtr="0">
+            <a:normAutofit fontScale="55000" lnSpcReduction="20000"/>
           </a:bodyPr>
           <a:lstStyle/>
           <a:p>
-            <a:pPr indent="0" lvl="0" marL="0" rtl="0" algn="l">
+            <a:pPr marL="0" lvl="0" indent="0" algn="l" rtl="0">
               <a:spcBef>
                 <a:spcPts val="0"/>
               </a:spcBef>
@@ -7150,13 +7748,49 @@
               <a:buNone/>
             </a:pPr>
             <a:r>
-              <a:rPr lang="pt-BR"/>
-              <a:t>Vector inicial (Fase 1): Vulnerabilidades como el acceso FTP anónimo y la configuración del directorio de WordPress con un listado de archivos público (wp-content/uploads/). Riesgo: Podría permitir la carga de archivos maliciosos y facilitar el reconocimiento de la estructura.</a:t>
+              <a:rPr lang="es-ES" noProof="0" dirty="0"/>
+              <a:t>Vector inicial (Fase 1): </a:t>
             </a:r>
-            <a:endParaRPr/>
-          </a:p>
-          <a:p>
-            <a:pPr indent="0" lvl="0" marL="0" rtl="0" algn="l">
+          </a:p>
+          <a:p>
+            <a:pPr marL="285750" indent="-285750"/>
+            <a:r>
+              <a:rPr lang="es-ES" noProof="0" dirty="0"/>
+              <a:t>Vulnerabilidades como el acceso FTP anónimo</a:t>
+            </a:r>
+          </a:p>
+          <a:p>
+            <a:pPr marL="285750" indent="-285750"/>
+            <a:r>
+              <a:rPr lang="es-ES" noProof="0" dirty="0"/>
+              <a:t>La configuración del directorio de WordPress con un listado de archivos público (</a:t>
+            </a:r>
+            <a:r>
+              <a:rPr lang="es-ES" noProof="0" dirty="0" err="1"/>
+              <a:t>wp-content</a:t>
+            </a:r>
+            <a:r>
+              <a:rPr lang="es-ES" noProof="0" dirty="0"/>
+              <a:t>/</a:t>
+            </a:r>
+            <a:r>
+              <a:rPr lang="es-ES" noProof="0" dirty="0" err="1"/>
+              <a:t>uploads</a:t>
+            </a:r>
+            <a:r>
+              <a:rPr lang="es-ES" noProof="0" dirty="0"/>
+              <a:t>/). </a:t>
+            </a:r>
+          </a:p>
+          <a:p>
+            <a:pPr marL="285750" indent="-285750"/>
+            <a:r>
+              <a:rPr lang="es-ES" noProof="0" dirty="0"/>
+              <a:t>Riesgo: Podría permitir la carga de archivos maliciosos y facilitar el reconocimiento de la estructura.</a:t>
+            </a:r>
+          </a:p>
+          <a:p>
+            <a:pPr marL="0" lvl="0" indent="0" algn="l" rtl="0">
               <a:spcBef>
                 <a:spcPts val="1200"/>
               </a:spcBef>
@@ -7166,66 +7800,271 @@
               <a:buNone/>
             </a:pPr>
             <a:r>
-              <a:rPr lang="pt-BR"/>
-              <a:t>Vulnerabilidad crítica adicional (Fase 2): Credenciales SSH del usuario root extremadamente débiles (root:123456). Impacto: Otorgó acceso total de administrador al servidor, lo que permitió el control completo y la eliminación de rastros (por ejemplo, eliminando los registros de autenticación).</a:t>
+              <a:rPr lang="es-ES" noProof="0" dirty="0"/>
+              <a:t>Vulnerabilidad crítica adicional (Fase 2): </a:t>
             </a:r>
-            <a:endParaRPr/>
-          </a:p>
-          <a:p>
-            <a:pPr indent="0" lvl="0" marL="0" rtl="0" algn="l">
+          </a:p>
+          <a:p>
+            <a:pPr marL="285750" indent="-285750">
               <a:spcBef>
                 <a:spcPts val="1200"/>
               </a:spcBef>
-              <a:spcAft>
-                <a:spcPts val="0"/>
-              </a:spcAft>
-              <a:buNone/>
             </a:pPr>
             <a:r>
-              <a:rPr lang="pt-BR"/>
-              <a:t>Evidencia de encubrimiento: Ausencia de registros de autenticación en el servidor.</a:t>
+              <a:rPr lang="es-ES" noProof="0" dirty="0"/>
+              <a:t>Credenciales SSH del usuario </a:t>
             </a:r>
-            <a:endParaRPr/>
-          </a:p>
-          <a:p>
-            <a:pPr indent="0" lvl="0" marL="0" rtl="0" algn="l">
+            <a:r>
+              <a:rPr lang="es-ES" noProof="0" dirty="0" err="1"/>
+              <a:t>root</a:t>
+            </a:r>
+            <a:r>
+              <a:rPr lang="es-ES" noProof="0" dirty="0"/>
+              <a:t> extremadamente débiles </a:t>
+            </a:r>
+          </a:p>
+          <a:p>
+            <a:pPr marL="285750" indent="-285750">
               <a:spcBef>
                 <a:spcPts val="1200"/>
               </a:spcBef>
-              <a:spcAft>
-                <a:spcPts val="0"/>
-              </a:spcAft>
-              <a:buNone/>
             </a:pPr>
             <a:r>
-              <a:rPr lang="pt-BR"/>
-              <a:t>En resumen: Una combinación de configuraciones predeterminadas inseguras y credenciales débiles creó un punto de entrada crítico para el</a:t>
+              <a:rPr lang="es-ES" b="1" u="sng" noProof="0" dirty="0"/>
+              <a:t>Impacto</a:t>
             </a:r>
             <a:r>
-              <a:rPr lang="pt-BR"/>
-              <a:t> </a:t>
+              <a:rPr lang="es-ES" noProof="0" dirty="0"/>
+              <a:t>: Otorgó acceso total de administrador al servidor, lo que permitió el control completo y la eliminación de rastros (por ejemplo, eliminando los registros de autenticación).</a:t>
+            </a:r>
+          </a:p>
+          <a:p>
+            <a:pPr marL="285750" indent="-285750">
+              <a:spcBef>
+                <a:spcPts val="1200"/>
+              </a:spcBef>
+            </a:pPr>
+            <a:r>
+              <a:rPr lang="es-ES" b="1" u="sng" noProof="0" dirty="0"/>
+              <a:t>Evidencia de encubrimiento</a:t>
             </a:r>
             <a:r>
-              <a:rPr lang="pt-BR"/>
-              <a:t>acceso no autorizado con privilegios elevados.</a:t>
+              <a:rPr lang="es-ES" noProof="0" dirty="0"/>
+              <a:t>: Ausencia de registros de autenticación en el servidor.</a:t>
             </a:r>
-            <a:endParaRPr/>
-          </a:p>
-          <a:p>
-            <a:pPr indent="0" lvl="0" marL="0" rtl="0" algn="l">
+          </a:p>
+          <a:p>
+            <a:pPr marL="285750" indent="-285750">
               <a:spcBef>
                 <a:spcPts val="1200"/>
               </a:spcBef>
-              <a:spcAft>
-                <a:spcPts val="1200"/>
-              </a:spcAft>
-              <a:buNone/>
             </a:pPr>
             <a:r>
-              <a:rPr lang="pt-BR"/>
-              <a:t>Objetivo: Explicar el incidente de forma concisa, centrándose en lo sucedido y el posible impacto para la empresa, sin ahondar en jerga técnica compleja.</a:t>
+              <a:rPr lang="es-ES" b="1" u="sng" noProof="0" dirty="0"/>
+              <a:t>En resumen</a:t>
             </a:r>
-            <a:endParaRPr/>
+            <a:r>
+              <a:rPr lang="es-ES" noProof="0" dirty="0"/>
+              <a:t>: Una combinación de configuraciones predeterminadas inseguras y credenciales débiles creó un punto de entrada crítico para el acceso no autorizado con privilegios elevados.</a:t>
+            </a:r>
+          </a:p>
+          <a:p>
+            <a:pPr marL="285750" indent="-285750">
+              <a:spcBef>
+                <a:spcPts val="1200"/>
+              </a:spcBef>
+            </a:pPr>
+            <a:r>
+              <a:rPr lang="es-ES" b="1" u="sng" noProof="0" dirty="0"/>
+              <a:t>Objetivo</a:t>
+            </a:r>
+            <a:r>
+              <a:rPr lang="es-ES" noProof="0" dirty="0"/>
+              <a:t>: Explicar el incidente de forma concisa, centrándose en lo sucedido y el posible impacto para la empresa, sin ahondar en jerga técnica compleja.</a:t>
+            </a:r>
+          </a:p>
+        </p:txBody>
+      </p:sp>
+      <p:pic>
+        <p:nvPicPr>
+          <p:cNvPr id="2" name="Imagen 1">
+            <a:extLst>
+              <a:ext uri="{FF2B5EF4-FFF2-40B4-BE49-F238E27FC236}">
+                <a16:creationId xmlns:a16="http://schemas.microsoft.com/office/drawing/2014/main" id="{A6BD8885-1B9C-E98D-0ACF-16D98B0633BD}"/>
+              </a:ext>
+            </a:extLst>
+          </p:cNvPr>
+          <p:cNvPicPr>
+            <a:picLocks noChangeAspect="1"/>
+          </p:cNvPicPr>
+          <p:nvPr/>
+        </p:nvPicPr>
+        <p:blipFill>
+          <a:blip r:embed="rId3"/>
+          <a:stretch>
+            <a:fillRect/>
+          </a:stretch>
+        </p:blipFill>
+        <p:spPr>
+          <a:xfrm>
+            <a:off x="8541470" y="98858"/>
+            <a:ext cx="538452" cy="538452"/>
+          </a:xfrm>
+          <a:prstGeom prst="rect">
+            <a:avLst/>
+          </a:prstGeom>
+        </p:spPr>
+      </p:pic>
+      <p:cxnSp>
+        <p:nvCxnSpPr>
+          <p:cNvPr id="3" name="Conector recto 2">
+            <a:extLst>
+              <a:ext uri="{FF2B5EF4-FFF2-40B4-BE49-F238E27FC236}">
+                <a16:creationId xmlns:a16="http://schemas.microsoft.com/office/drawing/2014/main" id="{6B3E5DAB-60A0-6C25-7176-E83D6893591A}"/>
+              </a:ext>
+            </a:extLst>
+          </p:cNvPr>
+          <p:cNvCxnSpPr/>
+          <p:nvPr/>
+        </p:nvCxnSpPr>
+        <p:spPr>
+          <a:xfrm>
+            <a:off x="69272" y="4777639"/>
+            <a:ext cx="8894619" cy="0"/>
+          </a:xfrm>
+          <a:prstGeom prst="line">
+            <a:avLst/>
+          </a:prstGeom>
+        </p:spPr>
+        <p:style>
+          <a:lnRef idx="1">
+            <a:schemeClr val="dk1"/>
+          </a:lnRef>
+          <a:fillRef idx="0">
+            <a:schemeClr val="dk1"/>
+          </a:fillRef>
+          <a:effectRef idx="0">
+            <a:schemeClr val="dk1"/>
+          </a:effectRef>
+          <a:fontRef idx="minor">
+            <a:schemeClr val="tx1"/>
+          </a:fontRef>
+        </p:style>
+      </p:cxnSp>
+      <p:sp>
+        <p:nvSpPr>
+          <p:cNvPr id="4" name="CuadroTexto 3">
+            <a:extLst>
+              <a:ext uri="{FF2B5EF4-FFF2-40B4-BE49-F238E27FC236}">
+                <a16:creationId xmlns:a16="http://schemas.microsoft.com/office/drawing/2014/main" id="{2D90DA13-0811-B7D7-2333-F9B125BCB56B}"/>
+              </a:ext>
+            </a:extLst>
+          </p:cNvPr>
+          <p:cNvSpPr txBox="1"/>
+          <p:nvPr/>
+        </p:nvSpPr>
+        <p:spPr>
+          <a:xfrm>
+            <a:off x="69272" y="4777639"/>
+            <a:ext cx="1119193" cy="246221"/>
+          </a:xfrm>
+          <a:prstGeom prst="rect">
+            <a:avLst/>
+          </a:prstGeom>
+          <a:noFill/>
+        </p:spPr>
+        <p:txBody>
+          <a:bodyPr wrap="square" rtlCol="0">
+            <a:spAutoFit/>
+          </a:bodyPr>
+          <a:lstStyle/>
+          <a:p>
+            <a:r>
+              <a:rPr lang="es-ES" sz="1000" noProof="0" dirty="0">
+                <a:solidFill>
+                  <a:schemeClr val="tx1"/>
+                </a:solidFill>
+              </a:rPr>
+              <a:t>Proyecto final</a:t>
+            </a:r>
+          </a:p>
+        </p:txBody>
+      </p:sp>
+      <p:sp>
+        <p:nvSpPr>
+          <p:cNvPr id="5" name="CuadroTexto 4">
+            <a:extLst>
+              <a:ext uri="{FF2B5EF4-FFF2-40B4-BE49-F238E27FC236}">
+                <a16:creationId xmlns:a16="http://schemas.microsoft.com/office/drawing/2014/main" id="{2D5E616E-534D-15D0-D08D-62BF399A866C}"/>
+              </a:ext>
+            </a:extLst>
+          </p:cNvPr>
+          <p:cNvSpPr txBox="1"/>
+          <p:nvPr/>
+        </p:nvSpPr>
+        <p:spPr>
+          <a:xfrm>
+            <a:off x="3893126" y="4777639"/>
+            <a:ext cx="1119193" cy="246221"/>
+          </a:xfrm>
+          <a:prstGeom prst="rect">
+            <a:avLst/>
+          </a:prstGeom>
+          <a:noFill/>
+        </p:spPr>
+        <p:txBody>
+          <a:bodyPr wrap="square" rtlCol="0">
+            <a:spAutoFit/>
+          </a:bodyPr>
+          <a:lstStyle/>
+          <a:p>
+            <a:r>
+              <a:rPr lang="es-ES" sz="1000" noProof="0" dirty="0">
+                <a:solidFill>
+                  <a:schemeClr val="tx1"/>
+                </a:solidFill>
+              </a:rPr>
+              <a:t>Julio 2025</a:t>
+            </a:r>
+          </a:p>
+        </p:txBody>
+      </p:sp>
+      <p:sp>
+        <p:nvSpPr>
+          <p:cNvPr id="6" name="CuadroTexto 5">
+            <a:extLst>
+              <a:ext uri="{FF2B5EF4-FFF2-40B4-BE49-F238E27FC236}">
+                <a16:creationId xmlns:a16="http://schemas.microsoft.com/office/drawing/2014/main" id="{3E1F832A-6C35-0C4D-5EB0-1913BC38A195}"/>
+              </a:ext>
+            </a:extLst>
+          </p:cNvPr>
+          <p:cNvSpPr txBox="1"/>
+          <p:nvPr/>
+        </p:nvSpPr>
+        <p:spPr>
+          <a:xfrm>
+            <a:off x="8136519" y="4777639"/>
+            <a:ext cx="1119193" cy="246221"/>
+          </a:xfrm>
+          <a:prstGeom prst="rect">
+            <a:avLst/>
+          </a:prstGeom>
+          <a:noFill/>
+        </p:spPr>
+        <p:txBody>
+          <a:bodyPr wrap="square" rtlCol="0">
+            <a:spAutoFit/>
+          </a:bodyPr>
+          <a:lstStyle/>
+          <a:p>
+            <a:r>
+              <a:rPr lang="es-ES" sz="1000" noProof="0" dirty="0">
+                <a:solidFill>
+                  <a:schemeClr val="tx1"/>
+                </a:solidFill>
+              </a:rPr>
+              <a:t>Paco Aguiar</a:t>
+            </a:r>
           </a:p>
         </p:txBody>
       </p:sp>
@@ -7238,11 +8077,11 @@
 </file>
 
 <file path=ppt/slides/slide4.xml><?xml version="1.0" encoding="utf-8"?>
-<p:sld xmlns:a="http://schemas.openxmlformats.org/drawingml/2006/main" xmlns:r="http://schemas.openxmlformats.org/officeDocument/2006/relationships" xmlns:mc="http://schemas.openxmlformats.org/markup-compatibility/2006" xmlns:mv="urn:schemas-microsoft-com:mac:vml" xmlns:p="http://schemas.openxmlformats.org/presentationml/2006/main" xmlns:c="http://schemas.openxmlformats.org/drawingml/2006/chart" xmlns:dgm="http://schemas.openxmlformats.org/drawingml/2006/diagram" xmlns:o="urn:schemas-microsoft-com:office:office" xmlns:v="urn:schemas-microsoft-com:vml" xmlns:pvml="urn:schemas-microsoft-com:office:powerpoint" xmlns:com="http://schemas.openxmlformats.org/drawingml/2006/compatibility" xmlns:p14="http://schemas.microsoft.com/office/powerpoint/2010/main" xmlns:p15="http://schemas.microsoft.com/office/powerpoint/2012/main" xmlns:ahyp="http://schemas.microsoft.com/office/drawing/2018/hyperlinkcolor">
+<p:sld xmlns:a="http://schemas.openxmlformats.org/drawingml/2006/main" xmlns:r="http://schemas.openxmlformats.org/officeDocument/2006/relationships" xmlns:p="http://schemas.openxmlformats.org/presentationml/2006/main">
   <p:cSld>
     <p:spTree>
       <p:nvGrpSpPr>
-        <p:cNvPr id="80" name="Shape 80"/>
+        <p:cNvPr id="1" name="Shape 80"/>
         <p:cNvGrpSpPr/>
         <p:nvPr/>
       </p:nvGrpSpPr>
@@ -7257,7 +8096,9 @@
       <p:sp>
         <p:nvSpPr>
           <p:cNvPr id="81" name="Google Shape;81;p16"/>
-          <p:cNvSpPr txBox="1"/>
+          <p:cNvSpPr txBox="1">
+            <a:spLocks noGrp="1"/>
+          </p:cNvSpPr>
           <p:nvPr>
             <p:ph type="title"/>
           </p:nvPr>
@@ -7272,12 +8113,12 @@
           </a:prstGeom>
         </p:spPr>
         <p:txBody>
-          <a:bodyPr anchorCtr="0" anchor="b" bIns="91425" lIns="91425" spcFirstLastPara="1" rIns="91425" wrap="square" tIns="91425">
+          <a:bodyPr spcFirstLastPara="1" wrap="square" lIns="91425" tIns="91425" rIns="91425" bIns="91425" anchor="b" anchorCtr="0">
             <a:normAutofit fontScale="90000"/>
           </a:bodyPr>
           <a:lstStyle/>
           <a:p>
-            <a:pPr indent="0" lvl="0" marL="0" rtl="0" algn="l">
+            <a:pPr marL="0" lvl="0" indent="0" algn="l" rtl="0">
               <a:spcBef>
                 <a:spcPts val="0"/>
               </a:spcBef>
@@ -7287,19 +8128,24 @@
               <a:buNone/>
             </a:pPr>
             <a:r>
-              <a:rPr lang="pt-BR"/>
+              <a:rPr lang="es-ES" noProof="0" dirty="0">
+                <a:solidFill>
+                  <a:srgbClr val="FF5050"/>
+                </a:solidFill>
+              </a:rPr>
               <a:t>Medidas inmediatas tomadas (respuesta rápida)</a:t>
             </a:r>
-            <a:endParaRPr/>
           </a:p>
         </p:txBody>
       </p:sp>
       <p:sp>
         <p:nvSpPr>
           <p:cNvPr id="82" name="Google Shape;82;p16"/>
-          <p:cNvSpPr txBox="1"/>
+          <p:cNvSpPr txBox="1">
+            <a:spLocks noGrp="1"/>
+          </p:cNvSpPr>
           <p:nvPr>
-            <p:ph idx="1" type="body"/>
+            <p:ph type="body" idx="1"/>
           </p:nvPr>
         </p:nvSpPr>
         <p:spPr>
@@ -7312,132 +8158,307 @@
           </a:prstGeom>
         </p:spPr>
         <p:txBody>
-          <a:bodyPr anchorCtr="0" anchor="t" bIns="91425" lIns="91425" spcFirstLastPara="1" rIns="91425" wrap="square" tIns="91425">
-            <a:normAutofit fontScale="70000"/>
+          <a:bodyPr spcFirstLastPara="1" wrap="square" lIns="91425" tIns="91425" rIns="91425" bIns="91425" anchor="t" anchorCtr="0">
+            <a:normAutofit fontScale="62500" lnSpcReduction="20000"/>
           </a:bodyPr>
           <a:lstStyle/>
           <a:p>
-            <a:pPr indent="0" lvl="0" marL="0" rtl="0" algn="l">
-              <a:spcBef>
-                <a:spcPts val="0"/>
-              </a:spcBef>
-              <a:spcAft>
-                <a:spcPts val="0"/>
-              </a:spcAft>
-              <a:buNone/>
+            <a:pPr marL="285750" indent="-285750"/>
+            <a:r>
+              <a:rPr lang="es-ES" b="1" u="sng" noProof="0" dirty="0"/>
+              <a:t>Detección</a:t>
+            </a:r>
+            <a:r>
+              <a:rPr lang="es-ES" noProof="0" dirty="0"/>
+              <a:t>: Monitoreo y análisis manual de vulnerabilidades.</a:t>
+            </a:r>
+          </a:p>
+          <a:p>
+            <a:pPr marL="285750" indent="-285750">
+              <a:spcBef>
+                <a:spcPts val="1200"/>
+              </a:spcBef>
             </a:pPr>
             <a:r>
-              <a:rPr lang="pt-BR"/>
-              <a:t>Detección: Monitoreo y análisis manual de vul</a:t>
+              <a:rPr lang="es-ES" b="1" u="sng" noProof="0" dirty="0"/>
+              <a:t>Contención y erradicación</a:t>
             </a:r>
             <a:r>
-              <a:rPr lang="pt-BR"/>
-              <a:t>n</a:t>
+              <a:rPr lang="es-ES" noProof="0" dirty="0"/>
+              <a:t>: Eliminación de credenciales </a:t>
+            </a:r>
+          </a:p>
+          <a:p>
+            <a:pPr marL="285750" indent="-285750">
+              <a:spcBef>
+                <a:spcPts val="1200"/>
+              </a:spcBef>
+            </a:pPr>
+            <a:r>
+              <a:rPr lang="es-ES" b="1" u="sng" noProof="0" dirty="0"/>
+              <a:t>FTP anónimas</a:t>
             </a:r>
             <a:r>
-              <a:rPr lang="pt-BR"/>
-              <a:t>erabilidades.</a:t>
+              <a:rPr lang="es-ES" noProof="0" dirty="0"/>
+              <a:t>: Cierre del puerto de acceso no autenticado.</a:t>
             </a:r>
-            <a:endParaRPr/>
-          </a:p>
-          <a:p>
-            <a:pPr indent="0" lvl="0" marL="0" rtl="0" algn="l">
+          </a:p>
+          <a:p>
+            <a:pPr marL="285750" indent="-285750">
               <a:spcBef>
                 <a:spcPts val="1200"/>
               </a:spcBef>
-              <a:spcAft>
-                <a:spcPts val="0"/>
-              </a:spcAft>
-              <a:buNone/>
             </a:pPr>
             <a:r>
-              <a:rPr lang="pt-BR"/>
-              <a:t>Contención y erradicación:</a:t>
+              <a:rPr lang="es-ES" b="1" u="sng" noProof="0" dirty="0"/>
+              <a:t>Corrección de permisos críticos</a:t>
             </a:r>
-            <a:endParaRPr/>
-          </a:p>
-          <a:p>
-            <a:pPr indent="0" lvl="0" marL="0" rtl="0" algn="l">
+            <a:r>
+              <a:rPr lang="es-ES" noProof="0" dirty="0"/>
+              <a:t>: Cambio de los permisos del directorio de subidas de WordPress de 777 (acceso completo) a 755 (seguro), desactivando el listado público.</a:t>
+            </a:r>
+          </a:p>
+          <a:p>
+            <a:pPr marL="285750" indent="-285750">
               <a:spcBef>
                 <a:spcPts val="1200"/>
               </a:spcBef>
-              <a:spcAft>
-                <a:spcPts val="0"/>
-              </a:spcAft>
-              <a:buNone/>
             </a:pPr>
             <a:r>
-              <a:rPr lang="pt-BR"/>
-              <a:t>Eliminación de credenciales FTP anónimas: Cierre del puerto de acceso no autenticado.</a:t>
+              <a:rPr lang="es-ES" b="1" u="sng" noProof="0" dirty="0"/>
+              <a:t>Restablecimiento de SSH</a:t>
             </a:r>
-            <a:endParaRPr/>
-          </a:p>
-          <a:p>
-            <a:pPr indent="0" lvl="0" marL="0" rtl="0" algn="l">
+            <a:r>
+              <a:rPr lang="es-ES" noProof="0" dirty="0"/>
+              <a:t>: Cambio de la contraseña </a:t>
+            </a:r>
+            <a:r>
+              <a:rPr lang="es-ES" noProof="0" dirty="0" err="1"/>
+              <a:t>root</a:t>
+            </a:r>
+            <a:r>
+              <a:rPr lang="es-ES" noProof="0" dirty="0"/>
+              <a:t> a una contraseña segura y compleja. (Esto es crítico).</a:t>
+            </a:r>
+          </a:p>
+          <a:p>
+            <a:pPr marL="285750" indent="-285750">
               <a:spcBef>
                 <a:spcPts val="1200"/>
               </a:spcBef>
-              <a:spcAft>
-                <a:spcPts val="0"/>
-              </a:spcAft>
-              <a:buNone/>
             </a:pPr>
             <a:r>
-              <a:rPr lang="pt-BR"/>
-              <a:t>Corrección de permisos críticos: Cambio de los permisos del directorio de subidas de WordPress de 777 (acceso completo) a 755 (seguro), desactivando el listado público.</a:t>
+              <a:rPr lang="es-ES" b="1" u="sng" noProof="0" dirty="0"/>
+              <a:t>Recuperación</a:t>
             </a:r>
-            <a:endParaRPr/>
-          </a:p>
-          <a:p>
-            <a:pPr indent="0" lvl="0" marL="0" rtl="0" algn="l">
+            <a:r>
+              <a:rPr lang="es-ES" noProof="0" dirty="0"/>
+              <a:t>: Se confirmó el funcionamiento y la seguridad de los servicios críticos (web, base de datos) tras las correcciones.</a:t>
+            </a:r>
+          </a:p>
+          <a:p>
+            <a:pPr marL="285750" indent="-285750">
               <a:spcBef>
                 <a:spcPts val="1200"/>
               </a:spcBef>
               <a:spcAft>
-                <a:spcPts val="0"/>
-              </a:spcAft>
-              <a:buNone/>
+                <a:spcPts val="1200"/>
+              </a:spcAft>
             </a:pPr>
             <a:r>
-              <a:rPr lang="pt-BR"/>
-              <a:t>Restablecimiento de SSH: Cambio de la contraseña root a una contraseña segura y compleja. (Esto es crítico).</a:t>
+              <a:rPr lang="es-ES" b="1" u="sng" noProof="0" dirty="0"/>
+              <a:t>Objetivo</a:t>
             </a:r>
-            <a:endParaRPr/>
-          </a:p>
-          <a:p>
-            <a:pPr indent="0" lvl="0" marL="0" rtl="0" algn="l">
-              <a:spcBef>
-                <a:spcPts val="1200"/>
-              </a:spcBef>
-              <a:spcAft>
-                <a:spcPts val="0"/>
-              </a:spcAft>
-              <a:buNone/>
-            </a:pPr>
             <a:r>
-              <a:rPr lang="pt-BR"/>
-              <a:t>Recuperación: Se confirmó el funcionamiento y la seguridad de los servicios críticos (web, base de datos) tras las correcciones.</a:t>
+              <a:rPr lang="es-ES" noProof="0" dirty="0"/>
+              <a:t>: Demostrar que el equipo actuó con rapidez y eficacia para contener y remediar el incidente.</a:t>
             </a:r>
-            <a:endParaRPr/>
-          </a:p>
-          <a:p>
-            <a:pPr indent="0" lvl="0" marL="0" rtl="0" algn="l">
-              <a:spcBef>
-                <a:spcPts val="1200"/>
-              </a:spcBef>
-              <a:spcAft>
-                <a:spcPts val="1200"/>
-              </a:spcAft>
-              <a:buNone/>
-            </a:pPr>
-            <a:r>
-              <a:rPr lang="pt-BR"/>
-              <a:t>Objetivo: Demostrar que el equipo actuó con rapidez y eficacia para contener y remediar el incidente.</a:t>
-            </a:r>
-            <a:endParaRPr/>
           </a:p>
         </p:txBody>
       </p:sp>
+      <p:pic>
+        <p:nvPicPr>
+          <p:cNvPr id="2" name="Imagen 1">
+            <a:extLst>
+              <a:ext uri="{FF2B5EF4-FFF2-40B4-BE49-F238E27FC236}">
+                <a16:creationId xmlns:a16="http://schemas.microsoft.com/office/drawing/2014/main" id="{20D60A86-3E33-1617-A429-C794CC8CE17E}"/>
+              </a:ext>
+            </a:extLst>
+          </p:cNvPr>
+          <p:cNvPicPr>
+            <a:picLocks noChangeAspect="1"/>
+          </p:cNvPicPr>
+          <p:nvPr/>
+        </p:nvPicPr>
+        <p:blipFill>
+          <a:blip r:embed="rId3"/>
+          <a:stretch>
+            <a:fillRect/>
+          </a:stretch>
+        </p:blipFill>
+        <p:spPr>
+          <a:xfrm>
+            <a:off x="8541470" y="98858"/>
+            <a:ext cx="538452" cy="538452"/>
+          </a:xfrm>
+          <a:prstGeom prst="rect">
+            <a:avLst/>
+          </a:prstGeom>
+        </p:spPr>
+      </p:pic>
+      <p:sp>
+        <p:nvSpPr>
+          <p:cNvPr id="3" name="CuadroTexto 2">
+            <a:extLst>
+              <a:ext uri="{FF2B5EF4-FFF2-40B4-BE49-F238E27FC236}">
+                <a16:creationId xmlns:a16="http://schemas.microsoft.com/office/drawing/2014/main" id="{5B2F4BB4-FDBC-EC08-9F39-4F674A671EE1}"/>
+              </a:ext>
+            </a:extLst>
+          </p:cNvPr>
+          <p:cNvSpPr txBox="1"/>
+          <p:nvPr/>
+        </p:nvSpPr>
+        <p:spPr>
+          <a:xfrm>
+            <a:off x="8136519" y="4777639"/>
+            <a:ext cx="1119193" cy="246221"/>
+          </a:xfrm>
+          <a:prstGeom prst="rect">
+            <a:avLst/>
+          </a:prstGeom>
+          <a:noFill/>
+        </p:spPr>
+        <p:txBody>
+          <a:bodyPr wrap="square" rtlCol="0">
+            <a:spAutoFit/>
+          </a:bodyPr>
+          <a:lstStyle/>
+          <a:p>
+            <a:r>
+              <a:rPr lang="es-ES" sz="1000" noProof="0" dirty="0">
+                <a:solidFill>
+                  <a:schemeClr val="tx1"/>
+                </a:solidFill>
+              </a:rPr>
+              <a:t>Paco Aguiar</a:t>
+            </a:r>
+          </a:p>
+        </p:txBody>
+      </p:sp>
+      <p:sp>
+        <p:nvSpPr>
+          <p:cNvPr id="4" name="CuadroTexto 3">
+            <a:extLst>
+              <a:ext uri="{FF2B5EF4-FFF2-40B4-BE49-F238E27FC236}">
+                <a16:creationId xmlns:a16="http://schemas.microsoft.com/office/drawing/2014/main" id="{D9F10E64-88EE-926A-E938-D308D6B93148}"/>
+              </a:ext>
+            </a:extLst>
+          </p:cNvPr>
+          <p:cNvSpPr txBox="1"/>
+          <p:nvPr/>
+        </p:nvSpPr>
+        <p:spPr>
+          <a:xfrm>
+            <a:off x="3893126" y="4777639"/>
+            <a:ext cx="1119193" cy="246221"/>
+          </a:xfrm>
+          <a:prstGeom prst="rect">
+            <a:avLst/>
+          </a:prstGeom>
+          <a:noFill/>
+        </p:spPr>
+        <p:txBody>
+          <a:bodyPr wrap="square" rtlCol="0">
+            <a:spAutoFit/>
+          </a:bodyPr>
+          <a:lstStyle/>
+          <a:p>
+            <a:r>
+              <a:rPr lang="es-ES" sz="1000" noProof="0" dirty="0">
+                <a:solidFill>
+                  <a:schemeClr val="tx1"/>
+                </a:solidFill>
+              </a:rPr>
+              <a:t>Julio 2025</a:t>
+            </a:r>
+          </a:p>
+        </p:txBody>
+      </p:sp>
+      <p:sp>
+        <p:nvSpPr>
+          <p:cNvPr id="5" name="CuadroTexto 4">
+            <a:extLst>
+              <a:ext uri="{FF2B5EF4-FFF2-40B4-BE49-F238E27FC236}">
+                <a16:creationId xmlns:a16="http://schemas.microsoft.com/office/drawing/2014/main" id="{ADBBAA90-3AA6-0402-293F-A5401FCF019A}"/>
+              </a:ext>
+            </a:extLst>
+          </p:cNvPr>
+          <p:cNvSpPr txBox="1"/>
+          <p:nvPr/>
+        </p:nvSpPr>
+        <p:spPr>
+          <a:xfrm>
+            <a:off x="69272" y="4777639"/>
+            <a:ext cx="1119193" cy="246221"/>
+          </a:xfrm>
+          <a:prstGeom prst="rect">
+            <a:avLst/>
+          </a:prstGeom>
+          <a:noFill/>
+        </p:spPr>
+        <p:txBody>
+          <a:bodyPr wrap="square" rtlCol="0">
+            <a:spAutoFit/>
+          </a:bodyPr>
+          <a:lstStyle/>
+          <a:p>
+            <a:r>
+              <a:rPr lang="es-ES" sz="1000" noProof="0" dirty="0">
+                <a:solidFill>
+                  <a:schemeClr val="tx1"/>
+                </a:solidFill>
+              </a:rPr>
+              <a:t>Proyecto final</a:t>
+            </a:r>
+          </a:p>
+        </p:txBody>
+      </p:sp>
+      <p:cxnSp>
+        <p:nvCxnSpPr>
+          <p:cNvPr id="6" name="Conector recto 5">
+            <a:extLst>
+              <a:ext uri="{FF2B5EF4-FFF2-40B4-BE49-F238E27FC236}">
+                <a16:creationId xmlns:a16="http://schemas.microsoft.com/office/drawing/2014/main" id="{9D8B6AD2-D08F-F4EE-84B9-4DA03C097FC4}"/>
+              </a:ext>
+            </a:extLst>
+          </p:cNvPr>
+          <p:cNvCxnSpPr/>
+          <p:nvPr/>
+        </p:nvCxnSpPr>
+        <p:spPr>
+          <a:xfrm>
+            <a:off x="69272" y="4777639"/>
+            <a:ext cx="8894619" cy="0"/>
+          </a:xfrm>
+          <a:prstGeom prst="line">
+            <a:avLst/>
+          </a:prstGeom>
+        </p:spPr>
+        <p:style>
+          <a:lnRef idx="1">
+            <a:schemeClr val="dk1"/>
+          </a:lnRef>
+          <a:fillRef idx="0">
+            <a:schemeClr val="dk1"/>
+          </a:fillRef>
+          <a:effectRef idx="0">
+            <a:schemeClr val="dk1"/>
+          </a:effectRef>
+          <a:fontRef idx="minor">
+            <a:schemeClr val="tx1"/>
+          </a:fontRef>
+        </p:style>
+      </p:cxnSp>
     </p:spTree>
   </p:cSld>
   <p:clrMapOvr>
@@ -7447,11 +8468,11 @@
 </file>
 
 <file path=ppt/slides/slide5.xml><?xml version="1.0" encoding="utf-8"?>
-<p:sld xmlns:a="http://schemas.openxmlformats.org/drawingml/2006/main" xmlns:r="http://schemas.openxmlformats.org/officeDocument/2006/relationships" xmlns:mc="http://schemas.openxmlformats.org/markup-compatibility/2006" xmlns:mv="urn:schemas-microsoft-com:mac:vml" xmlns:p="http://schemas.openxmlformats.org/presentationml/2006/main" xmlns:c="http://schemas.openxmlformats.org/drawingml/2006/chart" xmlns:dgm="http://schemas.openxmlformats.org/drawingml/2006/diagram" xmlns:o="urn:schemas-microsoft-com:office:office" xmlns:v="urn:schemas-microsoft-com:vml" xmlns:pvml="urn:schemas-microsoft-com:office:powerpoint" xmlns:com="http://schemas.openxmlformats.org/drawingml/2006/compatibility" xmlns:p14="http://schemas.microsoft.com/office/powerpoint/2010/main" xmlns:p15="http://schemas.microsoft.com/office/powerpoint/2012/main" xmlns:ahyp="http://schemas.microsoft.com/office/drawing/2018/hyperlinkcolor">
+<p:sld xmlns:a="http://schemas.openxmlformats.org/drawingml/2006/main" xmlns:r="http://schemas.openxmlformats.org/officeDocument/2006/relationships" xmlns:p="http://schemas.openxmlformats.org/presentationml/2006/main">
   <p:cSld>
     <p:spTree>
       <p:nvGrpSpPr>
-        <p:cNvPr id="86" name="Shape 86"/>
+        <p:cNvPr id="1" name="Shape 86"/>
         <p:cNvGrpSpPr/>
         <p:nvPr/>
       </p:nvGrpSpPr>
@@ -7466,27 +8487,29 @@
       <p:sp>
         <p:nvSpPr>
           <p:cNvPr id="87" name="Google Shape;87;p17"/>
-          <p:cNvSpPr txBox="1"/>
+          <p:cNvSpPr txBox="1">
+            <a:spLocks noGrp="1"/>
+          </p:cNvSpPr>
           <p:nvPr>
             <p:ph type="title"/>
           </p:nvPr>
         </p:nvSpPr>
         <p:spPr>
           <a:xfrm>
-            <a:off x="387900" y="458025"/>
-            <a:ext cx="8368200" cy="686100"/>
+            <a:off x="353264" y="215571"/>
+            <a:ext cx="6754118" cy="686100"/>
           </a:xfrm>
           <a:prstGeom prst="rect">
             <a:avLst/>
           </a:prstGeom>
         </p:spPr>
         <p:txBody>
-          <a:bodyPr anchorCtr="0" anchor="b" bIns="91425" lIns="91425" spcFirstLastPara="1" rIns="91425" wrap="square" tIns="91425">
+          <a:bodyPr spcFirstLastPara="1" wrap="square" lIns="91425" tIns="91425" rIns="91425" bIns="91425" anchor="b" anchorCtr="0">
             <a:normAutofit/>
           </a:bodyPr>
           <a:lstStyle/>
           <a:p>
-            <a:pPr indent="0" lvl="0" marL="0" rtl="0" algn="l">
+            <a:pPr marL="0" lvl="0" indent="0" algn="l" rtl="0">
               <a:spcBef>
                 <a:spcPts val="0"/>
               </a:spcBef>
@@ -7496,10 +8519,13 @@
               <a:buNone/>
             </a:pPr>
             <a:r>
-              <a:rPr lang="pt-BR"/>
+              <a:rPr lang="es-ES" noProof="0" dirty="0">
+                <a:solidFill>
+                  <a:srgbClr val="FF5050"/>
+                </a:solidFill>
+              </a:rPr>
               <a:t>Diagrama de red: antes y después</a:t>
             </a:r>
-            <a:endParaRPr/>
           </a:p>
         </p:txBody>
       </p:sp>
@@ -7519,7 +8545,7 @@
         </p:blipFill>
         <p:spPr>
           <a:xfrm>
-            <a:off x="562075" y="1263525"/>
+            <a:off x="437384" y="979506"/>
             <a:ext cx="4009925" cy="3492675"/>
           </a:xfrm>
           <a:prstGeom prst="rect">
@@ -7547,7 +8573,7 @@
         </p:blipFill>
         <p:spPr>
           <a:xfrm>
-            <a:off x="4746175" y="1263525"/>
+            <a:off x="4572000" y="979506"/>
             <a:ext cx="4009925" cy="3492675"/>
           </a:xfrm>
           <a:prstGeom prst="rect">
@@ -7559,6 +8585,189 @@
           </a:ln>
         </p:spPr>
       </p:pic>
+      <p:pic>
+        <p:nvPicPr>
+          <p:cNvPr id="2" name="Imagen 1">
+            <a:extLst>
+              <a:ext uri="{FF2B5EF4-FFF2-40B4-BE49-F238E27FC236}">
+                <a16:creationId xmlns:a16="http://schemas.microsoft.com/office/drawing/2014/main" id="{C3FD6948-0AAF-4F32-9030-5D26523E8987}"/>
+              </a:ext>
+            </a:extLst>
+          </p:cNvPr>
+          <p:cNvPicPr>
+            <a:picLocks noChangeAspect="1"/>
+          </p:cNvPicPr>
+          <p:nvPr/>
+        </p:nvPicPr>
+        <p:blipFill>
+          <a:blip r:embed="rId5"/>
+          <a:stretch>
+            <a:fillRect/>
+          </a:stretch>
+        </p:blipFill>
+        <p:spPr>
+          <a:xfrm>
+            <a:off x="8541470" y="98858"/>
+            <a:ext cx="538452" cy="538452"/>
+          </a:xfrm>
+          <a:prstGeom prst="rect">
+            <a:avLst/>
+          </a:prstGeom>
+        </p:spPr>
+      </p:pic>
+      <p:sp>
+        <p:nvSpPr>
+          <p:cNvPr id="3" name="CuadroTexto 2">
+            <a:extLst>
+              <a:ext uri="{FF2B5EF4-FFF2-40B4-BE49-F238E27FC236}">
+                <a16:creationId xmlns:a16="http://schemas.microsoft.com/office/drawing/2014/main" id="{57D357D2-F902-9C27-0FD1-B37E7F0A0C0F}"/>
+              </a:ext>
+            </a:extLst>
+          </p:cNvPr>
+          <p:cNvSpPr txBox="1"/>
+          <p:nvPr/>
+        </p:nvSpPr>
+        <p:spPr>
+          <a:xfrm>
+            <a:off x="69272" y="4777639"/>
+            <a:ext cx="1119193" cy="246221"/>
+          </a:xfrm>
+          <a:prstGeom prst="rect">
+            <a:avLst/>
+          </a:prstGeom>
+          <a:noFill/>
+        </p:spPr>
+        <p:txBody>
+          <a:bodyPr wrap="square" rtlCol="0">
+            <a:spAutoFit/>
+          </a:bodyPr>
+          <a:lstStyle/>
+          <a:p>
+            <a:r>
+              <a:rPr lang="es-ES" sz="1000" noProof="0" dirty="0">
+                <a:solidFill>
+                  <a:schemeClr val="tx1"/>
+                </a:solidFill>
+              </a:rPr>
+              <a:t>Proyecto final</a:t>
+            </a:r>
+          </a:p>
+        </p:txBody>
+      </p:sp>
+      <p:sp>
+        <p:nvSpPr>
+          <p:cNvPr id="4" name="CuadroTexto 3">
+            <a:extLst>
+              <a:ext uri="{FF2B5EF4-FFF2-40B4-BE49-F238E27FC236}">
+                <a16:creationId xmlns:a16="http://schemas.microsoft.com/office/drawing/2014/main" id="{CC3DB859-6B42-F6F3-E56F-5A0593130B6C}"/>
+              </a:ext>
+            </a:extLst>
+          </p:cNvPr>
+          <p:cNvSpPr txBox="1"/>
+          <p:nvPr/>
+        </p:nvSpPr>
+        <p:spPr>
+          <a:xfrm>
+            <a:off x="3893126" y="4777639"/>
+            <a:ext cx="1119193" cy="246221"/>
+          </a:xfrm>
+          <a:prstGeom prst="rect">
+            <a:avLst/>
+          </a:prstGeom>
+          <a:noFill/>
+        </p:spPr>
+        <p:txBody>
+          <a:bodyPr wrap="square" rtlCol="0">
+            <a:spAutoFit/>
+          </a:bodyPr>
+          <a:lstStyle/>
+          <a:p>
+            <a:r>
+              <a:rPr lang="es-ES" sz="1000" noProof="0" dirty="0">
+                <a:solidFill>
+                  <a:schemeClr val="tx1"/>
+                </a:solidFill>
+              </a:rPr>
+              <a:t>Julio 2025</a:t>
+            </a:r>
+          </a:p>
+        </p:txBody>
+      </p:sp>
+      <p:sp>
+        <p:nvSpPr>
+          <p:cNvPr id="5" name="CuadroTexto 4">
+            <a:extLst>
+              <a:ext uri="{FF2B5EF4-FFF2-40B4-BE49-F238E27FC236}">
+                <a16:creationId xmlns:a16="http://schemas.microsoft.com/office/drawing/2014/main" id="{DF6FC0B6-AC1F-6C62-AB18-6CD1C86F4394}"/>
+              </a:ext>
+            </a:extLst>
+          </p:cNvPr>
+          <p:cNvSpPr txBox="1"/>
+          <p:nvPr/>
+        </p:nvSpPr>
+        <p:spPr>
+          <a:xfrm>
+            <a:off x="8136519" y="4777639"/>
+            <a:ext cx="1119193" cy="246221"/>
+          </a:xfrm>
+          <a:prstGeom prst="rect">
+            <a:avLst/>
+          </a:prstGeom>
+          <a:noFill/>
+        </p:spPr>
+        <p:txBody>
+          <a:bodyPr wrap="square" rtlCol="0">
+            <a:spAutoFit/>
+          </a:bodyPr>
+          <a:lstStyle/>
+          <a:p>
+            <a:r>
+              <a:rPr lang="es-ES" sz="1000" noProof="0" dirty="0">
+                <a:solidFill>
+                  <a:schemeClr val="tx1"/>
+                </a:solidFill>
+              </a:rPr>
+              <a:t>Paco Aguiar</a:t>
+            </a:r>
+          </a:p>
+        </p:txBody>
+      </p:sp>
+      <p:cxnSp>
+        <p:nvCxnSpPr>
+          <p:cNvPr id="6" name="Conector recto 5">
+            <a:extLst>
+              <a:ext uri="{FF2B5EF4-FFF2-40B4-BE49-F238E27FC236}">
+                <a16:creationId xmlns:a16="http://schemas.microsoft.com/office/drawing/2014/main" id="{E0F5D1EE-DDA6-30AC-0E21-57BDFC254E5C}"/>
+              </a:ext>
+            </a:extLst>
+          </p:cNvPr>
+          <p:cNvCxnSpPr/>
+          <p:nvPr/>
+        </p:nvCxnSpPr>
+        <p:spPr>
+          <a:xfrm>
+            <a:off x="69272" y="4777639"/>
+            <a:ext cx="8894619" cy="0"/>
+          </a:xfrm>
+          <a:prstGeom prst="line">
+            <a:avLst/>
+          </a:prstGeom>
+        </p:spPr>
+        <p:style>
+          <a:lnRef idx="1">
+            <a:schemeClr val="dk1"/>
+          </a:lnRef>
+          <a:fillRef idx="0">
+            <a:schemeClr val="dk1"/>
+          </a:fillRef>
+          <a:effectRef idx="0">
+            <a:schemeClr val="dk1"/>
+          </a:effectRef>
+          <a:fontRef idx="minor">
+            <a:schemeClr val="tx1"/>
+          </a:fontRef>
+        </p:style>
+      </p:cxnSp>
     </p:spTree>
   </p:cSld>
   <p:clrMapOvr>
@@ -7568,11 +8777,11 @@
 </file>
 
 <file path=ppt/slides/slide6.xml><?xml version="1.0" encoding="utf-8"?>
-<p:sld xmlns:a="http://schemas.openxmlformats.org/drawingml/2006/main" xmlns:r="http://schemas.openxmlformats.org/officeDocument/2006/relationships" xmlns:mc="http://schemas.openxmlformats.org/markup-compatibility/2006" xmlns:mv="urn:schemas-microsoft-com:mac:vml" xmlns:p="http://schemas.openxmlformats.org/presentationml/2006/main" xmlns:c="http://schemas.openxmlformats.org/drawingml/2006/chart" xmlns:dgm="http://schemas.openxmlformats.org/drawingml/2006/diagram" xmlns:o="urn:schemas-microsoft-com:office:office" xmlns:v="urn:schemas-microsoft-com:vml" xmlns:pvml="urn:schemas-microsoft-com:office:powerpoint" xmlns:com="http://schemas.openxmlformats.org/drawingml/2006/compatibility" xmlns:p14="http://schemas.microsoft.com/office/powerpoint/2010/main" xmlns:p15="http://schemas.microsoft.com/office/powerpoint/2012/main" xmlns:ahyp="http://schemas.microsoft.com/office/drawing/2018/hyperlinkcolor">
+<p:sld xmlns:a="http://schemas.openxmlformats.org/drawingml/2006/main" xmlns:r="http://schemas.openxmlformats.org/officeDocument/2006/relationships" xmlns:p="http://schemas.openxmlformats.org/presentationml/2006/main">
   <p:cSld>
     <p:spTree>
       <p:nvGrpSpPr>
-        <p:cNvPr id="93" name="Shape 93"/>
+        <p:cNvPr id="1" name="Shape 93"/>
         <p:cNvGrpSpPr/>
         <p:nvPr/>
       </p:nvGrpSpPr>
@@ -7587,7 +8796,9 @@
       <p:sp>
         <p:nvSpPr>
           <p:cNvPr id="94" name="Google Shape;94;p18"/>
-          <p:cNvSpPr txBox="1"/>
+          <p:cNvSpPr txBox="1">
+            <a:spLocks noGrp="1"/>
+          </p:cNvSpPr>
           <p:nvPr>
             <p:ph type="title"/>
           </p:nvPr>
@@ -7602,12 +8813,12 @@
           </a:prstGeom>
         </p:spPr>
         <p:txBody>
-          <a:bodyPr anchorCtr="0" anchor="b" bIns="91425" lIns="91425" spcFirstLastPara="1" rIns="91425" wrap="square" tIns="91425">
+          <a:bodyPr spcFirstLastPara="1" wrap="square" lIns="91425" tIns="91425" rIns="91425" bIns="91425" anchor="b" anchorCtr="0">
             <a:noAutofit/>
           </a:bodyPr>
           <a:lstStyle/>
           <a:p>
-            <a:pPr indent="0" lvl="0" marL="0" rtl="0" algn="l">
+            <a:pPr marL="0" lvl="0" indent="0" algn="l" rtl="0">
               <a:spcBef>
                 <a:spcPts val="0"/>
               </a:spcBef>
@@ -7618,39 +8829,49 @@
               <a:buNone/>
             </a:pPr>
             <a:r>
-              <a:rPr lang="pt-BR" sz="1400"/>
+              <a:rPr lang="es-ES" sz="1400" noProof="0" dirty="0">
+                <a:solidFill>
+                  <a:srgbClr val="FF5050"/>
+                </a:solidFill>
+              </a:rPr>
               <a:t>Recomendaciones estratégicas para el futuro (prevención y resiliencia)</a:t>
             </a:r>
-            <a:endParaRPr sz="1400"/>
           </a:p>
         </p:txBody>
       </p:sp>
       <p:sp>
         <p:nvSpPr>
           <p:cNvPr id="95" name="Google Shape;95;p18"/>
-          <p:cNvSpPr txBox="1"/>
+          <p:cNvSpPr txBox="1">
+            <a:spLocks noGrp="1"/>
+          </p:cNvSpPr>
           <p:nvPr>
-            <p:ph idx="1" type="body"/>
+            <p:ph type="body" idx="1"/>
           </p:nvPr>
         </p:nvSpPr>
         <p:spPr>
           <a:xfrm>
-            <a:off x="1569900" y="435675"/>
-            <a:ext cx="4166400" cy="4803600"/>
+            <a:off x="4516581" y="601931"/>
+            <a:ext cx="4166400" cy="3974050"/>
           </a:xfrm>
           <a:prstGeom prst="rect">
             <a:avLst/>
           </a:prstGeom>
+          <a:ln>
+            <a:solidFill>
+              <a:schemeClr val="tx1"/>
+            </a:solidFill>
+          </a:ln>
         </p:spPr>
         <p:txBody>
-          <a:bodyPr anchorCtr="0" anchor="t" bIns="91425" lIns="91425" spcFirstLastPara="1" rIns="91425" wrap="square" tIns="91425">
-            <a:normAutofit fontScale="47500" lnSpcReduction="20000"/>
+          <a:bodyPr spcFirstLastPara="1" wrap="square" lIns="91425" tIns="91425" rIns="91425" bIns="91425" anchor="t" anchorCtr="0">
+            <a:normAutofit/>
           </a:bodyPr>
           <a:lstStyle/>
           <a:p>
-            <a:pPr indent="0" lvl="0" marL="0" rtl="0" algn="l">
-              <a:spcBef>
-                <a:spcPts val="0"/>
+            <a:pPr marL="0" lvl="0" indent="0" algn="l" rtl="0">
+              <a:spcBef>
+                <a:spcPts val="1200"/>
               </a:spcBef>
               <a:spcAft>
                 <a:spcPts val="0"/>
@@ -7658,13 +8879,19 @@
               <a:buNone/>
             </a:pPr>
             <a:r>
-              <a:rPr lang="pt-BR"/>
-              <a:t>A. Plan de Respuesta a Incidentes (PRI - Basado en NIST SP 800-61):</a:t>
+              <a:rPr lang="es-ES" sz="1000" noProof="0" dirty="0">
+                <a:solidFill>
+                  <a:srgbClr val="C00000"/>
+                </a:solidFill>
+                <a:highlight>
+                  <a:srgbClr val="C0C0C0"/>
+                </a:highlight>
+              </a:rPr>
+              <a:t>Implementación de un SGSI (Sistema de Gestión de Seguridad de la Información) - ISO 27001:</a:t>
             </a:r>
-            <a:endParaRPr/>
-          </a:p>
-          <a:p>
-            <a:pPr indent="0" lvl="0" marL="0" rtl="0" algn="l">
+          </a:p>
+          <a:p>
+            <a:pPr marL="0" lvl="0" indent="0" algn="l" rtl="0">
               <a:spcBef>
                 <a:spcPts val="1200"/>
               </a:spcBef>
@@ -7674,178 +8901,922 @@
               <a:buNone/>
             </a:pPr>
             <a:r>
-              <a:rPr lang="pt-BR"/>
+              <a:rPr lang="es-ES" sz="1000" noProof="0" dirty="0"/>
+              <a:t>Objetivo: Adoptar un marco reconocido internacionalmente para la gestión continua de la seguridad de la información.</a:t>
+            </a:r>
+          </a:p>
+          <a:p>
+            <a:pPr marL="0" lvl="0" indent="0" algn="l" rtl="0">
+              <a:spcBef>
+                <a:spcPts val="1200"/>
+              </a:spcBef>
+              <a:spcAft>
+                <a:spcPts val="0"/>
+              </a:spcAft>
+              <a:buNone/>
+            </a:pPr>
+            <a:r>
+              <a:rPr lang="es-ES" sz="1000" noProof="0" dirty="0"/>
+              <a:t>Beneficios: Reducción de riesgos, cumplimiento normativo, mejora de la reputación.</a:t>
+            </a:r>
+          </a:p>
+          <a:p>
+            <a:pPr marL="0" lvl="0" indent="0" algn="l" rtl="0">
+              <a:spcBef>
+                <a:spcPts val="1200"/>
+              </a:spcBef>
+              <a:spcAft>
+                <a:spcPts val="0"/>
+              </a:spcAft>
+              <a:buNone/>
+            </a:pPr>
+            <a:r>
+              <a:rPr lang="es-ES" sz="1000" noProof="0" dirty="0"/>
+              <a:t>Acciones Clave: Análisis de riesgos, políticas de seguridad, controles tecnológicos (WAF, reforzamiento, parches) y mejora continua.</a:t>
+            </a:r>
+          </a:p>
+          <a:p>
+            <a:pPr marL="0" lvl="0" indent="0" algn="l" rtl="0">
+              <a:spcBef>
+                <a:spcPts val="1200"/>
+              </a:spcBef>
+              <a:spcAft>
+                <a:spcPts val="1200"/>
+              </a:spcAft>
+              <a:buNone/>
+            </a:pPr>
+            <a:r>
+              <a:rPr lang="es-ES" sz="1000" noProof="0" dirty="0"/>
+              <a:t>Objetivo: Presentar soluciones a largo plazo para fortalecer la seguridad, vinculándolas con beneficios estratégicos para la empresa.</a:t>
+            </a:r>
+          </a:p>
+        </p:txBody>
+      </p:sp>
+      <p:pic>
+        <p:nvPicPr>
+          <p:cNvPr id="2" name="Imagen 1">
+            <a:extLst>
+              <a:ext uri="{FF2B5EF4-FFF2-40B4-BE49-F238E27FC236}">
+                <a16:creationId xmlns:a16="http://schemas.microsoft.com/office/drawing/2014/main" id="{83001483-D043-99F3-2D1D-41D7459F6BBA}"/>
+              </a:ext>
+            </a:extLst>
+          </p:cNvPr>
+          <p:cNvPicPr>
+            <a:picLocks noChangeAspect="1"/>
+          </p:cNvPicPr>
+          <p:nvPr/>
+        </p:nvPicPr>
+        <p:blipFill>
+          <a:blip r:embed="rId3"/>
+          <a:stretch>
+            <a:fillRect/>
+          </a:stretch>
+        </p:blipFill>
+        <p:spPr>
+          <a:xfrm>
+            <a:off x="8541470" y="98858"/>
+            <a:ext cx="538452" cy="538452"/>
+          </a:xfrm>
+          <a:prstGeom prst="rect">
+            <a:avLst/>
+          </a:prstGeom>
+        </p:spPr>
+      </p:pic>
+      <p:cxnSp>
+        <p:nvCxnSpPr>
+          <p:cNvPr id="3" name="Conector recto 2">
+            <a:extLst>
+              <a:ext uri="{FF2B5EF4-FFF2-40B4-BE49-F238E27FC236}">
+                <a16:creationId xmlns:a16="http://schemas.microsoft.com/office/drawing/2014/main" id="{B092D427-9ED6-FEA9-4876-9764CC04B870}"/>
+              </a:ext>
+            </a:extLst>
+          </p:cNvPr>
+          <p:cNvCxnSpPr/>
+          <p:nvPr/>
+        </p:nvCxnSpPr>
+        <p:spPr>
+          <a:xfrm>
+            <a:off x="69272" y="4777639"/>
+            <a:ext cx="8894619" cy="0"/>
+          </a:xfrm>
+          <a:prstGeom prst="line">
+            <a:avLst/>
+          </a:prstGeom>
+        </p:spPr>
+        <p:style>
+          <a:lnRef idx="1">
+            <a:schemeClr val="dk1"/>
+          </a:lnRef>
+          <a:fillRef idx="0">
+            <a:schemeClr val="dk1"/>
+          </a:fillRef>
+          <a:effectRef idx="0">
+            <a:schemeClr val="dk1"/>
+          </a:effectRef>
+          <a:fontRef idx="minor">
+            <a:schemeClr val="tx1"/>
+          </a:fontRef>
+        </p:style>
+      </p:cxnSp>
+      <p:sp>
+        <p:nvSpPr>
+          <p:cNvPr id="4" name="CuadroTexto 3">
+            <a:extLst>
+              <a:ext uri="{FF2B5EF4-FFF2-40B4-BE49-F238E27FC236}">
+                <a16:creationId xmlns:a16="http://schemas.microsoft.com/office/drawing/2014/main" id="{A58A78C7-7741-9A8D-367B-46304CD84F64}"/>
+              </a:ext>
+            </a:extLst>
+          </p:cNvPr>
+          <p:cNvSpPr txBox="1"/>
+          <p:nvPr/>
+        </p:nvSpPr>
+        <p:spPr>
+          <a:xfrm>
+            <a:off x="69272" y="4777639"/>
+            <a:ext cx="1119193" cy="246221"/>
+          </a:xfrm>
+          <a:prstGeom prst="rect">
+            <a:avLst/>
+          </a:prstGeom>
+          <a:noFill/>
+        </p:spPr>
+        <p:txBody>
+          <a:bodyPr wrap="square" rtlCol="0">
+            <a:spAutoFit/>
+          </a:bodyPr>
+          <a:lstStyle/>
+          <a:p>
+            <a:r>
+              <a:rPr lang="es-ES" sz="1000" noProof="0" dirty="0">
+                <a:solidFill>
+                  <a:schemeClr val="tx1"/>
+                </a:solidFill>
+              </a:rPr>
+              <a:t>Proyecto final</a:t>
+            </a:r>
+          </a:p>
+        </p:txBody>
+      </p:sp>
+      <p:sp>
+        <p:nvSpPr>
+          <p:cNvPr id="5" name="CuadroTexto 4">
+            <a:extLst>
+              <a:ext uri="{FF2B5EF4-FFF2-40B4-BE49-F238E27FC236}">
+                <a16:creationId xmlns:a16="http://schemas.microsoft.com/office/drawing/2014/main" id="{9CEB67E5-F147-094C-0FF7-9FE5A42BF361}"/>
+              </a:ext>
+            </a:extLst>
+          </p:cNvPr>
+          <p:cNvSpPr txBox="1"/>
+          <p:nvPr/>
+        </p:nvSpPr>
+        <p:spPr>
+          <a:xfrm>
+            <a:off x="3893126" y="4777639"/>
+            <a:ext cx="1119193" cy="246221"/>
+          </a:xfrm>
+          <a:prstGeom prst="rect">
+            <a:avLst/>
+          </a:prstGeom>
+          <a:noFill/>
+        </p:spPr>
+        <p:txBody>
+          <a:bodyPr wrap="square" rtlCol="0">
+            <a:spAutoFit/>
+          </a:bodyPr>
+          <a:lstStyle/>
+          <a:p>
+            <a:r>
+              <a:rPr lang="es-ES" sz="1000" noProof="0" dirty="0">
+                <a:solidFill>
+                  <a:schemeClr val="tx1"/>
+                </a:solidFill>
+              </a:rPr>
+              <a:t>Julio 2025</a:t>
+            </a:r>
+          </a:p>
+        </p:txBody>
+      </p:sp>
+      <p:sp>
+        <p:nvSpPr>
+          <p:cNvPr id="6" name="CuadroTexto 5">
+            <a:extLst>
+              <a:ext uri="{FF2B5EF4-FFF2-40B4-BE49-F238E27FC236}">
+                <a16:creationId xmlns:a16="http://schemas.microsoft.com/office/drawing/2014/main" id="{0810C28C-D5BB-5BBD-F334-C328429BB25D}"/>
+              </a:ext>
+            </a:extLst>
+          </p:cNvPr>
+          <p:cNvSpPr txBox="1"/>
+          <p:nvPr/>
+        </p:nvSpPr>
+        <p:spPr>
+          <a:xfrm>
+            <a:off x="8136519" y="4777639"/>
+            <a:ext cx="1119193" cy="246221"/>
+          </a:xfrm>
+          <a:prstGeom prst="rect">
+            <a:avLst/>
+          </a:prstGeom>
+          <a:noFill/>
+        </p:spPr>
+        <p:txBody>
+          <a:bodyPr wrap="square" rtlCol="0">
+            <a:spAutoFit/>
+          </a:bodyPr>
+          <a:lstStyle/>
+          <a:p>
+            <a:r>
+              <a:rPr lang="es-ES" sz="1000" noProof="0" dirty="0">
+                <a:solidFill>
+                  <a:schemeClr val="tx1"/>
+                </a:solidFill>
+              </a:rPr>
+              <a:t>Paco Aguiar</a:t>
+            </a:r>
+          </a:p>
+        </p:txBody>
+      </p:sp>
+      <p:sp>
+        <p:nvSpPr>
+          <p:cNvPr id="7" name="Google Shape;95;p18">
+            <a:extLst>
+              <a:ext uri="{FF2B5EF4-FFF2-40B4-BE49-F238E27FC236}">
+                <a16:creationId xmlns:a16="http://schemas.microsoft.com/office/drawing/2014/main" id="{7442C91D-5286-26D4-A2AF-B7B3D4BC6C55}"/>
+              </a:ext>
+            </a:extLst>
+          </p:cNvPr>
+          <p:cNvSpPr txBox="1">
+            <a:spLocks/>
+          </p:cNvSpPr>
+          <p:nvPr/>
+        </p:nvSpPr>
+        <p:spPr>
+          <a:xfrm>
+            <a:off x="89002" y="595747"/>
+            <a:ext cx="4297727" cy="1563453"/>
+          </a:xfrm>
+          <a:prstGeom prst="rect">
+            <a:avLst/>
+          </a:prstGeom>
+          <a:noFill/>
+          <a:ln>
+            <a:solidFill>
+              <a:schemeClr val="tx1"/>
+            </a:solidFill>
+          </a:ln>
+        </p:spPr>
+        <p:txBody>
+          <a:bodyPr spcFirstLastPara="1" wrap="square" lIns="91425" tIns="91425" rIns="91425" bIns="91425" anchor="t" anchorCtr="0">
+            <a:normAutofit/>
+          </a:bodyPr>
+          <a:lstStyle>
+            <a:defPPr marR="0" lvl="0" algn="l" rtl="0">
+              <a:lnSpc>
+                <a:spcPct val="100000"/>
+              </a:lnSpc>
+              <a:spcBef>
+                <a:spcPts val="0"/>
+              </a:spcBef>
+              <a:spcAft>
+                <a:spcPts val="0"/>
+              </a:spcAft>
+            </a:defPPr>
+            <a:lvl1pPr marL="457200" marR="0" lvl="0" indent="-342900" algn="l" rtl="0">
+              <a:lnSpc>
+                <a:spcPct val="115000"/>
+              </a:lnSpc>
+              <a:spcBef>
+                <a:spcPts val="0"/>
+              </a:spcBef>
+              <a:spcAft>
+                <a:spcPts val="0"/>
+              </a:spcAft>
+              <a:buClr>
+                <a:schemeClr val="dk1"/>
+              </a:buClr>
+              <a:buSzPts val="1800"/>
+              <a:buFont typeface="Roboto"/>
+              <a:buChar char="●"/>
+              <a:defRPr sz="1800" b="0" i="0" u="none" strike="noStrike" cap="none">
+                <a:solidFill>
+                  <a:schemeClr val="dk1"/>
+                </a:solidFill>
+                <a:latin typeface="Roboto"/>
+                <a:ea typeface="Roboto"/>
+                <a:cs typeface="Roboto"/>
+                <a:sym typeface="Roboto"/>
+              </a:defRPr>
+            </a:lvl1pPr>
+            <a:lvl2pPr marL="914400" marR="0" lvl="1" indent="-317500" algn="l" rtl="0">
+              <a:lnSpc>
+                <a:spcPct val="115000"/>
+              </a:lnSpc>
+              <a:spcBef>
+                <a:spcPts val="0"/>
+              </a:spcBef>
+              <a:spcAft>
+                <a:spcPts val="0"/>
+              </a:spcAft>
+              <a:buClr>
+                <a:schemeClr val="dk1"/>
+              </a:buClr>
+              <a:buSzPts val="1400"/>
+              <a:buFont typeface="Roboto"/>
+              <a:buChar char="○"/>
+              <a:defRPr sz="1400" b="0" i="0" u="none" strike="noStrike" cap="none">
+                <a:solidFill>
+                  <a:schemeClr val="dk1"/>
+                </a:solidFill>
+                <a:latin typeface="Roboto"/>
+                <a:ea typeface="Roboto"/>
+                <a:cs typeface="Roboto"/>
+                <a:sym typeface="Roboto"/>
+              </a:defRPr>
+            </a:lvl2pPr>
+            <a:lvl3pPr marL="1371600" marR="0" lvl="2" indent="-317500" algn="l" rtl="0">
+              <a:lnSpc>
+                <a:spcPct val="115000"/>
+              </a:lnSpc>
+              <a:spcBef>
+                <a:spcPts val="0"/>
+              </a:spcBef>
+              <a:spcAft>
+                <a:spcPts val="0"/>
+              </a:spcAft>
+              <a:buClr>
+                <a:schemeClr val="dk1"/>
+              </a:buClr>
+              <a:buSzPts val="1400"/>
+              <a:buFont typeface="Roboto"/>
+              <a:buChar char="■"/>
+              <a:defRPr sz="1400" b="0" i="0" u="none" strike="noStrike" cap="none">
+                <a:solidFill>
+                  <a:schemeClr val="dk1"/>
+                </a:solidFill>
+                <a:latin typeface="Roboto"/>
+                <a:ea typeface="Roboto"/>
+                <a:cs typeface="Roboto"/>
+                <a:sym typeface="Roboto"/>
+              </a:defRPr>
+            </a:lvl3pPr>
+            <a:lvl4pPr marL="1828800" marR="0" lvl="3" indent="-317500" algn="l" rtl="0">
+              <a:lnSpc>
+                <a:spcPct val="115000"/>
+              </a:lnSpc>
+              <a:spcBef>
+                <a:spcPts val="0"/>
+              </a:spcBef>
+              <a:spcAft>
+                <a:spcPts val="0"/>
+              </a:spcAft>
+              <a:buClr>
+                <a:schemeClr val="dk1"/>
+              </a:buClr>
+              <a:buSzPts val="1400"/>
+              <a:buFont typeface="Roboto"/>
+              <a:buChar char="●"/>
+              <a:defRPr sz="1400" b="0" i="0" u="none" strike="noStrike" cap="none">
+                <a:solidFill>
+                  <a:schemeClr val="dk1"/>
+                </a:solidFill>
+                <a:latin typeface="Roboto"/>
+                <a:ea typeface="Roboto"/>
+                <a:cs typeface="Roboto"/>
+                <a:sym typeface="Roboto"/>
+              </a:defRPr>
+            </a:lvl4pPr>
+            <a:lvl5pPr marL="2286000" marR="0" lvl="4" indent="-317500" algn="l" rtl="0">
+              <a:lnSpc>
+                <a:spcPct val="115000"/>
+              </a:lnSpc>
+              <a:spcBef>
+                <a:spcPts val="0"/>
+              </a:spcBef>
+              <a:spcAft>
+                <a:spcPts val="0"/>
+              </a:spcAft>
+              <a:buClr>
+                <a:schemeClr val="dk1"/>
+              </a:buClr>
+              <a:buSzPts val="1400"/>
+              <a:buFont typeface="Roboto"/>
+              <a:buChar char="○"/>
+              <a:defRPr sz="1400" b="0" i="0" u="none" strike="noStrike" cap="none">
+                <a:solidFill>
+                  <a:schemeClr val="dk1"/>
+                </a:solidFill>
+                <a:latin typeface="Roboto"/>
+                <a:ea typeface="Roboto"/>
+                <a:cs typeface="Roboto"/>
+                <a:sym typeface="Roboto"/>
+              </a:defRPr>
+            </a:lvl5pPr>
+            <a:lvl6pPr marL="2743200" marR="0" lvl="5" indent="-317500" algn="l" rtl="0">
+              <a:lnSpc>
+                <a:spcPct val="115000"/>
+              </a:lnSpc>
+              <a:spcBef>
+                <a:spcPts val="0"/>
+              </a:spcBef>
+              <a:spcAft>
+                <a:spcPts val="0"/>
+              </a:spcAft>
+              <a:buClr>
+                <a:schemeClr val="dk1"/>
+              </a:buClr>
+              <a:buSzPts val="1400"/>
+              <a:buFont typeface="Roboto"/>
+              <a:buChar char="■"/>
+              <a:defRPr sz="1400" b="0" i="0" u="none" strike="noStrike" cap="none">
+                <a:solidFill>
+                  <a:schemeClr val="dk1"/>
+                </a:solidFill>
+                <a:latin typeface="Roboto"/>
+                <a:ea typeface="Roboto"/>
+                <a:cs typeface="Roboto"/>
+                <a:sym typeface="Roboto"/>
+              </a:defRPr>
+            </a:lvl6pPr>
+            <a:lvl7pPr marL="3200400" marR="0" lvl="6" indent="-317500" algn="l" rtl="0">
+              <a:lnSpc>
+                <a:spcPct val="115000"/>
+              </a:lnSpc>
+              <a:spcBef>
+                <a:spcPts val="0"/>
+              </a:spcBef>
+              <a:spcAft>
+                <a:spcPts val="0"/>
+              </a:spcAft>
+              <a:buClr>
+                <a:schemeClr val="dk1"/>
+              </a:buClr>
+              <a:buSzPts val="1400"/>
+              <a:buFont typeface="Roboto"/>
+              <a:buChar char="●"/>
+              <a:defRPr sz="1400" b="0" i="0" u="none" strike="noStrike" cap="none">
+                <a:solidFill>
+                  <a:schemeClr val="dk1"/>
+                </a:solidFill>
+                <a:latin typeface="Roboto"/>
+                <a:ea typeface="Roboto"/>
+                <a:cs typeface="Roboto"/>
+                <a:sym typeface="Roboto"/>
+              </a:defRPr>
+            </a:lvl7pPr>
+            <a:lvl8pPr marL="3657600" marR="0" lvl="7" indent="-317500" algn="l" rtl="0">
+              <a:lnSpc>
+                <a:spcPct val="115000"/>
+              </a:lnSpc>
+              <a:spcBef>
+                <a:spcPts val="0"/>
+              </a:spcBef>
+              <a:spcAft>
+                <a:spcPts val="0"/>
+              </a:spcAft>
+              <a:buClr>
+                <a:schemeClr val="dk1"/>
+              </a:buClr>
+              <a:buSzPts val="1400"/>
+              <a:buFont typeface="Roboto"/>
+              <a:buChar char="○"/>
+              <a:defRPr sz="1400" b="0" i="0" u="none" strike="noStrike" cap="none">
+                <a:solidFill>
+                  <a:schemeClr val="dk1"/>
+                </a:solidFill>
+                <a:latin typeface="Roboto"/>
+                <a:ea typeface="Roboto"/>
+                <a:cs typeface="Roboto"/>
+                <a:sym typeface="Roboto"/>
+              </a:defRPr>
+            </a:lvl8pPr>
+            <a:lvl9pPr marL="4114800" marR="0" lvl="8" indent="-317500" algn="l" rtl="0">
+              <a:lnSpc>
+                <a:spcPct val="115000"/>
+              </a:lnSpc>
+              <a:spcBef>
+                <a:spcPts val="0"/>
+              </a:spcBef>
+              <a:spcAft>
+                <a:spcPts val="0"/>
+              </a:spcAft>
+              <a:buClr>
+                <a:schemeClr val="dk1"/>
+              </a:buClr>
+              <a:buSzPts val="1400"/>
+              <a:buFont typeface="Roboto"/>
+              <a:buChar char="■"/>
+              <a:defRPr sz="1400" b="0" i="0" u="none" strike="noStrike" cap="none">
+                <a:solidFill>
+                  <a:schemeClr val="dk1"/>
+                </a:solidFill>
+                <a:latin typeface="Roboto"/>
+                <a:ea typeface="Roboto"/>
+                <a:cs typeface="Roboto"/>
+                <a:sym typeface="Roboto"/>
+              </a:defRPr>
+            </a:lvl9pPr>
+          </a:lstStyle>
+          <a:p>
+            <a:pPr marL="0" indent="0">
+              <a:buFont typeface="Roboto"/>
+              <a:buNone/>
+            </a:pPr>
+            <a:r>
+              <a:rPr lang="es-ES" sz="1000" dirty="0">
+                <a:solidFill>
+                  <a:srgbClr val="C00000"/>
+                </a:solidFill>
+                <a:highlight>
+                  <a:srgbClr val="C0C0C0"/>
+                </a:highlight>
+              </a:rPr>
+              <a:t>Plan de Respuesta a Incidentes (PRI - Basado en NIST SP 800-61):</a:t>
+            </a:r>
+          </a:p>
+          <a:p>
+            <a:pPr marL="0" indent="0">
+              <a:spcBef>
+                <a:spcPts val="1200"/>
+              </a:spcBef>
+              <a:buFont typeface="Roboto"/>
+              <a:buNone/>
+            </a:pPr>
+            <a:r>
+              <a:rPr lang="es-ES" sz="1000" dirty="0"/>
               <a:t>Objetivo: Minimizar el impacto y el tiempo de recuperación de futuros incidentes.</a:t>
             </a:r>
-            <a:endParaRPr/>
-          </a:p>
-          <a:p>
-            <a:pPr indent="0" lvl="0" marL="0" rtl="0" algn="l">
+          </a:p>
+          <a:p>
+            <a:pPr marL="0" indent="0">
               <a:spcBef>
                 <a:spcPts val="1200"/>
               </a:spcBef>
-              <a:spcAft>
-                <a:spcPts val="0"/>
-              </a:spcAft>
+              <a:buFont typeface="Roboto"/>
               <a:buNone/>
             </a:pPr>
             <a:r>
-              <a:rPr lang="pt-BR"/>
+              <a:rPr lang="es-ES" sz="1000" dirty="0"/>
               <a:t>Acciones Clave: Formar un equipo de respuesta, desarrollar guías de estrategias, implementar SIEM para el registro y la monitorización centralizados, y realizar simulacros de incidentes con regularidad.</a:t>
             </a:r>
-            <a:endParaRPr/>
-          </a:p>
-          <a:p>
-            <a:pPr indent="0" lvl="0" marL="0" rtl="0" algn="l">
+          </a:p>
+        </p:txBody>
+      </p:sp>
+      <p:sp>
+        <p:nvSpPr>
+          <p:cNvPr id="8" name="Google Shape;95;p18">
+            <a:extLst>
+              <a:ext uri="{FF2B5EF4-FFF2-40B4-BE49-F238E27FC236}">
+                <a16:creationId xmlns:a16="http://schemas.microsoft.com/office/drawing/2014/main" id="{7EED0517-0AC7-84AD-6DC8-428347B6709E}"/>
+              </a:ext>
+            </a:extLst>
+          </p:cNvPr>
+          <p:cNvSpPr txBox="1">
+            <a:spLocks/>
+          </p:cNvSpPr>
+          <p:nvPr/>
+        </p:nvSpPr>
+        <p:spPr>
+          <a:xfrm>
+            <a:off x="89002" y="2319271"/>
+            <a:ext cx="4297727" cy="2256713"/>
+          </a:xfrm>
+          <a:prstGeom prst="rect">
+            <a:avLst/>
+          </a:prstGeom>
+          <a:noFill/>
+          <a:ln>
+            <a:solidFill>
+              <a:schemeClr val="tx1"/>
+            </a:solidFill>
+          </a:ln>
+        </p:spPr>
+        <p:txBody>
+          <a:bodyPr spcFirstLastPara="1" wrap="square" lIns="91425" tIns="91425" rIns="91425" bIns="91425" anchor="t" anchorCtr="0">
+            <a:normAutofit/>
+          </a:bodyPr>
+          <a:lstStyle>
+            <a:defPPr marR="0" lvl="0" algn="l" rtl="0">
+              <a:lnSpc>
+                <a:spcPct val="100000"/>
+              </a:lnSpc>
+              <a:spcBef>
+                <a:spcPts val="0"/>
+              </a:spcBef>
+              <a:spcAft>
+                <a:spcPts val="0"/>
+              </a:spcAft>
+            </a:defPPr>
+            <a:lvl1pPr marL="457200" marR="0" lvl="0" indent="-342900" algn="l" rtl="0">
+              <a:lnSpc>
+                <a:spcPct val="115000"/>
+              </a:lnSpc>
+              <a:spcBef>
+                <a:spcPts val="0"/>
+              </a:spcBef>
+              <a:spcAft>
+                <a:spcPts val="0"/>
+              </a:spcAft>
+              <a:buClr>
+                <a:schemeClr val="dk1"/>
+              </a:buClr>
+              <a:buSzPts val="1800"/>
+              <a:buFont typeface="Roboto"/>
+              <a:buChar char="●"/>
+              <a:defRPr sz="1800" b="0" i="0" u="none" strike="noStrike" cap="none">
+                <a:solidFill>
+                  <a:schemeClr val="dk1"/>
+                </a:solidFill>
+                <a:latin typeface="Roboto"/>
+                <a:ea typeface="Roboto"/>
+                <a:cs typeface="Roboto"/>
+                <a:sym typeface="Roboto"/>
+              </a:defRPr>
+            </a:lvl1pPr>
+            <a:lvl2pPr marL="914400" marR="0" lvl="1" indent="-317500" algn="l" rtl="0">
+              <a:lnSpc>
+                <a:spcPct val="115000"/>
+              </a:lnSpc>
+              <a:spcBef>
+                <a:spcPts val="0"/>
+              </a:spcBef>
+              <a:spcAft>
+                <a:spcPts val="0"/>
+              </a:spcAft>
+              <a:buClr>
+                <a:schemeClr val="dk1"/>
+              </a:buClr>
+              <a:buSzPts val="1400"/>
+              <a:buFont typeface="Roboto"/>
+              <a:buChar char="○"/>
+              <a:defRPr sz="1400" b="0" i="0" u="none" strike="noStrike" cap="none">
+                <a:solidFill>
+                  <a:schemeClr val="dk1"/>
+                </a:solidFill>
+                <a:latin typeface="Roboto"/>
+                <a:ea typeface="Roboto"/>
+                <a:cs typeface="Roboto"/>
+                <a:sym typeface="Roboto"/>
+              </a:defRPr>
+            </a:lvl2pPr>
+            <a:lvl3pPr marL="1371600" marR="0" lvl="2" indent="-317500" algn="l" rtl="0">
+              <a:lnSpc>
+                <a:spcPct val="115000"/>
+              </a:lnSpc>
+              <a:spcBef>
+                <a:spcPts val="0"/>
+              </a:spcBef>
+              <a:spcAft>
+                <a:spcPts val="0"/>
+              </a:spcAft>
+              <a:buClr>
+                <a:schemeClr val="dk1"/>
+              </a:buClr>
+              <a:buSzPts val="1400"/>
+              <a:buFont typeface="Roboto"/>
+              <a:buChar char="■"/>
+              <a:defRPr sz="1400" b="0" i="0" u="none" strike="noStrike" cap="none">
+                <a:solidFill>
+                  <a:schemeClr val="dk1"/>
+                </a:solidFill>
+                <a:latin typeface="Roboto"/>
+                <a:ea typeface="Roboto"/>
+                <a:cs typeface="Roboto"/>
+                <a:sym typeface="Roboto"/>
+              </a:defRPr>
+            </a:lvl3pPr>
+            <a:lvl4pPr marL="1828800" marR="0" lvl="3" indent="-317500" algn="l" rtl="0">
+              <a:lnSpc>
+                <a:spcPct val="115000"/>
+              </a:lnSpc>
+              <a:spcBef>
+                <a:spcPts val="0"/>
+              </a:spcBef>
+              <a:spcAft>
+                <a:spcPts val="0"/>
+              </a:spcAft>
+              <a:buClr>
+                <a:schemeClr val="dk1"/>
+              </a:buClr>
+              <a:buSzPts val="1400"/>
+              <a:buFont typeface="Roboto"/>
+              <a:buChar char="●"/>
+              <a:defRPr sz="1400" b="0" i="0" u="none" strike="noStrike" cap="none">
+                <a:solidFill>
+                  <a:schemeClr val="dk1"/>
+                </a:solidFill>
+                <a:latin typeface="Roboto"/>
+                <a:ea typeface="Roboto"/>
+                <a:cs typeface="Roboto"/>
+                <a:sym typeface="Roboto"/>
+              </a:defRPr>
+            </a:lvl4pPr>
+            <a:lvl5pPr marL="2286000" marR="0" lvl="4" indent="-317500" algn="l" rtl="0">
+              <a:lnSpc>
+                <a:spcPct val="115000"/>
+              </a:lnSpc>
+              <a:spcBef>
+                <a:spcPts val="0"/>
+              </a:spcBef>
+              <a:spcAft>
+                <a:spcPts val="0"/>
+              </a:spcAft>
+              <a:buClr>
+                <a:schemeClr val="dk1"/>
+              </a:buClr>
+              <a:buSzPts val="1400"/>
+              <a:buFont typeface="Roboto"/>
+              <a:buChar char="○"/>
+              <a:defRPr sz="1400" b="0" i="0" u="none" strike="noStrike" cap="none">
+                <a:solidFill>
+                  <a:schemeClr val="dk1"/>
+                </a:solidFill>
+                <a:latin typeface="Roboto"/>
+                <a:ea typeface="Roboto"/>
+                <a:cs typeface="Roboto"/>
+                <a:sym typeface="Roboto"/>
+              </a:defRPr>
+            </a:lvl5pPr>
+            <a:lvl6pPr marL="2743200" marR="0" lvl="5" indent="-317500" algn="l" rtl="0">
+              <a:lnSpc>
+                <a:spcPct val="115000"/>
+              </a:lnSpc>
+              <a:spcBef>
+                <a:spcPts val="0"/>
+              </a:spcBef>
+              <a:spcAft>
+                <a:spcPts val="0"/>
+              </a:spcAft>
+              <a:buClr>
+                <a:schemeClr val="dk1"/>
+              </a:buClr>
+              <a:buSzPts val="1400"/>
+              <a:buFont typeface="Roboto"/>
+              <a:buChar char="■"/>
+              <a:defRPr sz="1400" b="0" i="0" u="none" strike="noStrike" cap="none">
+                <a:solidFill>
+                  <a:schemeClr val="dk1"/>
+                </a:solidFill>
+                <a:latin typeface="Roboto"/>
+                <a:ea typeface="Roboto"/>
+                <a:cs typeface="Roboto"/>
+                <a:sym typeface="Roboto"/>
+              </a:defRPr>
+            </a:lvl6pPr>
+            <a:lvl7pPr marL="3200400" marR="0" lvl="6" indent="-317500" algn="l" rtl="0">
+              <a:lnSpc>
+                <a:spcPct val="115000"/>
+              </a:lnSpc>
+              <a:spcBef>
+                <a:spcPts val="0"/>
+              </a:spcBef>
+              <a:spcAft>
+                <a:spcPts val="0"/>
+              </a:spcAft>
+              <a:buClr>
+                <a:schemeClr val="dk1"/>
+              </a:buClr>
+              <a:buSzPts val="1400"/>
+              <a:buFont typeface="Roboto"/>
+              <a:buChar char="●"/>
+              <a:defRPr sz="1400" b="0" i="0" u="none" strike="noStrike" cap="none">
+                <a:solidFill>
+                  <a:schemeClr val="dk1"/>
+                </a:solidFill>
+                <a:latin typeface="Roboto"/>
+                <a:ea typeface="Roboto"/>
+                <a:cs typeface="Roboto"/>
+                <a:sym typeface="Roboto"/>
+              </a:defRPr>
+            </a:lvl7pPr>
+            <a:lvl8pPr marL="3657600" marR="0" lvl="7" indent="-317500" algn="l" rtl="0">
+              <a:lnSpc>
+                <a:spcPct val="115000"/>
+              </a:lnSpc>
+              <a:spcBef>
+                <a:spcPts val="0"/>
+              </a:spcBef>
+              <a:spcAft>
+                <a:spcPts val="0"/>
+              </a:spcAft>
+              <a:buClr>
+                <a:schemeClr val="dk1"/>
+              </a:buClr>
+              <a:buSzPts val="1400"/>
+              <a:buFont typeface="Roboto"/>
+              <a:buChar char="○"/>
+              <a:defRPr sz="1400" b="0" i="0" u="none" strike="noStrike" cap="none">
+                <a:solidFill>
+                  <a:schemeClr val="dk1"/>
+                </a:solidFill>
+                <a:latin typeface="Roboto"/>
+                <a:ea typeface="Roboto"/>
+                <a:cs typeface="Roboto"/>
+                <a:sym typeface="Roboto"/>
+              </a:defRPr>
+            </a:lvl8pPr>
+            <a:lvl9pPr marL="4114800" marR="0" lvl="8" indent="-317500" algn="l" rtl="0">
+              <a:lnSpc>
+                <a:spcPct val="115000"/>
+              </a:lnSpc>
+              <a:spcBef>
+                <a:spcPts val="0"/>
+              </a:spcBef>
+              <a:spcAft>
+                <a:spcPts val="0"/>
+              </a:spcAft>
+              <a:buClr>
+                <a:schemeClr val="dk1"/>
+              </a:buClr>
+              <a:buSzPts val="1400"/>
+              <a:buFont typeface="Roboto"/>
+              <a:buChar char="■"/>
+              <a:defRPr sz="1400" b="0" i="0" u="none" strike="noStrike" cap="none">
+                <a:solidFill>
+                  <a:schemeClr val="dk1"/>
+                </a:solidFill>
+                <a:latin typeface="Roboto"/>
+                <a:ea typeface="Roboto"/>
+                <a:cs typeface="Roboto"/>
+                <a:sym typeface="Roboto"/>
+              </a:defRPr>
+            </a:lvl9pPr>
+          </a:lstStyle>
+          <a:p>
+            <a:pPr marL="0" indent="0">
               <a:spcBef>
                 <a:spcPts val="1200"/>
               </a:spcBef>
-              <a:spcAft>
-                <a:spcPts val="0"/>
-              </a:spcAft>
+              <a:buFont typeface="Roboto"/>
               <a:buNone/>
             </a:pPr>
             <a:r>
-              <a:rPr lang="pt-BR"/>
-              <a:t>B. Fortalecer la Protección de Datos:</a:t>
+              <a:rPr lang="es-ES" sz="1000" dirty="0">
+                <a:solidFill>
+                  <a:srgbClr val="C00000"/>
+                </a:solidFill>
+                <a:highlight>
+                  <a:srgbClr val="C0C0C0"/>
+                </a:highlight>
+              </a:rPr>
+              <a:t>Fortalecer la Protección de Datos</a:t>
             </a:r>
-            <a:endParaRPr/>
-          </a:p>
-          <a:p>
-            <a:pPr indent="0" lvl="0" marL="0" rtl="0" algn="l">
+            <a:r>
+              <a:rPr lang="es-ES" sz="1000" dirty="0">
+                <a:solidFill>
+                  <a:schemeClr val="bg2"/>
+                </a:solidFill>
+                <a:highlight>
+                  <a:srgbClr val="C0C0C0"/>
+                </a:highlight>
+              </a:rPr>
+              <a:t>:</a:t>
+            </a:r>
+          </a:p>
+          <a:p>
+            <a:pPr marL="0" indent="0">
               <a:spcBef>
                 <a:spcPts val="1200"/>
               </a:spcBef>
-              <a:spcAft>
-                <a:spcPts val="0"/>
-              </a:spcAft>
+              <a:buFont typeface="Roboto"/>
               <a:buNone/>
             </a:pPr>
             <a:r>
-              <a:rPr lang="pt-BR"/>
+              <a:rPr lang="es-ES" sz="1000" dirty="0"/>
               <a:t>Copias de Seguridad Robustas: Implementar y probar rigurosamente políticas de copias de seguridad periódicas (externas, aisladas).</a:t>
             </a:r>
-            <a:endParaRPr/>
-          </a:p>
-          <a:p>
-            <a:pPr indent="0" lvl="0" marL="0" rtl="0" algn="l">
+          </a:p>
+          <a:p>
+            <a:pPr marL="0" indent="0">
               <a:spcBef>
                 <a:spcPts val="1200"/>
               </a:spcBef>
-              <a:spcAft>
-                <a:spcPts val="0"/>
-              </a:spcAft>
+              <a:buFont typeface="Roboto"/>
               <a:buNone/>
             </a:pPr>
             <a:r>
-              <a:rPr lang="pt-BR"/>
+              <a:rPr lang="es-ES" sz="1000" dirty="0"/>
               <a:t>Cifrado Integral: Cifrar datos en tránsito (se requiere HTTPS) y en reposo.</a:t>
             </a:r>
-            <a:endParaRPr/>
-          </a:p>
-          <a:p>
-            <a:pPr indent="0" lvl="0" marL="0" rtl="0" algn="l">
+          </a:p>
+          <a:p>
+            <a:pPr marL="0" indent="0">
               <a:spcBef>
                 <a:spcPts val="1200"/>
               </a:spcBef>
-              <a:spcAft>
-                <a:spcPts val="0"/>
-              </a:spcAft>
+              <a:buFont typeface="Roboto"/>
               <a:buNone/>
             </a:pPr>
             <a:r>
-              <a:rPr lang="pt-BR"/>
-              <a:t>Controles de Acceso Estrictos: Implementar la Autenticación Multifactor (MFA) para el acceso crítico, una política de contraseñas robusta y adherirse al Principio de Mínimo Privilegio.</a:t>
-            </a:r>
-            <a:endParaRPr/>
-          </a:p>
-          <a:p>
-            <a:pPr indent="0" lvl="0" marL="0" rtl="0" algn="l">
-              <a:spcBef>
-                <a:spcPts val="1200"/>
-              </a:spcBef>
-              <a:spcAft>
-                <a:spcPts val="0"/>
-              </a:spcAft>
-              <a:buNone/>
-            </a:pPr>
-            <a:r>
-              <a:rPr lang="pt-BR"/>
-              <a:t>C. Implementación de un SGSI (Sistema de Gestión de Seguridad de la Información) - ISO 27001:</a:t>
-            </a:r>
-            <a:endParaRPr/>
-          </a:p>
-          <a:p>
-            <a:pPr indent="0" lvl="0" marL="0" rtl="0" algn="l">
-              <a:spcBef>
-                <a:spcPts val="1200"/>
-              </a:spcBef>
-              <a:spcAft>
-                <a:spcPts val="0"/>
-              </a:spcAft>
-              <a:buNone/>
-            </a:pPr>
-            <a:r>
-              <a:rPr lang="pt-BR"/>
-              <a:t>Objetivo: Adoptar un marco reconocido internacionalmente para la gestión continua de la seguridad de la información.</a:t>
-            </a:r>
-            <a:endParaRPr/>
-          </a:p>
-          <a:p>
-            <a:pPr indent="0" lvl="0" marL="0" rtl="0" algn="l">
-              <a:spcBef>
-                <a:spcPts val="1200"/>
-              </a:spcBef>
-              <a:spcAft>
-                <a:spcPts val="0"/>
-              </a:spcAft>
-              <a:buNone/>
-            </a:pPr>
-            <a:r>
-              <a:rPr lang="pt-BR"/>
-              <a:t>Beneficios: Reducción de riesgos, cumplimiento normativo, mejora de la reputación.</a:t>
-            </a:r>
-            <a:endParaRPr/>
-          </a:p>
-          <a:p>
-            <a:pPr indent="0" lvl="0" marL="0" rtl="0" algn="l">
-              <a:spcBef>
-                <a:spcPts val="1200"/>
-              </a:spcBef>
-              <a:spcAft>
-                <a:spcPts val="0"/>
-              </a:spcAft>
-              <a:buNone/>
-            </a:pPr>
-            <a:r>
-              <a:rPr lang="pt-BR"/>
-              <a:t>Acciones Clave: Análisis de riesgos, políticas de seguridad, controles tecnológicos (WAF, r</a:t>
+              <a:rPr lang="es-ES" sz="1000" dirty="0"/>
+              <a:t>Controles de Acceso Estrictos: Implementar la Autenticación </a:t>
             </a:r>
             <a:r>
-              <a:rPr lang="pt-BR"/>
-              <a:t>e</a:t>
+              <a:rPr lang="es-ES" sz="1000" dirty="0" err="1"/>
+              <a:t>Multifactor</a:t>
             </a:r>
             <a:r>
-              <a:rPr lang="pt-BR"/>
-              <a:t>forzamiento, parches) y mejora continua.</a:t>
+              <a:rPr lang="es-ES" sz="1000" dirty="0"/>
+              <a:t> (MFA) para el acceso crítico, una política de contraseñas robusta y adherirse al Principio de Mínimo Privilegio.</a:t>
             </a:r>
-            <a:endParaRPr/>
-          </a:p>
-          <a:p>
-            <a:pPr indent="0" lvl="0" marL="0" rtl="0" algn="l">
-              <a:spcBef>
-                <a:spcPts val="1200"/>
-              </a:spcBef>
-              <a:spcAft>
-                <a:spcPts val="1200"/>
-              </a:spcAft>
-              <a:buNone/>
-            </a:pPr>
-            <a:r>
-              <a:rPr lang="pt-BR"/>
-              <a:t>Objetivo: Presentar soluciones a largo plazo para fortalecer la seguridad, vinculándolas con beneficios estratégicos para la empresa.</a:t>
-            </a:r>
-            <a:endParaRPr/>
           </a:p>
         </p:txBody>
       </p:sp>
@@ -7858,11 +9829,11 @@
 </file>
 
 <file path=ppt/slides/slide7.xml><?xml version="1.0" encoding="utf-8"?>
-<p:sld xmlns:a="http://schemas.openxmlformats.org/drawingml/2006/main" xmlns:r="http://schemas.openxmlformats.org/officeDocument/2006/relationships" xmlns:mc="http://schemas.openxmlformats.org/markup-compatibility/2006" xmlns:mv="urn:schemas-microsoft-com:mac:vml" xmlns:p="http://schemas.openxmlformats.org/presentationml/2006/main" xmlns:c="http://schemas.openxmlformats.org/drawingml/2006/chart" xmlns:dgm="http://schemas.openxmlformats.org/drawingml/2006/diagram" xmlns:o="urn:schemas-microsoft-com:office:office" xmlns:v="urn:schemas-microsoft-com:vml" xmlns:pvml="urn:schemas-microsoft-com:office:powerpoint" xmlns:com="http://schemas.openxmlformats.org/drawingml/2006/compatibility" xmlns:p14="http://schemas.microsoft.com/office/powerpoint/2010/main" xmlns:p15="http://schemas.microsoft.com/office/powerpoint/2012/main" xmlns:ahyp="http://schemas.microsoft.com/office/drawing/2018/hyperlinkcolor">
+<p:sld xmlns:a="http://schemas.openxmlformats.org/drawingml/2006/main" xmlns:r="http://schemas.openxmlformats.org/officeDocument/2006/relationships" xmlns:p="http://schemas.openxmlformats.org/presentationml/2006/main">
   <p:cSld>
     <p:spTree>
       <p:nvGrpSpPr>
-        <p:cNvPr id="99" name="Shape 99"/>
+        <p:cNvPr id="1" name="Shape 99"/>
         <p:cNvGrpSpPr/>
         <p:nvPr/>
       </p:nvGrpSpPr>
@@ -7877,7 +9848,9 @@
       <p:sp>
         <p:nvSpPr>
           <p:cNvPr id="100" name="Google Shape;100;p19"/>
-          <p:cNvSpPr txBox="1"/>
+          <p:cNvSpPr txBox="1">
+            <a:spLocks noGrp="1"/>
+          </p:cNvSpPr>
           <p:nvPr>
             <p:ph type="title"/>
           </p:nvPr>
@@ -7892,12 +9865,12 @@
           </a:prstGeom>
         </p:spPr>
         <p:txBody>
-          <a:bodyPr anchorCtr="0" anchor="b" bIns="91425" lIns="91425" spcFirstLastPara="1" rIns="91425" wrap="square" tIns="91425">
+          <a:bodyPr spcFirstLastPara="1" wrap="square" lIns="91425" tIns="91425" rIns="91425" bIns="91425" anchor="b" anchorCtr="0">
             <a:normAutofit/>
           </a:bodyPr>
           <a:lstStyle/>
           <a:p>
-            <a:pPr indent="0" lvl="0" marL="0" rtl="0" algn="l">
+            <a:pPr marL="0" lvl="0" indent="0" algn="l" rtl="0">
               <a:spcBef>
                 <a:spcPts val="0"/>
               </a:spcBef>
@@ -7907,19 +9880,24 @@
               <a:buNone/>
             </a:pPr>
             <a:r>
-              <a:rPr lang="pt-BR"/>
+              <a:rPr lang="es-ES" noProof="0" dirty="0">
+                <a:solidFill>
+                  <a:srgbClr val="FF5050"/>
+                </a:solidFill>
+              </a:rPr>
               <a:t>Próximos pasos y solicitud</a:t>
             </a:r>
-            <a:endParaRPr/>
           </a:p>
         </p:txBody>
       </p:sp>
       <p:sp>
         <p:nvSpPr>
           <p:cNvPr id="101" name="Google Shape;101;p19"/>
-          <p:cNvSpPr txBox="1"/>
+          <p:cNvSpPr txBox="1">
+            <a:spLocks noGrp="1"/>
+          </p:cNvSpPr>
           <p:nvPr>
-            <p:ph idx="1" type="body"/>
+            <p:ph type="body" idx="1"/>
           </p:nvPr>
         </p:nvSpPr>
         <p:spPr>
@@ -7932,81 +9910,251 @@
           </a:prstGeom>
         </p:spPr>
         <p:txBody>
-          <a:bodyPr anchorCtr="0" anchor="t" bIns="91425" lIns="91425" spcFirstLastPara="1" rIns="91425" wrap="square" tIns="91425">
-            <a:normAutofit lnSpcReduction="20000"/>
+          <a:bodyPr spcFirstLastPara="1" wrap="square" lIns="91425" tIns="91425" rIns="91425" bIns="91425" anchor="t" anchorCtr="0">
+            <a:normAutofit fontScale="92500" lnSpcReduction="20000"/>
           </a:bodyPr>
           <a:lstStyle/>
           <a:p>
-            <a:pPr indent="0" lvl="0" marL="0" rtl="0" algn="l">
-              <a:spcBef>
-                <a:spcPts val="0"/>
-              </a:spcBef>
-              <a:spcAft>
-                <a:spcPts val="0"/>
-              </a:spcAft>
-              <a:buNone/>
+            <a:pPr marL="285750" indent="-285750"/>
+            <a:r>
+              <a:rPr lang="es-ES" b="1" u="sng" noProof="0" dirty="0"/>
+              <a:t>Aprobación</a:t>
+            </a:r>
+            <a:r>
+              <a:rPr lang="es-ES" noProof="0" dirty="0"/>
+              <a:t>: Solicitar la aprobación de la gerencia para iniciar la fase de implementación de estas recomendaciones estratégicas.</a:t>
+            </a:r>
+          </a:p>
+          <a:p>
+            <a:pPr marL="285750" indent="-285750">
+              <a:spcBef>
+                <a:spcPts val="1200"/>
+              </a:spcBef>
             </a:pPr>
             <a:r>
-              <a:rPr lang="pt-BR"/>
-              <a:t>Aprobación: Solicitar la aprobación de la gerencia para iniciar la fase de implementación de estas recomendaciones estratégicas.</a:t>
+              <a:rPr lang="es-ES" b="1" u="sng" noProof="0" dirty="0"/>
+              <a:t>Recursos</a:t>
             </a:r>
-            <a:endParaRPr/>
-          </a:p>
-          <a:p>
-            <a:pPr indent="0" lvl="0" marL="0" rtl="0" algn="l">
+            <a:r>
+              <a:rPr lang="es-ES" noProof="0" dirty="0"/>
+              <a:t>: Es necesario asignar presupuesto y personal cualificado para los proyectos de IRS y SGSI.</a:t>
+            </a:r>
+          </a:p>
+          <a:p>
+            <a:pPr marL="285750" indent="-285750">
               <a:spcBef>
                 <a:spcPts val="1200"/>
               </a:spcBef>
-              <a:spcAft>
-                <a:spcPts val="0"/>
-              </a:spcAft>
-              <a:buNone/>
             </a:pPr>
             <a:r>
-              <a:rPr lang="pt-BR"/>
-              <a:t>Recursos: Es necesario asignar presupuesto y pers</a:t>
+              <a:rPr lang="es-ES" b="1" u="sng" noProof="0" dirty="0"/>
+              <a:t>Plazo estimado</a:t>
             </a:r>
             <a:r>
-              <a:rPr lang="pt-BR"/>
-              <a:t>o</a:t>
+              <a:rPr lang="es-ES" noProof="0" dirty="0"/>
+              <a:t>: de 3 a 6 meses para la implementación inicial de IRS y los controles más urgentes; de 12 a 18 meses para obtener la certificación ISO 27001.</a:t>
+            </a:r>
+          </a:p>
+          <a:p>
+            <a:pPr marL="285750" indent="-285750">
+              <a:spcBef>
+                <a:spcPts val="1200"/>
+              </a:spcBef>
+              <a:spcAft>
+                <a:spcPts val="1200"/>
+              </a:spcAft>
+            </a:pPr>
+            <a:r>
+              <a:rPr lang="es-ES" b="1" u="sng" noProof="0" dirty="0"/>
+              <a:t>Objetivo</a:t>
             </a:r>
             <a:r>
-              <a:rPr lang="pt-BR"/>
-              <a:t>nal cualificado para los proyectos de IRS y SGSI.</a:t>
+              <a:rPr lang="es-ES" noProof="0" dirty="0"/>
+              <a:t>: Instar a la gerencia a actuar describiendo los recursos necesarios y un cronograma para los próximos pasos.</a:t>
             </a:r>
-            <a:endParaRPr/>
-          </a:p>
-          <a:p>
-            <a:pPr indent="0" lvl="0" marL="0" rtl="0" algn="l">
-              <a:spcBef>
-                <a:spcPts val="1200"/>
-              </a:spcBef>
-              <a:spcAft>
-                <a:spcPts val="0"/>
-              </a:spcAft>
-              <a:buNone/>
-            </a:pPr>
+          </a:p>
+        </p:txBody>
+      </p:sp>
+      <p:pic>
+        <p:nvPicPr>
+          <p:cNvPr id="2" name="Imagen 1">
+            <a:extLst>
+              <a:ext uri="{FF2B5EF4-FFF2-40B4-BE49-F238E27FC236}">
+                <a16:creationId xmlns:a16="http://schemas.microsoft.com/office/drawing/2014/main" id="{76B9BE5E-9569-2B79-C98C-D340C5B0192C}"/>
+              </a:ext>
+            </a:extLst>
+          </p:cNvPr>
+          <p:cNvPicPr>
+            <a:picLocks noChangeAspect="1"/>
+          </p:cNvPicPr>
+          <p:nvPr/>
+        </p:nvPicPr>
+        <p:blipFill>
+          <a:blip r:embed="rId3"/>
+          <a:stretch>
+            <a:fillRect/>
+          </a:stretch>
+        </p:blipFill>
+        <p:spPr>
+          <a:xfrm>
+            <a:off x="8541470" y="98858"/>
+            <a:ext cx="538452" cy="538452"/>
+          </a:xfrm>
+          <a:prstGeom prst="rect">
+            <a:avLst/>
+          </a:prstGeom>
+        </p:spPr>
+      </p:pic>
+      <p:cxnSp>
+        <p:nvCxnSpPr>
+          <p:cNvPr id="3" name="Conector recto 2">
+            <a:extLst>
+              <a:ext uri="{FF2B5EF4-FFF2-40B4-BE49-F238E27FC236}">
+                <a16:creationId xmlns:a16="http://schemas.microsoft.com/office/drawing/2014/main" id="{097C6706-C069-ABF4-987F-0E1A1A3A8C4E}"/>
+              </a:ext>
+            </a:extLst>
+          </p:cNvPr>
+          <p:cNvCxnSpPr/>
+          <p:nvPr/>
+        </p:nvCxnSpPr>
+        <p:spPr>
+          <a:xfrm>
+            <a:off x="69272" y="4777639"/>
+            <a:ext cx="8894619" cy="0"/>
+          </a:xfrm>
+          <a:prstGeom prst="line">
+            <a:avLst/>
+          </a:prstGeom>
+        </p:spPr>
+        <p:style>
+          <a:lnRef idx="1">
+            <a:schemeClr val="dk1"/>
+          </a:lnRef>
+          <a:fillRef idx="0">
+            <a:schemeClr val="dk1"/>
+          </a:fillRef>
+          <a:effectRef idx="0">
+            <a:schemeClr val="dk1"/>
+          </a:effectRef>
+          <a:fontRef idx="minor">
+            <a:schemeClr val="tx1"/>
+          </a:fontRef>
+        </p:style>
+      </p:cxnSp>
+      <p:sp>
+        <p:nvSpPr>
+          <p:cNvPr id="4" name="CuadroTexto 3">
+            <a:extLst>
+              <a:ext uri="{FF2B5EF4-FFF2-40B4-BE49-F238E27FC236}">
+                <a16:creationId xmlns:a16="http://schemas.microsoft.com/office/drawing/2014/main" id="{9F634BAA-A2D0-FE2A-7AC1-800DEAF76BCC}"/>
+              </a:ext>
+            </a:extLst>
+          </p:cNvPr>
+          <p:cNvSpPr txBox="1"/>
+          <p:nvPr/>
+        </p:nvSpPr>
+        <p:spPr>
+          <a:xfrm>
+            <a:off x="69272" y="4777639"/>
+            <a:ext cx="1119193" cy="246221"/>
+          </a:xfrm>
+          <a:prstGeom prst="rect">
+            <a:avLst/>
+          </a:prstGeom>
+          <a:noFill/>
+        </p:spPr>
+        <p:txBody>
+          <a:bodyPr wrap="square" rtlCol="0">
+            <a:spAutoFit/>
+          </a:bodyPr>
+          <a:lstStyle/>
+          <a:p>
             <a:r>
-              <a:rPr lang="pt-BR"/>
-              <a:t>Plazo estimado: de 3 a 6 meses para la implementación inicial de IRS y los controles más urgentes; de 12 a 18 meses para obtener la certificación ISO 27001.</a:t>
+              <a:rPr lang="es-ES" sz="1000" noProof="0" dirty="0">
+                <a:solidFill>
+                  <a:schemeClr val="tx1"/>
+                </a:solidFill>
+              </a:rPr>
+              <a:t>Proyecto final</a:t>
             </a:r>
-            <a:endParaRPr/>
-          </a:p>
-          <a:p>
-            <a:pPr indent="0" lvl="0" marL="0" rtl="0" algn="l">
-              <a:spcBef>
-                <a:spcPts val="1200"/>
-              </a:spcBef>
-              <a:spcAft>
-                <a:spcPts val="1200"/>
-              </a:spcAft>
-              <a:buNone/>
-            </a:pPr>
+          </a:p>
+        </p:txBody>
+      </p:sp>
+      <p:sp>
+        <p:nvSpPr>
+          <p:cNvPr id="5" name="CuadroTexto 4">
+            <a:extLst>
+              <a:ext uri="{FF2B5EF4-FFF2-40B4-BE49-F238E27FC236}">
+                <a16:creationId xmlns:a16="http://schemas.microsoft.com/office/drawing/2014/main" id="{45BFAC26-FB15-BBBF-8F9A-CB54E4E8461E}"/>
+              </a:ext>
+            </a:extLst>
+          </p:cNvPr>
+          <p:cNvSpPr txBox="1"/>
+          <p:nvPr/>
+        </p:nvSpPr>
+        <p:spPr>
+          <a:xfrm>
+            <a:off x="3893126" y="4777639"/>
+            <a:ext cx="1119193" cy="246221"/>
+          </a:xfrm>
+          <a:prstGeom prst="rect">
+            <a:avLst/>
+          </a:prstGeom>
+          <a:noFill/>
+        </p:spPr>
+        <p:txBody>
+          <a:bodyPr wrap="square" rtlCol="0">
+            <a:spAutoFit/>
+          </a:bodyPr>
+          <a:lstStyle/>
+          <a:p>
             <a:r>
-              <a:rPr lang="pt-BR"/>
-              <a:t>Objetivo: Instar a la gerencia a actuar describiendo los recursos necesarios y un cronograma para los próximos pasos.</a:t>
+              <a:rPr lang="es-ES" sz="1000" noProof="0" dirty="0">
+                <a:solidFill>
+                  <a:schemeClr val="tx1"/>
+                </a:solidFill>
+              </a:rPr>
+              <a:t>Julio 2025</a:t>
             </a:r>
-            <a:endParaRPr/>
+          </a:p>
+        </p:txBody>
+      </p:sp>
+      <p:sp>
+        <p:nvSpPr>
+          <p:cNvPr id="6" name="CuadroTexto 5">
+            <a:extLst>
+              <a:ext uri="{FF2B5EF4-FFF2-40B4-BE49-F238E27FC236}">
+                <a16:creationId xmlns:a16="http://schemas.microsoft.com/office/drawing/2014/main" id="{E8CC7251-306E-87D5-8568-AE1DBE745F44}"/>
+              </a:ext>
+            </a:extLst>
+          </p:cNvPr>
+          <p:cNvSpPr txBox="1"/>
+          <p:nvPr/>
+        </p:nvSpPr>
+        <p:spPr>
+          <a:xfrm>
+            <a:off x="8136519" y="4777639"/>
+            <a:ext cx="1119193" cy="246221"/>
+          </a:xfrm>
+          <a:prstGeom prst="rect">
+            <a:avLst/>
+          </a:prstGeom>
+          <a:noFill/>
+        </p:spPr>
+        <p:txBody>
+          <a:bodyPr wrap="square" rtlCol="0">
+            <a:spAutoFit/>
+          </a:bodyPr>
+          <a:lstStyle/>
+          <a:p>
+            <a:r>
+              <a:rPr lang="es-ES" sz="1000" noProof="0" dirty="0">
+                <a:solidFill>
+                  <a:schemeClr val="tx1"/>
+                </a:solidFill>
+              </a:rPr>
+              <a:t>Paco Aguiar</a:t>
+            </a:r>
           </a:p>
         </p:txBody>
       </p:sp>
@@ -8019,11 +10167,11 @@
 </file>
 
 <file path=ppt/slides/slide8.xml><?xml version="1.0" encoding="utf-8"?>
-<p:sld xmlns:a="http://schemas.openxmlformats.org/drawingml/2006/main" xmlns:r="http://schemas.openxmlformats.org/officeDocument/2006/relationships" xmlns:mc="http://schemas.openxmlformats.org/markup-compatibility/2006" xmlns:mv="urn:schemas-microsoft-com:mac:vml" xmlns:p="http://schemas.openxmlformats.org/presentationml/2006/main" xmlns:c="http://schemas.openxmlformats.org/drawingml/2006/chart" xmlns:dgm="http://schemas.openxmlformats.org/drawingml/2006/diagram" xmlns:o="urn:schemas-microsoft-com:office:office" xmlns:v="urn:schemas-microsoft-com:vml" xmlns:pvml="urn:schemas-microsoft-com:office:powerpoint" xmlns:com="http://schemas.openxmlformats.org/drawingml/2006/compatibility" xmlns:p14="http://schemas.microsoft.com/office/powerpoint/2010/main" xmlns:p15="http://schemas.microsoft.com/office/powerpoint/2012/main" xmlns:ahyp="http://schemas.microsoft.com/office/drawing/2018/hyperlinkcolor">
+<p:sld xmlns:a="http://schemas.openxmlformats.org/drawingml/2006/main" xmlns:r="http://schemas.openxmlformats.org/officeDocument/2006/relationships" xmlns:p="http://schemas.openxmlformats.org/presentationml/2006/main">
   <p:cSld>
     <p:spTree>
       <p:nvGrpSpPr>
-        <p:cNvPr id="105" name="Shape 105"/>
+        <p:cNvPr id="1" name="Shape 105"/>
         <p:cNvGrpSpPr/>
         <p:nvPr/>
       </p:nvGrpSpPr>
@@ -8038,27 +10186,29 @@
       <p:sp>
         <p:nvSpPr>
           <p:cNvPr id="106" name="Google Shape;106;p20"/>
-          <p:cNvSpPr txBox="1"/>
+          <p:cNvSpPr txBox="1">
+            <a:spLocks noGrp="1"/>
+          </p:cNvSpPr>
           <p:nvPr>
             <p:ph type="title"/>
           </p:nvPr>
         </p:nvSpPr>
         <p:spPr>
           <a:xfrm>
-            <a:off x="387900" y="458025"/>
-            <a:ext cx="8368200" cy="2697000"/>
+            <a:off x="268650" y="290946"/>
+            <a:ext cx="7988687" cy="969817"/>
           </a:xfrm>
           <a:prstGeom prst="rect">
             <a:avLst/>
           </a:prstGeom>
         </p:spPr>
         <p:txBody>
-          <a:bodyPr anchorCtr="0" anchor="b" bIns="91425" lIns="91425" spcFirstLastPara="1" rIns="91425" wrap="square" tIns="91425">
+          <a:bodyPr spcFirstLastPara="1" wrap="square" lIns="91425" tIns="91425" rIns="91425" bIns="91425" anchor="b" anchorCtr="0">
             <a:normAutofit/>
           </a:bodyPr>
           <a:lstStyle/>
           <a:p>
-            <a:pPr indent="0" lvl="0" marL="0" rtl="0" algn="l">
+            <a:pPr marL="0" lvl="0" indent="0" algn="ctr" rtl="0">
               <a:spcBef>
                 <a:spcPts val="0"/>
               </a:spcBef>
@@ -8068,10 +10218,770 @@
               <a:buNone/>
             </a:pPr>
             <a:r>
-              <a:rPr lang="pt-BR" sz="4600"/>
-              <a:t>FIN DE LA PRESENTACIÓN Y AHORA ESTOY ABIERTO A PREGUNTAS DEL PÚBLICO</a:t>
+              <a:rPr lang="es-ES" sz="4600" noProof="0" dirty="0"/>
+              <a:t>FIN DE LA PRESENTACIÓN </a:t>
             </a:r>
-            <a:endParaRPr sz="4600"/>
+          </a:p>
+        </p:txBody>
+      </p:sp>
+      <p:pic>
+        <p:nvPicPr>
+          <p:cNvPr id="2" name="Imagen 1">
+            <a:extLst>
+              <a:ext uri="{FF2B5EF4-FFF2-40B4-BE49-F238E27FC236}">
+                <a16:creationId xmlns:a16="http://schemas.microsoft.com/office/drawing/2014/main" id="{C0060461-042F-36A4-5EBE-C3FE3B924A77}"/>
+              </a:ext>
+            </a:extLst>
+          </p:cNvPr>
+          <p:cNvPicPr>
+            <a:picLocks noChangeAspect="1"/>
+          </p:cNvPicPr>
+          <p:nvPr/>
+        </p:nvPicPr>
+        <p:blipFill>
+          <a:blip r:embed="rId3"/>
+          <a:stretch>
+            <a:fillRect/>
+          </a:stretch>
+        </p:blipFill>
+        <p:spPr>
+          <a:xfrm>
+            <a:off x="8541470" y="98858"/>
+            <a:ext cx="538452" cy="538452"/>
+          </a:xfrm>
+          <a:prstGeom prst="rect">
+            <a:avLst/>
+          </a:prstGeom>
+        </p:spPr>
+      </p:pic>
+      <p:sp>
+        <p:nvSpPr>
+          <p:cNvPr id="3" name="CuadroTexto 2">
+            <a:extLst>
+              <a:ext uri="{FF2B5EF4-FFF2-40B4-BE49-F238E27FC236}">
+                <a16:creationId xmlns:a16="http://schemas.microsoft.com/office/drawing/2014/main" id="{776C087E-9128-E723-1469-B90FE4114947}"/>
+              </a:ext>
+            </a:extLst>
+          </p:cNvPr>
+          <p:cNvSpPr txBox="1"/>
+          <p:nvPr/>
+        </p:nvSpPr>
+        <p:spPr>
+          <a:xfrm>
+            <a:off x="8136519" y="4777639"/>
+            <a:ext cx="1119193" cy="246221"/>
+          </a:xfrm>
+          <a:prstGeom prst="rect">
+            <a:avLst/>
+          </a:prstGeom>
+          <a:noFill/>
+        </p:spPr>
+        <p:txBody>
+          <a:bodyPr wrap="square" rtlCol="0">
+            <a:spAutoFit/>
+          </a:bodyPr>
+          <a:lstStyle/>
+          <a:p>
+            <a:r>
+              <a:rPr lang="es-ES" sz="1000" noProof="0" dirty="0">
+                <a:solidFill>
+                  <a:schemeClr val="tx1"/>
+                </a:solidFill>
+              </a:rPr>
+              <a:t>Paco Aguiar</a:t>
+            </a:r>
+          </a:p>
+        </p:txBody>
+      </p:sp>
+      <p:sp>
+        <p:nvSpPr>
+          <p:cNvPr id="5" name="CuadroTexto 4">
+            <a:extLst>
+              <a:ext uri="{FF2B5EF4-FFF2-40B4-BE49-F238E27FC236}">
+                <a16:creationId xmlns:a16="http://schemas.microsoft.com/office/drawing/2014/main" id="{4A0EC148-295C-9C1A-CC8A-25DCC7E9D0A7}"/>
+              </a:ext>
+            </a:extLst>
+          </p:cNvPr>
+          <p:cNvSpPr txBox="1"/>
+          <p:nvPr/>
+        </p:nvSpPr>
+        <p:spPr>
+          <a:xfrm>
+            <a:off x="3893126" y="4777639"/>
+            <a:ext cx="1119193" cy="246221"/>
+          </a:xfrm>
+          <a:prstGeom prst="rect">
+            <a:avLst/>
+          </a:prstGeom>
+          <a:noFill/>
+        </p:spPr>
+        <p:txBody>
+          <a:bodyPr wrap="square" rtlCol="0">
+            <a:spAutoFit/>
+          </a:bodyPr>
+          <a:lstStyle/>
+          <a:p>
+            <a:r>
+              <a:rPr lang="es-ES" sz="1000" noProof="0" dirty="0">
+                <a:solidFill>
+                  <a:schemeClr val="tx1"/>
+                </a:solidFill>
+              </a:rPr>
+              <a:t>Julio 2025</a:t>
+            </a:r>
+          </a:p>
+        </p:txBody>
+      </p:sp>
+      <p:sp>
+        <p:nvSpPr>
+          <p:cNvPr id="6" name="CuadroTexto 5">
+            <a:extLst>
+              <a:ext uri="{FF2B5EF4-FFF2-40B4-BE49-F238E27FC236}">
+                <a16:creationId xmlns:a16="http://schemas.microsoft.com/office/drawing/2014/main" id="{9ACAD967-00F0-3B8D-4E47-278EEDC17134}"/>
+              </a:ext>
+            </a:extLst>
+          </p:cNvPr>
+          <p:cNvSpPr txBox="1"/>
+          <p:nvPr/>
+        </p:nvSpPr>
+        <p:spPr>
+          <a:xfrm>
+            <a:off x="69272" y="4777639"/>
+            <a:ext cx="1119193" cy="246221"/>
+          </a:xfrm>
+          <a:prstGeom prst="rect">
+            <a:avLst/>
+          </a:prstGeom>
+          <a:noFill/>
+        </p:spPr>
+        <p:txBody>
+          <a:bodyPr wrap="square" rtlCol="0">
+            <a:spAutoFit/>
+          </a:bodyPr>
+          <a:lstStyle/>
+          <a:p>
+            <a:r>
+              <a:rPr lang="es-ES" sz="1000" noProof="0" dirty="0">
+                <a:solidFill>
+                  <a:schemeClr val="tx1"/>
+                </a:solidFill>
+              </a:rPr>
+              <a:t>Proyecto final</a:t>
+            </a:r>
+          </a:p>
+        </p:txBody>
+      </p:sp>
+      <p:cxnSp>
+        <p:nvCxnSpPr>
+          <p:cNvPr id="7" name="Conector recto 6">
+            <a:extLst>
+              <a:ext uri="{FF2B5EF4-FFF2-40B4-BE49-F238E27FC236}">
+                <a16:creationId xmlns:a16="http://schemas.microsoft.com/office/drawing/2014/main" id="{BD354AE9-D323-E01A-7815-AD555842DF3D}"/>
+              </a:ext>
+            </a:extLst>
+          </p:cNvPr>
+          <p:cNvCxnSpPr/>
+          <p:nvPr/>
+        </p:nvCxnSpPr>
+        <p:spPr>
+          <a:xfrm>
+            <a:off x="69272" y="4777639"/>
+            <a:ext cx="8894619" cy="0"/>
+          </a:xfrm>
+          <a:prstGeom prst="line">
+            <a:avLst/>
+          </a:prstGeom>
+        </p:spPr>
+        <p:style>
+          <a:lnRef idx="1">
+            <a:schemeClr val="dk1"/>
+          </a:lnRef>
+          <a:fillRef idx="0">
+            <a:schemeClr val="dk1"/>
+          </a:fillRef>
+          <a:effectRef idx="0">
+            <a:schemeClr val="dk1"/>
+          </a:effectRef>
+          <a:fontRef idx="minor">
+            <a:schemeClr val="tx1"/>
+          </a:fontRef>
+        </p:style>
+      </p:cxnSp>
+      <p:sp>
+        <p:nvSpPr>
+          <p:cNvPr id="4" name="Google Shape;106;p20">
+            <a:extLst>
+              <a:ext uri="{FF2B5EF4-FFF2-40B4-BE49-F238E27FC236}">
+                <a16:creationId xmlns:a16="http://schemas.microsoft.com/office/drawing/2014/main" id="{183B96FB-9E26-BD20-86E5-AEA61C6E82B8}"/>
+              </a:ext>
+            </a:extLst>
+          </p:cNvPr>
+          <p:cNvSpPr txBox="1">
+            <a:spLocks/>
+          </p:cNvSpPr>
+          <p:nvPr/>
+        </p:nvSpPr>
+        <p:spPr>
+          <a:xfrm>
+            <a:off x="2447688" y="2195725"/>
+            <a:ext cx="3745294" cy="548984"/>
+          </a:xfrm>
+          <a:prstGeom prst="rect">
+            <a:avLst/>
+          </a:prstGeom>
+          <a:noFill/>
+          <a:ln>
+            <a:noFill/>
+          </a:ln>
+        </p:spPr>
+        <p:txBody>
+          <a:bodyPr spcFirstLastPara="1" wrap="square" lIns="91425" tIns="91425" rIns="91425" bIns="91425" anchor="b" anchorCtr="0">
+            <a:normAutofit/>
+          </a:bodyPr>
+          <a:lstStyle>
+            <a:defPPr marR="0" lvl="0" algn="l" rtl="0">
+              <a:lnSpc>
+                <a:spcPct val="100000"/>
+              </a:lnSpc>
+              <a:spcBef>
+                <a:spcPts val="0"/>
+              </a:spcBef>
+              <a:spcAft>
+                <a:spcPts val="0"/>
+              </a:spcAft>
+            </a:defPPr>
+            <a:lvl1pPr marR="0" lvl="0" algn="l" rtl="0">
+              <a:lnSpc>
+                <a:spcPct val="100000"/>
+              </a:lnSpc>
+              <a:spcBef>
+                <a:spcPts val="0"/>
+              </a:spcBef>
+              <a:spcAft>
+                <a:spcPts val="0"/>
+              </a:spcAft>
+              <a:buClr>
+                <a:schemeClr val="dk1"/>
+              </a:buClr>
+              <a:buSzPts val="3000"/>
+              <a:buFont typeface="Roboto Slab"/>
+              <a:buNone/>
+              <a:defRPr sz="3000" b="0" i="0" u="none" strike="noStrike" cap="none">
+                <a:solidFill>
+                  <a:schemeClr val="dk1"/>
+                </a:solidFill>
+                <a:latin typeface="Roboto Slab"/>
+                <a:ea typeface="Roboto Slab"/>
+                <a:cs typeface="Roboto Slab"/>
+                <a:sym typeface="Roboto Slab"/>
+              </a:defRPr>
+            </a:lvl1pPr>
+            <a:lvl2pPr marR="0" lvl="1" algn="l" rtl="0">
+              <a:lnSpc>
+                <a:spcPct val="100000"/>
+              </a:lnSpc>
+              <a:spcBef>
+                <a:spcPts val="0"/>
+              </a:spcBef>
+              <a:spcAft>
+                <a:spcPts val="0"/>
+              </a:spcAft>
+              <a:buClr>
+                <a:schemeClr val="dk1"/>
+              </a:buClr>
+              <a:buSzPts val="3000"/>
+              <a:buFont typeface="Roboto Slab"/>
+              <a:buNone/>
+              <a:defRPr sz="3000" b="0" i="0" u="none" strike="noStrike" cap="none">
+                <a:solidFill>
+                  <a:schemeClr val="dk1"/>
+                </a:solidFill>
+                <a:latin typeface="Roboto Slab"/>
+                <a:ea typeface="Roboto Slab"/>
+                <a:cs typeface="Roboto Slab"/>
+                <a:sym typeface="Roboto Slab"/>
+              </a:defRPr>
+            </a:lvl2pPr>
+            <a:lvl3pPr marR="0" lvl="2" algn="l" rtl="0">
+              <a:lnSpc>
+                <a:spcPct val="100000"/>
+              </a:lnSpc>
+              <a:spcBef>
+                <a:spcPts val="0"/>
+              </a:spcBef>
+              <a:spcAft>
+                <a:spcPts val="0"/>
+              </a:spcAft>
+              <a:buClr>
+                <a:schemeClr val="dk1"/>
+              </a:buClr>
+              <a:buSzPts val="3000"/>
+              <a:buFont typeface="Roboto Slab"/>
+              <a:buNone/>
+              <a:defRPr sz="3000" b="0" i="0" u="none" strike="noStrike" cap="none">
+                <a:solidFill>
+                  <a:schemeClr val="dk1"/>
+                </a:solidFill>
+                <a:latin typeface="Roboto Slab"/>
+                <a:ea typeface="Roboto Slab"/>
+                <a:cs typeface="Roboto Slab"/>
+                <a:sym typeface="Roboto Slab"/>
+              </a:defRPr>
+            </a:lvl3pPr>
+            <a:lvl4pPr marR="0" lvl="3" algn="l" rtl="0">
+              <a:lnSpc>
+                <a:spcPct val="100000"/>
+              </a:lnSpc>
+              <a:spcBef>
+                <a:spcPts val="0"/>
+              </a:spcBef>
+              <a:spcAft>
+                <a:spcPts val="0"/>
+              </a:spcAft>
+              <a:buClr>
+                <a:schemeClr val="dk1"/>
+              </a:buClr>
+              <a:buSzPts val="3000"/>
+              <a:buFont typeface="Roboto Slab"/>
+              <a:buNone/>
+              <a:defRPr sz="3000" b="0" i="0" u="none" strike="noStrike" cap="none">
+                <a:solidFill>
+                  <a:schemeClr val="dk1"/>
+                </a:solidFill>
+                <a:latin typeface="Roboto Slab"/>
+                <a:ea typeface="Roboto Slab"/>
+                <a:cs typeface="Roboto Slab"/>
+                <a:sym typeface="Roboto Slab"/>
+              </a:defRPr>
+            </a:lvl4pPr>
+            <a:lvl5pPr marR="0" lvl="4" algn="l" rtl="0">
+              <a:lnSpc>
+                <a:spcPct val="100000"/>
+              </a:lnSpc>
+              <a:spcBef>
+                <a:spcPts val="0"/>
+              </a:spcBef>
+              <a:spcAft>
+                <a:spcPts val="0"/>
+              </a:spcAft>
+              <a:buClr>
+                <a:schemeClr val="dk1"/>
+              </a:buClr>
+              <a:buSzPts val="3000"/>
+              <a:buFont typeface="Roboto Slab"/>
+              <a:buNone/>
+              <a:defRPr sz="3000" b="0" i="0" u="none" strike="noStrike" cap="none">
+                <a:solidFill>
+                  <a:schemeClr val="dk1"/>
+                </a:solidFill>
+                <a:latin typeface="Roboto Slab"/>
+                <a:ea typeface="Roboto Slab"/>
+                <a:cs typeface="Roboto Slab"/>
+                <a:sym typeface="Roboto Slab"/>
+              </a:defRPr>
+            </a:lvl5pPr>
+            <a:lvl6pPr marR="0" lvl="5" algn="l" rtl="0">
+              <a:lnSpc>
+                <a:spcPct val="100000"/>
+              </a:lnSpc>
+              <a:spcBef>
+                <a:spcPts val="0"/>
+              </a:spcBef>
+              <a:spcAft>
+                <a:spcPts val="0"/>
+              </a:spcAft>
+              <a:buClr>
+                <a:schemeClr val="dk1"/>
+              </a:buClr>
+              <a:buSzPts val="3000"/>
+              <a:buFont typeface="Roboto Slab"/>
+              <a:buNone/>
+              <a:defRPr sz="3000" b="0" i="0" u="none" strike="noStrike" cap="none">
+                <a:solidFill>
+                  <a:schemeClr val="dk1"/>
+                </a:solidFill>
+                <a:latin typeface="Roboto Slab"/>
+                <a:ea typeface="Roboto Slab"/>
+                <a:cs typeface="Roboto Slab"/>
+                <a:sym typeface="Roboto Slab"/>
+              </a:defRPr>
+            </a:lvl6pPr>
+            <a:lvl7pPr marR="0" lvl="6" algn="l" rtl="0">
+              <a:lnSpc>
+                <a:spcPct val="100000"/>
+              </a:lnSpc>
+              <a:spcBef>
+                <a:spcPts val="0"/>
+              </a:spcBef>
+              <a:spcAft>
+                <a:spcPts val="0"/>
+              </a:spcAft>
+              <a:buClr>
+                <a:schemeClr val="dk1"/>
+              </a:buClr>
+              <a:buSzPts val="3000"/>
+              <a:buFont typeface="Roboto Slab"/>
+              <a:buNone/>
+              <a:defRPr sz="3000" b="0" i="0" u="none" strike="noStrike" cap="none">
+                <a:solidFill>
+                  <a:schemeClr val="dk1"/>
+                </a:solidFill>
+                <a:latin typeface="Roboto Slab"/>
+                <a:ea typeface="Roboto Slab"/>
+                <a:cs typeface="Roboto Slab"/>
+                <a:sym typeface="Roboto Slab"/>
+              </a:defRPr>
+            </a:lvl7pPr>
+            <a:lvl8pPr marR="0" lvl="7" algn="l" rtl="0">
+              <a:lnSpc>
+                <a:spcPct val="100000"/>
+              </a:lnSpc>
+              <a:spcBef>
+                <a:spcPts val="0"/>
+              </a:spcBef>
+              <a:spcAft>
+                <a:spcPts val="0"/>
+              </a:spcAft>
+              <a:buClr>
+                <a:schemeClr val="dk1"/>
+              </a:buClr>
+              <a:buSzPts val="3000"/>
+              <a:buFont typeface="Roboto Slab"/>
+              <a:buNone/>
+              <a:defRPr sz="3000" b="0" i="0" u="none" strike="noStrike" cap="none">
+                <a:solidFill>
+                  <a:schemeClr val="dk1"/>
+                </a:solidFill>
+                <a:latin typeface="Roboto Slab"/>
+                <a:ea typeface="Roboto Slab"/>
+                <a:cs typeface="Roboto Slab"/>
+                <a:sym typeface="Roboto Slab"/>
+              </a:defRPr>
+            </a:lvl8pPr>
+            <a:lvl9pPr marR="0" lvl="8" algn="l" rtl="0">
+              <a:lnSpc>
+                <a:spcPct val="100000"/>
+              </a:lnSpc>
+              <a:spcBef>
+                <a:spcPts val="0"/>
+              </a:spcBef>
+              <a:spcAft>
+                <a:spcPts val="0"/>
+              </a:spcAft>
+              <a:buClr>
+                <a:schemeClr val="dk1"/>
+              </a:buClr>
+              <a:buSzPts val="3000"/>
+              <a:buFont typeface="Roboto Slab"/>
+              <a:buNone/>
+              <a:defRPr sz="3000" b="0" i="0" u="none" strike="noStrike" cap="none">
+                <a:solidFill>
+                  <a:schemeClr val="dk1"/>
+                </a:solidFill>
+                <a:latin typeface="Roboto Slab"/>
+                <a:ea typeface="Roboto Slab"/>
+                <a:cs typeface="Roboto Slab"/>
+                <a:sym typeface="Roboto Slab"/>
+              </a:defRPr>
+            </a:lvl9pPr>
+          </a:lstStyle>
+          <a:p>
+            <a:pPr algn="ctr"/>
+            <a:r>
+              <a:rPr lang="es-ES" sz="2400" dirty="0">
+                <a:solidFill>
+                  <a:srgbClr val="FF5050"/>
+                </a:solidFill>
+              </a:rPr>
+              <a:t>Dudas o preguntas</a:t>
+            </a:r>
+          </a:p>
+        </p:txBody>
+      </p:sp>
+      <p:sp>
+        <p:nvSpPr>
+          <p:cNvPr id="8" name="Google Shape;106;p20">
+            <a:extLst>
+              <a:ext uri="{FF2B5EF4-FFF2-40B4-BE49-F238E27FC236}">
+                <a16:creationId xmlns:a16="http://schemas.microsoft.com/office/drawing/2014/main" id="{E499ACF2-3386-E14F-C5F7-10AE0FC7E599}"/>
+              </a:ext>
+            </a:extLst>
+          </p:cNvPr>
+          <p:cNvSpPr txBox="1">
+            <a:spLocks/>
+          </p:cNvSpPr>
+          <p:nvPr/>
+        </p:nvSpPr>
+        <p:spPr>
+          <a:xfrm>
+            <a:off x="2447688" y="3788998"/>
+            <a:ext cx="3745294" cy="548984"/>
+          </a:xfrm>
+          <a:prstGeom prst="rect">
+            <a:avLst/>
+          </a:prstGeom>
+          <a:noFill/>
+          <a:ln>
+            <a:noFill/>
+          </a:ln>
+        </p:spPr>
+        <p:txBody>
+          <a:bodyPr spcFirstLastPara="1" wrap="square" lIns="91425" tIns="91425" rIns="91425" bIns="91425" anchor="b" anchorCtr="0">
+            <a:normAutofit/>
+          </a:bodyPr>
+          <a:lstStyle>
+            <a:defPPr marR="0" lvl="0" algn="l" rtl="0">
+              <a:lnSpc>
+                <a:spcPct val="100000"/>
+              </a:lnSpc>
+              <a:spcBef>
+                <a:spcPts val="0"/>
+              </a:spcBef>
+              <a:spcAft>
+                <a:spcPts val="0"/>
+              </a:spcAft>
+            </a:defPPr>
+            <a:lvl1pPr marR="0" lvl="0" algn="l" rtl="0">
+              <a:lnSpc>
+                <a:spcPct val="100000"/>
+              </a:lnSpc>
+              <a:spcBef>
+                <a:spcPts val="0"/>
+              </a:spcBef>
+              <a:spcAft>
+                <a:spcPts val="0"/>
+              </a:spcAft>
+              <a:buClr>
+                <a:schemeClr val="dk1"/>
+              </a:buClr>
+              <a:buSzPts val="3000"/>
+              <a:buFont typeface="Roboto Slab"/>
+              <a:buNone/>
+              <a:defRPr sz="3000" b="0" i="0" u="none" strike="noStrike" cap="none">
+                <a:solidFill>
+                  <a:schemeClr val="dk1"/>
+                </a:solidFill>
+                <a:latin typeface="Roboto Slab"/>
+                <a:ea typeface="Roboto Slab"/>
+                <a:cs typeface="Roboto Slab"/>
+                <a:sym typeface="Roboto Slab"/>
+              </a:defRPr>
+            </a:lvl1pPr>
+            <a:lvl2pPr marR="0" lvl="1" algn="l" rtl="0">
+              <a:lnSpc>
+                <a:spcPct val="100000"/>
+              </a:lnSpc>
+              <a:spcBef>
+                <a:spcPts val="0"/>
+              </a:spcBef>
+              <a:spcAft>
+                <a:spcPts val="0"/>
+              </a:spcAft>
+              <a:buClr>
+                <a:schemeClr val="dk1"/>
+              </a:buClr>
+              <a:buSzPts val="3000"/>
+              <a:buFont typeface="Roboto Slab"/>
+              <a:buNone/>
+              <a:defRPr sz="3000" b="0" i="0" u="none" strike="noStrike" cap="none">
+                <a:solidFill>
+                  <a:schemeClr val="dk1"/>
+                </a:solidFill>
+                <a:latin typeface="Roboto Slab"/>
+                <a:ea typeface="Roboto Slab"/>
+                <a:cs typeface="Roboto Slab"/>
+                <a:sym typeface="Roboto Slab"/>
+              </a:defRPr>
+            </a:lvl2pPr>
+            <a:lvl3pPr marR="0" lvl="2" algn="l" rtl="0">
+              <a:lnSpc>
+                <a:spcPct val="100000"/>
+              </a:lnSpc>
+              <a:spcBef>
+                <a:spcPts val="0"/>
+              </a:spcBef>
+              <a:spcAft>
+                <a:spcPts val="0"/>
+              </a:spcAft>
+              <a:buClr>
+                <a:schemeClr val="dk1"/>
+              </a:buClr>
+              <a:buSzPts val="3000"/>
+              <a:buFont typeface="Roboto Slab"/>
+              <a:buNone/>
+              <a:defRPr sz="3000" b="0" i="0" u="none" strike="noStrike" cap="none">
+                <a:solidFill>
+                  <a:schemeClr val="dk1"/>
+                </a:solidFill>
+                <a:latin typeface="Roboto Slab"/>
+                <a:ea typeface="Roboto Slab"/>
+                <a:cs typeface="Roboto Slab"/>
+                <a:sym typeface="Roboto Slab"/>
+              </a:defRPr>
+            </a:lvl3pPr>
+            <a:lvl4pPr marR="0" lvl="3" algn="l" rtl="0">
+              <a:lnSpc>
+                <a:spcPct val="100000"/>
+              </a:lnSpc>
+              <a:spcBef>
+                <a:spcPts val="0"/>
+              </a:spcBef>
+              <a:spcAft>
+                <a:spcPts val="0"/>
+              </a:spcAft>
+              <a:buClr>
+                <a:schemeClr val="dk1"/>
+              </a:buClr>
+              <a:buSzPts val="3000"/>
+              <a:buFont typeface="Roboto Slab"/>
+              <a:buNone/>
+              <a:defRPr sz="3000" b="0" i="0" u="none" strike="noStrike" cap="none">
+                <a:solidFill>
+                  <a:schemeClr val="dk1"/>
+                </a:solidFill>
+                <a:latin typeface="Roboto Slab"/>
+                <a:ea typeface="Roboto Slab"/>
+                <a:cs typeface="Roboto Slab"/>
+                <a:sym typeface="Roboto Slab"/>
+              </a:defRPr>
+            </a:lvl4pPr>
+            <a:lvl5pPr marR="0" lvl="4" algn="l" rtl="0">
+              <a:lnSpc>
+                <a:spcPct val="100000"/>
+              </a:lnSpc>
+              <a:spcBef>
+                <a:spcPts val="0"/>
+              </a:spcBef>
+              <a:spcAft>
+                <a:spcPts val="0"/>
+              </a:spcAft>
+              <a:buClr>
+                <a:schemeClr val="dk1"/>
+              </a:buClr>
+              <a:buSzPts val="3000"/>
+              <a:buFont typeface="Roboto Slab"/>
+              <a:buNone/>
+              <a:defRPr sz="3000" b="0" i="0" u="none" strike="noStrike" cap="none">
+                <a:solidFill>
+                  <a:schemeClr val="dk1"/>
+                </a:solidFill>
+                <a:latin typeface="Roboto Slab"/>
+                <a:ea typeface="Roboto Slab"/>
+                <a:cs typeface="Roboto Slab"/>
+                <a:sym typeface="Roboto Slab"/>
+              </a:defRPr>
+            </a:lvl5pPr>
+            <a:lvl6pPr marR="0" lvl="5" algn="l" rtl="0">
+              <a:lnSpc>
+                <a:spcPct val="100000"/>
+              </a:lnSpc>
+              <a:spcBef>
+                <a:spcPts val="0"/>
+              </a:spcBef>
+              <a:spcAft>
+                <a:spcPts val="0"/>
+              </a:spcAft>
+              <a:buClr>
+                <a:schemeClr val="dk1"/>
+              </a:buClr>
+              <a:buSzPts val="3000"/>
+              <a:buFont typeface="Roboto Slab"/>
+              <a:buNone/>
+              <a:defRPr sz="3000" b="0" i="0" u="none" strike="noStrike" cap="none">
+                <a:solidFill>
+                  <a:schemeClr val="dk1"/>
+                </a:solidFill>
+                <a:latin typeface="Roboto Slab"/>
+                <a:ea typeface="Roboto Slab"/>
+                <a:cs typeface="Roboto Slab"/>
+                <a:sym typeface="Roboto Slab"/>
+              </a:defRPr>
+            </a:lvl6pPr>
+            <a:lvl7pPr marR="0" lvl="6" algn="l" rtl="0">
+              <a:lnSpc>
+                <a:spcPct val="100000"/>
+              </a:lnSpc>
+              <a:spcBef>
+                <a:spcPts val="0"/>
+              </a:spcBef>
+              <a:spcAft>
+                <a:spcPts val="0"/>
+              </a:spcAft>
+              <a:buClr>
+                <a:schemeClr val="dk1"/>
+              </a:buClr>
+              <a:buSzPts val="3000"/>
+              <a:buFont typeface="Roboto Slab"/>
+              <a:buNone/>
+              <a:defRPr sz="3000" b="0" i="0" u="none" strike="noStrike" cap="none">
+                <a:solidFill>
+                  <a:schemeClr val="dk1"/>
+                </a:solidFill>
+                <a:latin typeface="Roboto Slab"/>
+                <a:ea typeface="Roboto Slab"/>
+                <a:cs typeface="Roboto Slab"/>
+                <a:sym typeface="Roboto Slab"/>
+              </a:defRPr>
+            </a:lvl7pPr>
+            <a:lvl8pPr marR="0" lvl="7" algn="l" rtl="0">
+              <a:lnSpc>
+                <a:spcPct val="100000"/>
+              </a:lnSpc>
+              <a:spcBef>
+                <a:spcPts val="0"/>
+              </a:spcBef>
+              <a:spcAft>
+                <a:spcPts val="0"/>
+              </a:spcAft>
+              <a:buClr>
+                <a:schemeClr val="dk1"/>
+              </a:buClr>
+              <a:buSzPts val="3000"/>
+              <a:buFont typeface="Roboto Slab"/>
+              <a:buNone/>
+              <a:defRPr sz="3000" b="0" i="0" u="none" strike="noStrike" cap="none">
+                <a:solidFill>
+                  <a:schemeClr val="dk1"/>
+                </a:solidFill>
+                <a:latin typeface="Roboto Slab"/>
+                <a:ea typeface="Roboto Slab"/>
+                <a:cs typeface="Roboto Slab"/>
+                <a:sym typeface="Roboto Slab"/>
+              </a:defRPr>
+            </a:lvl8pPr>
+            <a:lvl9pPr marR="0" lvl="8" algn="l" rtl="0">
+              <a:lnSpc>
+                <a:spcPct val="100000"/>
+              </a:lnSpc>
+              <a:spcBef>
+                <a:spcPts val="0"/>
+              </a:spcBef>
+              <a:spcAft>
+                <a:spcPts val="0"/>
+              </a:spcAft>
+              <a:buClr>
+                <a:schemeClr val="dk1"/>
+              </a:buClr>
+              <a:buSzPts val="3000"/>
+              <a:buFont typeface="Roboto Slab"/>
+              <a:buNone/>
+              <a:defRPr sz="3000" b="0" i="0" u="none" strike="noStrike" cap="none">
+                <a:solidFill>
+                  <a:schemeClr val="dk1"/>
+                </a:solidFill>
+                <a:latin typeface="Roboto Slab"/>
+                <a:ea typeface="Roboto Slab"/>
+                <a:cs typeface="Roboto Slab"/>
+                <a:sym typeface="Roboto Slab"/>
+              </a:defRPr>
+            </a:lvl9pPr>
+          </a:lstStyle>
+          <a:p>
+            <a:pPr algn="ctr"/>
+            <a:r>
+              <a:rPr lang="es-ES" sz="2400" dirty="0"/>
+              <a:t>Gracias</a:t>
+            </a:r>
           </a:p>
         </p:txBody>
       </p:sp>
@@ -8084,7 +10994,7 @@
 </file>
 
 <file path=ppt/theme/theme1.xml><?xml version="1.0" encoding="utf-8"?>
-<a:theme xmlns:a="http://schemas.openxmlformats.org/drawingml/2006/main" xmlns:r="http://schemas.openxmlformats.org/officeDocument/2006/relationships" name="Marina">
+<a:theme xmlns:a="http://schemas.openxmlformats.org/drawingml/2006/main" name="Marina">
   <a:themeElements>
     <a:clrScheme name="Marina">
       <a:dk1>
@@ -8359,11 +11269,13 @@
       </a:bgFillStyleLst>
     </a:fmtScheme>
   </a:themeElements>
+  <a:objectDefaults/>
+  <a:extraClrSchemeLst/>
 </a:theme>
 </file>
 
 <file path=ppt/theme/theme2.xml><?xml version="1.0" encoding="utf-8"?>
-<a:theme xmlns:a="http://schemas.openxmlformats.org/drawingml/2006/main" xmlns:r="http://schemas.openxmlformats.org/officeDocument/2006/relationships">
+<a:theme xmlns:a="http://schemas.openxmlformats.org/drawingml/2006/main">
   <a:themeElements>
     <a:clrScheme name="Default">
       <a:dk1>
@@ -8638,5 +11550,7 @@
       </a:bgFillStyleLst>
     </a:fmtScheme>
   </a:themeElements>
+  <a:objectDefaults/>
+  <a:extraClrSchemeLst/>
 </a:theme>
 </file>